--- a/function_roadmap.pptx
+++ b/function_roadmap.pptx
@@ -6,6 +6,7 @@
   </p:sldMasterIdLst>
   <p:sldIdLst>
     <p:sldId id="256" r:id="rId2"/>
+    <p:sldId id="257" r:id="rId3"/>
   </p:sldIdLst>
   <p:sldSz cx="12192000" cy="6858000"/>
   <p:notesSz cx="6858000" cy="9144000"/>
@@ -104,6 +105,11 @@
       </a:defRPr>
     </a:lvl9pPr>
   </p:defaultTextStyle>
+  <p:extLst>
+    <p:ext uri="{EFAFB233-063F-42B5-8137-9DF3F51BA10A}">
+      <p15:sldGuideLst xmlns:p15="http://schemas.microsoft.com/office/powerpoint/2012/main"/>
+    </p:ext>
+  </p:extLst>
 </p:presentation>
 </file>
 
@@ -238,7 +244,7 @@
           <a:p>
             <a:fld id="{97EBAB20-6CF7-4F11-B4EA-76A188F145A2}" type="datetimeFigureOut">
               <a:rPr lang="zh-TW" altLang="en-US" smtClean="0"/>
-              <a:t>2017/7/12</a:t>
+              <a:t>2017/8/2</a:t>
             </a:fld>
             <a:endParaRPr lang="zh-TW" altLang="en-US"/>
           </a:p>
@@ -408,7 +414,7 @@
           <a:p>
             <a:fld id="{97EBAB20-6CF7-4F11-B4EA-76A188F145A2}" type="datetimeFigureOut">
               <a:rPr lang="zh-TW" altLang="en-US" smtClean="0"/>
-              <a:t>2017/7/12</a:t>
+              <a:t>2017/8/2</a:t>
             </a:fld>
             <a:endParaRPr lang="zh-TW" altLang="en-US"/>
           </a:p>
@@ -588,7 +594,7 @@
           <a:p>
             <a:fld id="{97EBAB20-6CF7-4F11-B4EA-76A188F145A2}" type="datetimeFigureOut">
               <a:rPr lang="zh-TW" altLang="en-US" smtClean="0"/>
-              <a:t>2017/7/12</a:t>
+              <a:t>2017/8/2</a:t>
             </a:fld>
             <a:endParaRPr lang="zh-TW" altLang="en-US"/>
           </a:p>
@@ -758,7 +764,7 @@
           <a:p>
             <a:fld id="{97EBAB20-6CF7-4F11-B4EA-76A188F145A2}" type="datetimeFigureOut">
               <a:rPr lang="zh-TW" altLang="en-US" smtClean="0"/>
-              <a:t>2017/7/12</a:t>
+              <a:t>2017/8/2</a:t>
             </a:fld>
             <a:endParaRPr lang="zh-TW" altLang="en-US"/>
           </a:p>
@@ -1004,7 +1010,7 @@
           <a:p>
             <a:fld id="{97EBAB20-6CF7-4F11-B4EA-76A188F145A2}" type="datetimeFigureOut">
               <a:rPr lang="zh-TW" altLang="en-US" smtClean="0"/>
-              <a:t>2017/7/12</a:t>
+              <a:t>2017/8/2</a:t>
             </a:fld>
             <a:endParaRPr lang="zh-TW" altLang="en-US"/>
           </a:p>
@@ -1236,7 +1242,7 @@
           <a:p>
             <a:fld id="{97EBAB20-6CF7-4F11-B4EA-76A188F145A2}" type="datetimeFigureOut">
               <a:rPr lang="zh-TW" altLang="en-US" smtClean="0"/>
-              <a:t>2017/7/12</a:t>
+              <a:t>2017/8/2</a:t>
             </a:fld>
             <a:endParaRPr lang="zh-TW" altLang="en-US"/>
           </a:p>
@@ -1603,7 +1609,7 @@
           <a:p>
             <a:fld id="{97EBAB20-6CF7-4F11-B4EA-76A188F145A2}" type="datetimeFigureOut">
               <a:rPr lang="zh-TW" altLang="en-US" smtClean="0"/>
-              <a:t>2017/7/12</a:t>
+              <a:t>2017/8/2</a:t>
             </a:fld>
             <a:endParaRPr lang="zh-TW" altLang="en-US"/>
           </a:p>
@@ -1721,7 +1727,7 @@
           <a:p>
             <a:fld id="{97EBAB20-6CF7-4F11-B4EA-76A188F145A2}" type="datetimeFigureOut">
               <a:rPr lang="zh-TW" altLang="en-US" smtClean="0"/>
-              <a:t>2017/7/12</a:t>
+              <a:t>2017/8/2</a:t>
             </a:fld>
             <a:endParaRPr lang="zh-TW" altLang="en-US"/>
           </a:p>
@@ -1816,7 +1822,7 @@
           <a:p>
             <a:fld id="{97EBAB20-6CF7-4F11-B4EA-76A188F145A2}" type="datetimeFigureOut">
               <a:rPr lang="zh-TW" altLang="en-US" smtClean="0"/>
-              <a:t>2017/7/12</a:t>
+              <a:t>2017/8/2</a:t>
             </a:fld>
             <a:endParaRPr lang="zh-TW" altLang="en-US"/>
           </a:p>
@@ -2093,7 +2099,7 @@
           <a:p>
             <a:fld id="{97EBAB20-6CF7-4F11-B4EA-76A188F145A2}" type="datetimeFigureOut">
               <a:rPr lang="zh-TW" altLang="en-US" smtClean="0"/>
-              <a:t>2017/7/12</a:t>
+              <a:t>2017/8/2</a:t>
             </a:fld>
             <a:endParaRPr lang="zh-TW" altLang="en-US"/>
           </a:p>
@@ -2346,7 +2352,7 @@
           <a:p>
             <a:fld id="{97EBAB20-6CF7-4F11-B4EA-76A188F145A2}" type="datetimeFigureOut">
               <a:rPr lang="zh-TW" altLang="en-US" smtClean="0"/>
-              <a:t>2017/7/12</a:t>
+              <a:t>2017/8/2</a:t>
             </a:fld>
             <a:endParaRPr lang="zh-TW" altLang="en-US"/>
           </a:p>
@@ -2559,7 +2565,7 @@
           <a:p>
             <a:fld id="{97EBAB20-6CF7-4F11-B4EA-76A188F145A2}" type="datetimeFigureOut">
               <a:rPr lang="zh-TW" altLang="en-US" smtClean="0"/>
-              <a:t>2017/7/12</a:t>
+              <a:t>2017/8/2</a:t>
             </a:fld>
             <a:endParaRPr lang="zh-TW" altLang="en-US"/>
           </a:p>
@@ -2964,6 +2970,47 @@
           <a:chExt cx="0" cy="0"/>
         </a:xfrm>
       </p:grpSpPr>
+      <p:cxnSp>
+        <p:nvCxnSpPr>
+          <p:cNvPr id="113" name="Straight Arrow Connector 112"/>
+          <p:cNvCxnSpPr>
+            <a:stCxn id="54" idx="3"/>
+            <a:endCxn id="35" idx="0"/>
+          </p:cNvCxnSpPr>
+          <p:nvPr/>
+        </p:nvCxnSpPr>
+        <p:spPr>
+          <a:xfrm flipV="1">
+            <a:off x="6170762" y="3567157"/>
+            <a:ext cx="1394053" cy="1320344"/>
+          </a:xfrm>
+          <a:prstGeom prst="straightConnector1">
+            <a:avLst/>
+          </a:prstGeom>
+          <a:ln w="12700">
+            <a:solidFill>
+              <a:schemeClr val="accent6">
+                <a:lumMod val="50000"/>
+              </a:schemeClr>
+            </a:solidFill>
+            <a:tailEnd type="triangle"/>
+          </a:ln>
+        </p:spPr>
+        <p:style>
+          <a:lnRef idx="1">
+            <a:schemeClr val="accent1"/>
+          </a:lnRef>
+          <a:fillRef idx="0">
+            <a:schemeClr val="accent1"/>
+          </a:fillRef>
+          <a:effectRef idx="0">
+            <a:schemeClr val="accent1"/>
+          </a:effectRef>
+          <a:fontRef idx="minor">
+            <a:schemeClr val="tx1"/>
+          </a:fontRef>
+        </p:style>
+      </p:cxnSp>
       <p:sp>
         <p:nvSpPr>
           <p:cNvPr id="4" name="Rectangle 3"/>
@@ -3047,50 +3094,6 @@
             <a:r>
               <a:rPr lang="en-US" altLang="zh-TW" sz="1200" dirty="0" err="1"/>
               <a:t>check_tag_name</a:t>
-            </a:r>
-            <a:endParaRPr lang="en-US" altLang="zh-TW" sz="1200" dirty="0"/>
-          </a:p>
-        </p:txBody>
-      </p:sp>
-      <p:sp>
-        <p:nvSpPr>
-          <p:cNvPr id="6" name="Rectangle 5"/>
-          <p:cNvSpPr/>
-          <p:nvPr/>
-        </p:nvSpPr>
-        <p:spPr>
-          <a:xfrm>
-            <a:off x="887051" y="1847321"/>
-            <a:ext cx="1341301" cy="279961"/>
-          </a:xfrm>
-          <a:prstGeom prst="rect">
-            <a:avLst/>
-          </a:prstGeom>
-        </p:spPr>
-        <p:style>
-          <a:lnRef idx="2">
-            <a:schemeClr val="accent4">
-              <a:shade val="50000"/>
-            </a:schemeClr>
-          </a:lnRef>
-          <a:fillRef idx="1">
-            <a:schemeClr val="accent4"/>
-          </a:fillRef>
-          <a:effectRef idx="0">
-            <a:schemeClr val="accent4"/>
-          </a:effectRef>
-          <a:fontRef idx="minor">
-            <a:schemeClr val="lt1"/>
-          </a:fontRef>
-        </p:style>
-        <p:txBody>
-          <a:bodyPr rtlCol="0" anchor="ctr"/>
-          <a:lstStyle/>
-          <a:p>
-            <a:pPr algn="ctr"/>
-            <a:r>
-              <a:rPr lang="en-US" altLang="zh-TW" sz="1200" dirty="0" err="1"/>
-              <a:t>save_path</a:t>
             </a:r>
             <a:endParaRPr lang="en-US" altLang="zh-TW" sz="1200" dirty="0"/>
           </a:p>
@@ -3137,14 +3140,14 @@
           <p:cNvPr id="19" name="Connector: Elbow 18"/>
           <p:cNvCxnSpPr>
             <a:stCxn id="5" idx="2"/>
-            <a:endCxn id="6" idx="0"/>
+            <a:endCxn id="55" idx="0"/>
           </p:cNvCxnSpPr>
           <p:nvPr/>
         </p:nvCxnSpPr>
         <p:spPr>
-          <a:xfrm rot="16200000" flipH="1">
-            <a:off x="1348665" y="1638283"/>
-            <a:ext cx="402569" cy="15505"/>
+          <a:xfrm rot="5400000">
+            <a:off x="1304822" y="1682127"/>
+            <a:ext cx="474751" cy="1"/>
           </a:xfrm>
           <a:prstGeom prst="bentConnector3">
             <a:avLst/>
@@ -3168,19 +3171,151 @@
           </a:fontRef>
         </p:style>
       </p:cxnSp>
+      <p:sp>
+        <p:nvSpPr>
+          <p:cNvPr id="35" name="Rectangle 34"/>
+          <p:cNvSpPr/>
+          <p:nvPr/>
+        </p:nvSpPr>
+        <p:spPr>
+          <a:xfrm>
+            <a:off x="6894164" y="3567157"/>
+            <a:ext cx="1341301" cy="279961"/>
+          </a:xfrm>
+          <a:prstGeom prst="rect">
+            <a:avLst/>
+          </a:prstGeom>
+        </p:spPr>
+        <p:style>
+          <a:lnRef idx="2">
+            <a:schemeClr val="accent2">
+              <a:shade val="50000"/>
+            </a:schemeClr>
+          </a:lnRef>
+          <a:fillRef idx="1">
+            <a:schemeClr val="accent2"/>
+          </a:fillRef>
+          <a:effectRef idx="0">
+            <a:schemeClr val="accent2"/>
+          </a:effectRef>
+          <a:fontRef idx="minor">
+            <a:schemeClr val="lt1"/>
+          </a:fontRef>
+        </p:style>
+        <p:txBody>
+          <a:bodyPr rtlCol="0" anchor="ctr"/>
+          <a:lstStyle/>
+          <a:p>
+            <a:pPr algn="ctr"/>
+            <a:r>
+              <a:rPr lang="en-US" altLang="zh-TW" sz="1200" dirty="0" err="1"/>
+              <a:t>update_tag</a:t>
+            </a:r>
+            <a:endParaRPr lang="en-US" altLang="zh-TW" sz="1200" dirty="0"/>
+          </a:p>
+        </p:txBody>
+      </p:sp>
+      <p:sp>
+        <p:nvSpPr>
+          <p:cNvPr id="50" name="Rectangle 49"/>
+          <p:cNvSpPr/>
+          <p:nvPr/>
+        </p:nvSpPr>
+        <p:spPr>
+          <a:xfrm>
+            <a:off x="9376105" y="5189268"/>
+            <a:ext cx="1341301" cy="279961"/>
+          </a:xfrm>
+          <a:prstGeom prst="rect">
+            <a:avLst/>
+          </a:prstGeom>
+        </p:spPr>
+        <p:style>
+          <a:lnRef idx="2">
+            <a:schemeClr val="accent4">
+              <a:shade val="50000"/>
+            </a:schemeClr>
+          </a:lnRef>
+          <a:fillRef idx="1">
+            <a:schemeClr val="accent4"/>
+          </a:fillRef>
+          <a:effectRef idx="0">
+            <a:schemeClr val="accent4"/>
+          </a:effectRef>
+          <a:fontRef idx="minor">
+            <a:schemeClr val="lt1"/>
+          </a:fontRef>
+        </p:style>
+        <p:txBody>
+          <a:bodyPr rtlCol="0" anchor="ctr"/>
+          <a:lstStyle/>
+          <a:p>
+            <a:pPr algn="ctr"/>
+            <a:r>
+              <a:rPr lang="en-US" altLang="zh-TW" sz="1200" dirty="0" err="1"/>
+              <a:t>delete_tag</a:t>
+            </a:r>
+            <a:endParaRPr lang="en-US" altLang="zh-TW" sz="1200" dirty="0"/>
+          </a:p>
+        </p:txBody>
+      </p:sp>
+      <p:sp>
+        <p:nvSpPr>
+          <p:cNvPr id="51" name="Rectangle 50"/>
+          <p:cNvSpPr/>
+          <p:nvPr/>
+        </p:nvSpPr>
+        <p:spPr>
+          <a:xfrm>
+            <a:off x="9102381" y="6249005"/>
+            <a:ext cx="1888748" cy="279961"/>
+          </a:xfrm>
+          <a:prstGeom prst="rect">
+            <a:avLst/>
+          </a:prstGeom>
+        </p:spPr>
+        <p:style>
+          <a:lnRef idx="2">
+            <a:schemeClr val="accent6">
+              <a:shade val="50000"/>
+            </a:schemeClr>
+          </a:lnRef>
+          <a:fillRef idx="1">
+            <a:schemeClr val="accent6"/>
+          </a:fillRef>
+          <a:effectRef idx="0">
+            <a:schemeClr val="accent6"/>
+          </a:effectRef>
+          <a:fontRef idx="minor">
+            <a:schemeClr val="lt1"/>
+          </a:fontRef>
+        </p:style>
+        <p:txBody>
+          <a:bodyPr rtlCol="0" anchor="ctr"/>
+          <a:lstStyle/>
+          <a:p>
+            <a:pPr algn="ctr"/>
+            <a:r>
+              <a:rPr lang="en-US" altLang="zh-TW" sz="1200" dirty="0" err="1"/>
+              <a:t>delete_tag_from_list</a:t>
+            </a:r>
+            <a:endParaRPr lang="en-US" altLang="zh-TW" sz="1200" dirty="0"/>
+          </a:p>
+        </p:txBody>
+      </p:sp>
       <p:cxnSp>
         <p:nvCxnSpPr>
-          <p:cNvPr id="45" name="Connector: Elbow 44"/>
+          <p:cNvPr id="56" name="Connector: Elbow 55"/>
           <p:cNvCxnSpPr>
-            <a:stCxn id="6" idx="2"/>
-            <a:endCxn id="92" idx="0"/>
+            <a:stCxn id="35" idx="2"/>
+            <a:endCxn id="107" idx="0"/>
           </p:cNvCxnSpPr>
           <p:nvPr/>
         </p:nvCxnSpPr>
         <p:spPr>
-          <a:xfrm rot="16200000" flipH="1">
-            <a:off x="1824546" y="1860438"/>
-            <a:ext cx="610764" cy="1144452"/>
+          <a:xfrm rot="5400000">
+            <a:off x="7349928" y="4062005"/>
+            <a:ext cx="429775" cy="1"/>
           </a:xfrm>
           <a:prstGeom prst="bentConnector3">
             <a:avLst>
@@ -3208,14 +3343,583 @@
       </p:cxnSp>
       <p:sp>
         <p:nvSpPr>
-          <p:cNvPr id="53" name="Rectangle 52"/>
+          <p:cNvPr id="59" name="Rectangle 58"/>
           <p:cNvSpPr/>
           <p:nvPr/>
         </p:nvSpPr>
         <p:spPr>
           <a:xfrm>
-            <a:off x="59140" y="2738046"/>
+            <a:off x="10316774" y="5860022"/>
+            <a:ext cx="1685181" cy="263164"/>
+          </a:xfrm>
+          <a:prstGeom prst="rect">
+            <a:avLst/>
+          </a:prstGeom>
+        </p:spPr>
+        <p:style>
+          <a:lnRef idx="2">
+            <a:schemeClr val="accent6">
+              <a:shade val="50000"/>
+            </a:schemeClr>
+          </a:lnRef>
+          <a:fillRef idx="1">
+            <a:schemeClr val="accent6"/>
+          </a:fillRef>
+          <a:effectRef idx="0">
+            <a:schemeClr val="accent6"/>
+          </a:effectRef>
+          <a:fontRef idx="minor">
+            <a:schemeClr val="lt1"/>
+          </a:fontRef>
+        </p:style>
+        <p:txBody>
+          <a:bodyPr rtlCol="0" anchor="ctr"/>
+          <a:lstStyle/>
+          <a:p>
+            <a:pPr algn="ctr"/>
+            <a:r>
+              <a:rPr lang="en-US" altLang="zh-TW" sz="1200" dirty="0" err="1"/>
+              <a:t>unset_tag_in_shell</a:t>
+            </a:r>
+            <a:endParaRPr lang="en-US" altLang="zh-TW" sz="1200" dirty="0"/>
+          </a:p>
+        </p:txBody>
+      </p:sp>
+      <p:cxnSp>
+        <p:nvCxnSpPr>
+          <p:cNvPr id="61" name="Connector: Elbow 60"/>
+          <p:cNvCxnSpPr>
+            <a:stCxn id="50" idx="2"/>
+            <a:endCxn id="59" idx="0"/>
+          </p:cNvCxnSpPr>
+          <p:nvPr/>
+        </p:nvCxnSpPr>
+        <p:spPr>
+          <a:xfrm rot="16200000" flipH="1">
+            <a:off x="10407664" y="5108320"/>
+            <a:ext cx="390793" cy="1112609"/>
+          </a:xfrm>
+          <a:prstGeom prst="bentConnector3">
+            <a:avLst>
+              <a:gd name="adj1" fmla="val 50000"/>
+            </a:avLst>
+          </a:prstGeom>
+          <a:ln>
+            <a:tailEnd type="triangle"/>
+          </a:ln>
+        </p:spPr>
+        <p:style>
+          <a:lnRef idx="1">
+            <a:schemeClr val="accent1"/>
+          </a:lnRef>
+          <a:fillRef idx="0">
+            <a:schemeClr val="accent1"/>
+          </a:fillRef>
+          <a:effectRef idx="0">
+            <a:schemeClr val="accent1"/>
+          </a:effectRef>
+          <a:fontRef idx="minor">
+            <a:schemeClr val="tx1"/>
+          </a:fontRef>
+        </p:style>
+      </p:cxnSp>
+      <p:cxnSp>
+        <p:nvCxnSpPr>
+          <p:cNvPr id="65" name="Connector: Elbow 64"/>
+          <p:cNvCxnSpPr>
+            <a:stCxn id="50" idx="2"/>
+            <a:endCxn id="51" idx="0"/>
+          </p:cNvCxnSpPr>
+          <p:nvPr/>
+        </p:nvCxnSpPr>
+        <p:spPr>
+          <a:xfrm rot="5400000">
+            <a:off x="9656868" y="5859117"/>
+            <a:ext cx="779776" cy="1"/>
+          </a:xfrm>
+          <a:prstGeom prst="bentConnector3">
+            <a:avLst/>
+          </a:prstGeom>
+          <a:ln>
+            <a:tailEnd type="triangle"/>
+          </a:ln>
+        </p:spPr>
+        <p:style>
+          <a:lnRef idx="1">
+            <a:schemeClr val="accent1"/>
+          </a:lnRef>
+          <a:fillRef idx="0">
+            <a:schemeClr val="accent1"/>
+          </a:fillRef>
+          <a:effectRef idx="0">
+            <a:schemeClr val="accent1"/>
+          </a:effectRef>
+          <a:fontRef idx="minor">
+            <a:schemeClr val="tx1"/>
+          </a:fontRef>
+        </p:style>
+      </p:cxnSp>
+      <p:sp>
+        <p:nvSpPr>
+          <p:cNvPr id="7" name="Rectangle 6"/>
+          <p:cNvSpPr/>
+          <p:nvPr/>
+        </p:nvSpPr>
+        <p:spPr>
+          <a:xfrm>
+            <a:off x="663014" y="4136913"/>
+            <a:ext cx="1783262" cy="279961"/>
+          </a:xfrm>
+          <a:prstGeom prst="rect">
+            <a:avLst/>
+          </a:prstGeom>
+        </p:spPr>
+        <p:style>
+          <a:lnRef idx="2">
+            <a:schemeClr val="accent6">
+              <a:shade val="50000"/>
+            </a:schemeClr>
+          </a:lnRef>
+          <a:fillRef idx="1">
+            <a:schemeClr val="accent6"/>
+          </a:fillRef>
+          <a:effectRef idx="0">
+            <a:schemeClr val="accent6"/>
+          </a:effectRef>
+          <a:fontRef idx="minor">
+            <a:schemeClr val="lt1"/>
+          </a:fontRef>
+        </p:style>
+        <p:txBody>
+          <a:bodyPr rtlCol="0" anchor="ctr"/>
+          <a:lstStyle/>
+          <a:p>
+            <a:pPr algn="ctr"/>
+            <a:r>
+              <a:rPr lang="en-US" altLang="zh-TW" sz="1200" dirty="0" err="1"/>
+              <a:t>check_tag_name_format</a:t>
+            </a:r>
+            <a:endParaRPr lang="en-US" altLang="zh-TW" sz="1200" dirty="0"/>
+          </a:p>
+        </p:txBody>
+      </p:sp>
+      <p:sp>
+        <p:nvSpPr>
+          <p:cNvPr id="8" name="Rectangle 7"/>
+          <p:cNvSpPr/>
+          <p:nvPr/>
+        </p:nvSpPr>
+        <p:spPr>
+          <a:xfrm>
+            <a:off x="883995" y="4641820"/>
             <a:ext cx="1341301" cy="279961"/>
+          </a:xfrm>
+          <a:prstGeom prst="rect">
+            <a:avLst/>
+          </a:prstGeom>
+        </p:spPr>
+        <p:style>
+          <a:lnRef idx="2">
+            <a:schemeClr val="accent6">
+              <a:shade val="50000"/>
+            </a:schemeClr>
+          </a:lnRef>
+          <a:fillRef idx="1">
+            <a:schemeClr val="accent6"/>
+          </a:fillRef>
+          <a:effectRef idx="0">
+            <a:schemeClr val="accent6"/>
+          </a:effectRef>
+          <a:fontRef idx="minor">
+            <a:schemeClr val="lt1"/>
+          </a:fontRef>
+        </p:style>
+        <p:txBody>
+          <a:bodyPr rtlCol="0" anchor="ctr"/>
+          <a:lstStyle/>
+          <a:p>
+            <a:pPr algn="ctr"/>
+            <a:r>
+              <a:rPr lang="en-US" altLang="zh-TW" sz="1200" dirty="0" err="1"/>
+              <a:t>get_tag_path</a:t>
+            </a:r>
+            <a:endParaRPr lang="en-US" altLang="zh-TW" sz="1200" dirty="0"/>
+          </a:p>
+        </p:txBody>
+      </p:sp>
+      <p:sp>
+        <p:nvSpPr>
+          <p:cNvPr id="9" name="Rectangle 8"/>
+          <p:cNvSpPr/>
+          <p:nvPr/>
+        </p:nvSpPr>
+        <p:spPr>
+          <a:xfrm>
+            <a:off x="876261" y="5189268"/>
+            <a:ext cx="1341301" cy="279961"/>
+          </a:xfrm>
+          <a:prstGeom prst="rect">
+            <a:avLst/>
+          </a:prstGeom>
+        </p:spPr>
+        <p:style>
+          <a:lnRef idx="2">
+            <a:schemeClr val="accent6">
+              <a:shade val="50000"/>
+            </a:schemeClr>
+          </a:lnRef>
+          <a:fillRef idx="1">
+            <a:schemeClr val="accent6"/>
+          </a:fillRef>
+          <a:effectRef idx="0">
+            <a:schemeClr val="accent6"/>
+          </a:effectRef>
+          <a:fontRef idx="minor">
+            <a:schemeClr val="lt1"/>
+          </a:fontRef>
+        </p:style>
+        <p:txBody>
+          <a:bodyPr rtlCol="0" anchor="ctr"/>
+          <a:lstStyle/>
+          <a:p>
+            <a:pPr algn="ctr"/>
+            <a:r>
+              <a:rPr lang="en-US" altLang="zh-TW" sz="1200" dirty="0" err="1"/>
+              <a:t>check_tag_conflict</a:t>
+            </a:r>
+            <a:endParaRPr lang="en-US" altLang="zh-TW" sz="1200" dirty="0"/>
+          </a:p>
+        </p:txBody>
+      </p:sp>
+      <p:cxnSp>
+        <p:nvCxnSpPr>
+          <p:cNvPr id="13" name="Connector: Elbow 12"/>
+          <p:cNvCxnSpPr>
+            <a:stCxn id="88" idx="2"/>
+            <a:endCxn id="7" idx="0"/>
+          </p:cNvCxnSpPr>
+          <p:nvPr/>
+        </p:nvCxnSpPr>
+        <p:spPr>
+          <a:xfrm rot="5400000">
+            <a:off x="1434680" y="4014651"/>
+            <a:ext cx="242227" cy="2296"/>
+          </a:xfrm>
+          <a:prstGeom prst="bentConnector3">
+            <a:avLst>
+              <a:gd name="adj1" fmla="val 50000"/>
+            </a:avLst>
+          </a:prstGeom>
+          <a:ln>
+            <a:tailEnd type="triangle"/>
+          </a:ln>
+        </p:spPr>
+        <p:style>
+          <a:lnRef idx="1">
+            <a:schemeClr val="accent1"/>
+          </a:lnRef>
+          <a:fillRef idx="0">
+            <a:schemeClr val="accent1"/>
+          </a:fillRef>
+          <a:effectRef idx="0">
+            <a:schemeClr val="accent1"/>
+          </a:effectRef>
+          <a:fontRef idx="minor">
+            <a:schemeClr val="tx1"/>
+          </a:fontRef>
+        </p:style>
+      </p:cxnSp>
+      <p:cxnSp>
+        <p:nvCxnSpPr>
+          <p:cNvPr id="15" name="Connector: Elbow 14"/>
+          <p:cNvCxnSpPr>
+            <a:stCxn id="7" idx="2"/>
+            <a:endCxn id="8" idx="0"/>
+          </p:cNvCxnSpPr>
+          <p:nvPr/>
+        </p:nvCxnSpPr>
+        <p:spPr>
+          <a:xfrm rot="16200000" flipH="1">
+            <a:off x="1442172" y="4529346"/>
+            <a:ext cx="224946" cy="1"/>
+          </a:xfrm>
+          <a:prstGeom prst="bentConnector3">
+            <a:avLst/>
+          </a:prstGeom>
+          <a:ln>
+            <a:tailEnd type="triangle"/>
+          </a:ln>
+        </p:spPr>
+        <p:style>
+          <a:lnRef idx="1">
+            <a:schemeClr val="accent1"/>
+          </a:lnRef>
+          <a:fillRef idx="0">
+            <a:schemeClr val="accent1"/>
+          </a:fillRef>
+          <a:effectRef idx="0">
+            <a:schemeClr val="accent1"/>
+          </a:effectRef>
+          <a:fontRef idx="minor">
+            <a:schemeClr val="tx1"/>
+          </a:fontRef>
+        </p:style>
+      </p:cxnSp>
+      <p:cxnSp>
+        <p:nvCxnSpPr>
+          <p:cNvPr id="17" name="Connector: Elbow 16"/>
+          <p:cNvCxnSpPr>
+            <a:stCxn id="8" idx="2"/>
+            <a:endCxn id="9" idx="0"/>
+          </p:cNvCxnSpPr>
+          <p:nvPr/>
+        </p:nvCxnSpPr>
+        <p:spPr>
+          <a:xfrm rot="5400000">
+            <a:off x="1417036" y="5051657"/>
+            <a:ext cx="267487" cy="7734"/>
+          </a:xfrm>
+          <a:prstGeom prst="bentConnector3">
+            <a:avLst/>
+          </a:prstGeom>
+          <a:ln>
+            <a:tailEnd type="triangle"/>
+          </a:ln>
+        </p:spPr>
+        <p:style>
+          <a:lnRef idx="1">
+            <a:schemeClr val="accent1"/>
+          </a:lnRef>
+          <a:fillRef idx="0">
+            <a:schemeClr val="accent1"/>
+          </a:fillRef>
+          <a:effectRef idx="0">
+            <a:schemeClr val="accent1"/>
+          </a:effectRef>
+          <a:fontRef idx="minor">
+            <a:schemeClr val="tx1"/>
+          </a:fontRef>
+        </p:style>
+      </p:cxnSp>
+      <p:sp>
+        <p:nvSpPr>
+          <p:cNvPr id="88" name="Rectangle 87"/>
+          <p:cNvSpPr/>
+          <p:nvPr/>
+        </p:nvSpPr>
+        <p:spPr>
+          <a:xfrm>
+            <a:off x="886290" y="3614725"/>
+            <a:ext cx="1341301" cy="279961"/>
+          </a:xfrm>
+          <a:prstGeom prst="rect">
+            <a:avLst/>
+          </a:prstGeom>
+        </p:spPr>
+        <p:style>
+          <a:lnRef idx="2">
+            <a:schemeClr val="accent2">
+              <a:shade val="50000"/>
+            </a:schemeClr>
+          </a:lnRef>
+          <a:fillRef idx="1">
+            <a:schemeClr val="accent2"/>
+          </a:fillRef>
+          <a:effectRef idx="0">
+            <a:schemeClr val="accent2"/>
+          </a:effectRef>
+          <a:fontRef idx="minor">
+            <a:schemeClr val="lt1"/>
+          </a:fontRef>
+        </p:style>
+        <p:txBody>
+          <a:bodyPr rtlCol="0" anchor="ctr"/>
+          <a:lstStyle/>
+          <a:p>
+            <a:pPr algn="ctr"/>
+            <a:r>
+              <a:rPr lang="en-US" altLang="zh-TW" sz="1200" dirty="0" err="1"/>
+              <a:t>check_tag_name</a:t>
+            </a:r>
+            <a:endParaRPr lang="en-US" altLang="zh-TW" sz="1200" dirty="0"/>
+          </a:p>
+        </p:txBody>
+      </p:sp>
+      <p:cxnSp>
+        <p:nvCxnSpPr>
+          <p:cNvPr id="111" name="Straight Arrow Connector 110"/>
+          <p:cNvCxnSpPr>
+            <a:stCxn id="5" idx="3"/>
+            <a:endCxn id="88" idx="0"/>
+          </p:cNvCxnSpPr>
+          <p:nvPr/>
+        </p:nvCxnSpPr>
+        <p:spPr>
+          <a:xfrm flipH="1">
+            <a:off x="1556941" y="1304772"/>
+            <a:ext cx="655906" cy="2309953"/>
+          </a:xfrm>
+          <a:prstGeom prst="straightConnector1">
+            <a:avLst/>
+          </a:prstGeom>
+          <a:ln w="12700">
+            <a:solidFill>
+              <a:schemeClr val="accent6">
+                <a:lumMod val="50000"/>
+              </a:schemeClr>
+            </a:solidFill>
+            <a:tailEnd type="triangle"/>
+          </a:ln>
+        </p:spPr>
+        <p:style>
+          <a:lnRef idx="1">
+            <a:schemeClr val="accent1"/>
+          </a:lnRef>
+          <a:fillRef idx="0">
+            <a:schemeClr val="accent1"/>
+          </a:fillRef>
+          <a:effectRef idx="0">
+            <a:schemeClr val="accent1"/>
+          </a:effectRef>
+          <a:fontRef idx="minor">
+            <a:schemeClr val="tx1"/>
+          </a:fontRef>
+        </p:style>
+      </p:cxnSp>
+      <p:sp>
+        <p:nvSpPr>
+          <p:cNvPr id="116" name="Rectangle 115"/>
+          <p:cNvSpPr/>
+          <p:nvPr/>
+        </p:nvSpPr>
+        <p:spPr>
+          <a:xfrm>
+            <a:off x="3754625" y="6325783"/>
+            <a:ext cx="1341301" cy="279961"/>
+          </a:xfrm>
+          <a:prstGeom prst="rect">
+            <a:avLst/>
+          </a:prstGeom>
+        </p:spPr>
+        <p:style>
+          <a:lnRef idx="2">
+            <a:schemeClr val="accent6">
+              <a:shade val="50000"/>
+            </a:schemeClr>
+          </a:lnRef>
+          <a:fillRef idx="1">
+            <a:schemeClr val="accent6"/>
+          </a:fillRef>
+          <a:effectRef idx="0">
+            <a:schemeClr val="accent6"/>
+          </a:effectRef>
+          <a:fontRef idx="minor">
+            <a:schemeClr val="lt1"/>
+          </a:fontRef>
+        </p:style>
+        <p:txBody>
+          <a:bodyPr rtlCol="0" anchor="ctr"/>
+          <a:lstStyle/>
+          <a:p>
+            <a:pPr algn="ctr"/>
+            <a:r>
+              <a:rPr lang="en-US" altLang="zh-TW" sz="1200" dirty="0" err="1"/>
+              <a:t>set_tag_in_shell</a:t>
+            </a:r>
+            <a:endParaRPr lang="en-US" altLang="zh-TW" sz="1200" dirty="0"/>
+          </a:p>
+        </p:txBody>
+      </p:sp>
+      <p:sp>
+        <p:nvSpPr>
+          <p:cNvPr id="117" name="Rectangle 116"/>
+          <p:cNvSpPr/>
+          <p:nvPr/>
+        </p:nvSpPr>
+        <p:spPr>
+          <a:xfrm>
+            <a:off x="3754626" y="5684279"/>
+            <a:ext cx="1341301" cy="279961"/>
+          </a:xfrm>
+          <a:prstGeom prst="rect">
+            <a:avLst/>
+          </a:prstGeom>
+        </p:spPr>
+        <p:style>
+          <a:lnRef idx="2">
+            <a:schemeClr val="accent2">
+              <a:shade val="50000"/>
+            </a:schemeClr>
+          </a:lnRef>
+          <a:fillRef idx="1">
+            <a:schemeClr val="accent2"/>
+          </a:fillRef>
+          <a:effectRef idx="0">
+            <a:schemeClr val="accent2"/>
+          </a:effectRef>
+          <a:fontRef idx="minor">
+            <a:schemeClr val="lt1"/>
+          </a:fontRef>
+        </p:style>
+        <p:txBody>
+          <a:bodyPr rtlCol="0" anchor="ctr"/>
+          <a:lstStyle/>
+          <a:p>
+            <a:pPr algn="ctr"/>
+            <a:r>
+              <a:rPr lang="en-US" altLang="zh-TW" sz="1200" dirty="0" err="1"/>
+              <a:t>add_new_tag</a:t>
+            </a:r>
+            <a:endParaRPr lang="en-US" altLang="zh-TW" sz="1200" dirty="0"/>
+          </a:p>
+        </p:txBody>
+      </p:sp>
+      <p:cxnSp>
+        <p:nvCxnSpPr>
+          <p:cNvPr id="120" name="Connector: Elbow 119"/>
+          <p:cNvCxnSpPr>
+            <a:stCxn id="117" idx="2"/>
+            <a:endCxn id="116" idx="0"/>
+          </p:cNvCxnSpPr>
+          <p:nvPr/>
+        </p:nvCxnSpPr>
+        <p:spPr>
+          <a:xfrm rot="5400000">
+            <a:off x="4244506" y="6145011"/>
+            <a:ext cx="361543" cy="1"/>
+          </a:xfrm>
+          <a:prstGeom prst="bentConnector3">
+            <a:avLst/>
+          </a:prstGeom>
+          <a:ln>
+            <a:tailEnd type="triangle"/>
+          </a:ln>
+        </p:spPr>
+        <p:style>
+          <a:lnRef idx="1">
+            <a:schemeClr val="accent1"/>
+          </a:lnRef>
+          <a:fillRef idx="0">
+            <a:schemeClr val="accent1"/>
+          </a:fillRef>
+          <a:effectRef idx="0">
+            <a:schemeClr val="accent1"/>
+          </a:effectRef>
+          <a:fontRef idx="minor">
+            <a:schemeClr val="tx1"/>
+          </a:fontRef>
+        </p:style>
+      </p:cxnSp>
+      <p:sp>
+        <p:nvSpPr>
+          <p:cNvPr id="121" name="Rectangle 120"/>
+          <p:cNvSpPr/>
+          <p:nvPr/>
+        </p:nvSpPr>
+        <p:spPr>
+          <a:xfrm>
+            <a:off x="2729012" y="1164791"/>
+            <a:ext cx="1242683" cy="279961"/>
           </a:xfrm>
           <a:prstGeom prst="rect">
             <a:avLst/>
@@ -3244,35 +3948,680 @@
             <a:pPr algn="ctr"/>
             <a:r>
               <a:rPr lang="en-US" altLang="zh-TW" sz="1200" dirty="0" err="1"/>
-              <a:t>add_new_tag</a:t>
+              <a:t>show_list</a:t>
             </a:r>
             <a:endParaRPr lang="en-US" altLang="zh-TW" sz="1200" dirty="0"/>
           </a:p>
         </p:txBody>
       </p:sp>
+      <p:sp>
+        <p:nvSpPr>
+          <p:cNvPr id="122" name="Rectangle 121"/>
+          <p:cNvSpPr/>
+          <p:nvPr/>
+        </p:nvSpPr>
+        <p:spPr>
+          <a:xfrm>
+            <a:off x="10513466" y="9335396"/>
+            <a:ext cx="1341301" cy="279961"/>
+          </a:xfrm>
+          <a:prstGeom prst="rect">
+            <a:avLst/>
+          </a:prstGeom>
+        </p:spPr>
+        <p:style>
+          <a:lnRef idx="2">
+            <a:schemeClr val="accent6">
+              <a:shade val="50000"/>
+            </a:schemeClr>
+          </a:lnRef>
+          <a:fillRef idx="1">
+            <a:schemeClr val="accent6"/>
+          </a:fillRef>
+          <a:effectRef idx="0">
+            <a:schemeClr val="accent6"/>
+          </a:effectRef>
+          <a:fontRef idx="minor">
+            <a:schemeClr val="lt1"/>
+          </a:fontRef>
+        </p:style>
+        <p:txBody>
+          <a:bodyPr rtlCol="0" anchor="ctr"/>
+          <a:lstStyle/>
+          <a:p>
+            <a:pPr algn="ctr"/>
+            <a:r>
+              <a:rPr lang="en-US" altLang="zh-TW" sz="1200" dirty="0" err="1"/>
+              <a:t>set_tag_in_shell</a:t>
+            </a:r>
+            <a:endParaRPr lang="en-US" altLang="zh-TW" sz="1200" dirty="0"/>
+          </a:p>
+        </p:txBody>
+      </p:sp>
+      <p:sp>
+        <p:nvSpPr>
+          <p:cNvPr id="126" name="Rectangle 125"/>
+          <p:cNvSpPr/>
+          <p:nvPr/>
+        </p:nvSpPr>
+        <p:spPr>
+          <a:xfrm>
+            <a:off x="10472338" y="9866596"/>
+            <a:ext cx="1341301" cy="279961"/>
+          </a:xfrm>
+          <a:prstGeom prst="rect">
+            <a:avLst/>
+          </a:prstGeom>
+        </p:spPr>
+        <p:style>
+          <a:lnRef idx="2">
+            <a:schemeClr val="accent6">
+              <a:shade val="50000"/>
+            </a:schemeClr>
+          </a:lnRef>
+          <a:fillRef idx="1">
+            <a:schemeClr val="accent6"/>
+          </a:fillRef>
+          <a:effectRef idx="0">
+            <a:schemeClr val="accent6"/>
+          </a:effectRef>
+          <a:fontRef idx="minor">
+            <a:schemeClr val="lt1"/>
+          </a:fontRef>
+        </p:style>
+        <p:txBody>
+          <a:bodyPr rtlCol="0" anchor="ctr"/>
+          <a:lstStyle/>
+          <a:p>
+            <a:pPr algn="ctr"/>
+            <a:r>
+              <a:rPr lang="en-US" altLang="zh-TW" sz="1200" dirty="0" err="1"/>
+              <a:t>show_info</a:t>
+            </a:r>
+            <a:endParaRPr lang="en-US" altLang="zh-TW" sz="1200" dirty="0"/>
+          </a:p>
+        </p:txBody>
+      </p:sp>
+      <p:sp>
+        <p:nvSpPr>
+          <p:cNvPr id="127" name="Rectangle 126"/>
+          <p:cNvSpPr/>
+          <p:nvPr/>
+        </p:nvSpPr>
+        <p:spPr>
+          <a:xfrm>
+            <a:off x="12082295" y="8760816"/>
+            <a:ext cx="1341301" cy="279961"/>
+          </a:xfrm>
+          <a:prstGeom prst="rect">
+            <a:avLst/>
+          </a:prstGeom>
+        </p:spPr>
+        <p:style>
+          <a:lnRef idx="2">
+            <a:schemeClr val="accent6">
+              <a:shade val="50000"/>
+            </a:schemeClr>
+          </a:lnRef>
+          <a:fillRef idx="1">
+            <a:schemeClr val="accent6"/>
+          </a:fillRef>
+          <a:effectRef idx="0">
+            <a:schemeClr val="accent6"/>
+          </a:effectRef>
+          <a:fontRef idx="minor">
+            <a:schemeClr val="lt1"/>
+          </a:fontRef>
+        </p:style>
+        <p:txBody>
+          <a:bodyPr rtlCol="0" anchor="ctr"/>
+          <a:lstStyle/>
+          <a:p>
+            <a:pPr algn="ctr"/>
+            <a:r>
+              <a:rPr lang="en-US" altLang="zh-TW" sz="1200" dirty="0" err="1"/>
+              <a:t>check_tag_conflict</a:t>
+            </a:r>
+            <a:endParaRPr lang="en-US" altLang="zh-TW" sz="1200" dirty="0"/>
+          </a:p>
+        </p:txBody>
+      </p:sp>
+      <p:sp>
+        <p:nvSpPr>
+          <p:cNvPr id="128" name="Rectangle 127"/>
+          <p:cNvSpPr/>
+          <p:nvPr/>
+        </p:nvSpPr>
+        <p:spPr>
+          <a:xfrm>
+            <a:off x="12082294" y="9198751"/>
+            <a:ext cx="1341301" cy="279961"/>
+          </a:xfrm>
+          <a:prstGeom prst="rect">
+            <a:avLst/>
+          </a:prstGeom>
+        </p:spPr>
+        <p:style>
+          <a:lnRef idx="2">
+            <a:schemeClr val="accent6">
+              <a:shade val="50000"/>
+            </a:schemeClr>
+          </a:lnRef>
+          <a:fillRef idx="1">
+            <a:schemeClr val="accent6"/>
+          </a:fillRef>
+          <a:effectRef idx="0">
+            <a:schemeClr val="accent6"/>
+          </a:effectRef>
+          <a:fontRef idx="minor">
+            <a:schemeClr val="lt1"/>
+          </a:fontRef>
+        </p:style>
+        <p:txBody>
+          <a:bodyPr rtlCol="0" anchor="ctr"/>
+          <a:lstStyle/>
+          <a:p>
+            <a:pPr algn="ctr"/>
+            <a:r>
+              <a:rPr lang="en-US" altLang="zh-TW" sz="1200" dirty="0" err="1"/>
+              <a:t>set_tag_in_shell</a:t>
+            </a:r>
+            <a:endParaRPr lang="en-US" altLang="zh-TW" sz="1200" dirty="0"/>
+          </a:p>
+        </p:txBody>
+      </p:sp>
+      <p:cxnSp>
+        <p:nvCxnSpPr>
+          <p:cNvPr id="130" name="Connector: Elbow 129"/>
+          <p:cNvCxnSpPr>
+            <a:stCxn id="46" idx="2"/>
+            <a:endCxn id="127" idx="0"/>
+          </p:cNvCxnSpPr>
+          <p:nvPr/>
+        </p:nvCxnSpPr>
+        <p:spPr>
+          <a:xfrm rot="16200000" flipH="1">
+            <a:off x="11756967" y="7764837"/>
+            <a:ext cx="418062" cy="1573895"/>
+          </a:xfrm>
+          <a:prstGeom prst="bentConnector3">
+            <a:avLst>
+              <a:gd name="adj1" fmla="val 50000"/>
+            </a:avLst>
+          </a:prstGeom>
+          <a:ln>
+            <a:tailEnd type="triangle"/>
+          </a:ln>
+        </p:spPr>
+        <p:style>
+          <a:lnRef idx="1">
+            <a:schemeClr val="accent1"/>
+          </a:lnRef>
+          <a:fillRef idx="0">
+            <a:schemeClr val="accent1"/>
+          </a:fillRef>
+          <a:effectRef idx="0">
+            <a:schemeClr val="accent1"/>
+          </a:effectRef>
+          <a:fontRef idx="minor">
+            <a:schemeClr val="tx1"/>
+          </a:fontRef>
+        </p:style>
+      </p:cxnSp>
+      <p:cxnSp>
+        <p:nvCxnSpPr>
+          <p:cNvPr id="132" name="Connector: Elbow 131"/>
+          <p:cNvCxnSpPr>
+            <a:stCxn id="127" idx="2"/>
+            <a:endCxn id="128" idx="0"/>
+          </p:cNvCxnSpPr>
+          <p:nvPr/>
+        </p:nvCxnSpPr>
+        <p:spPr>
+          <a:xfrm rot="5400000">
+            <a:off x="12673959" y="9119764"/>
+            <a:ext cx="157974" cy="1"/>
+          </a:xfrm>
+          <a:prstGeom prst="bentConnector3">
+            <a:avLst/>
+          </a:prstGeom>
+          <a:ln>
+            <a:tailEnd type="triangle"/>
+          </a:ln>
+        </p:spPr>
+        <p:style>
+          <a:lnRef idx="1">
+            <a:schemeClr val="accent1"/>
+          </a:lnRef>
+          <a:fillRef idx="0">
+            <a:schemeClr val="accent1"/>
+          </a:fillRef>
+          <a:effectRef idx="0">
+            <a:schemeClr val="accent1"/>
+          </a:effectRef>
+          <a:fontRef idx="minor">
+            <a:schemeClr val="tx1"/>
+          </a:fontRef>
+        </p:style>
+      </p:cxnSp>
+      <p:cxnSp>
+        <p:nvCxnSpPr>
+          <p:cNvPr id="134" name="Connector: Elbow 133"/>
+          <p:cNvCxnSpPr>
+            <a:stCxn id="122" idx="2"/>
+            <a:endCxn id="126" idx="0"/>
+          </p:cNvCxnSpPr>
+          <p:nvPr/>
+        </p:nvCxnSpPr>
+        <p:spPr>
+          <a:xfrm rot="5400000">
+            <a:off x="11037934" y="9720412"/>
+            <a:ext cx="251239" cy="41128"/>
+          </a:xfrm>
+          <a:prstGeom prst="bentConnector3">
+            <a:avLst/>
+          </a:prstGeom>
+          <a:ln>
+            <a:tailEnd type="triangle"/>
+          </a:ln>
+        </p:spPr>
+        <p:style>
+          <a:lnRef idx="1">
+            <a:schemeClr val="accent1"/>
+          </a:lnRef>
+          <a:fillRef idx="0">
+            <a:schemeClr val="accent1"/>
+          </a:fillRef>
+          <a:effectRef idx="0">
+            <a:schemeClr val="accent1"/>
+          </a:effectRef>
+          <a:fontRef idx="minor">
+            <a:schemeClr val="tx1"/>
+          </a:fontRef>
+        </p:style>
+      </p:cxnSp>
+      <p:cxnSp>
+        <p:nvCxnSpPr>
+          <p:cNvPr id="136" name="Connector: Elbow 135"/>
+          <p:cNvCxnSpPr>
+            <a:stCxn id="4" idx="2"/>
+            <a:endCxn id="121" idx="0"/>
+          </p:cNvCxnSpPr>
+          <p:nvPr/>
+        </p:nvCxnSpPr>
+        <p:spPr>
+          <a:xfrm rot="16200000" flipH="1">
+            <a:off x="2263169" y="77605"/>
+            <a:ext cx="366215" cy="1808156"/>
+          </a:xfrm>
+          <a:prstGeom prst="bentConnector3">
+            <a:avLst>
+              <a:gd name="adj1" fmla="val 50000"/>
+            </a:avLst>
+          </a:prstGeom>
+          <a:ln>
+            <a:tailEnd type="triangle"/>
+          </a:ln>
+        </p:spPr>
+        <p:style>
+          <a:lnRef idx="1">
+            <a:schemeClr val="accent1"/>
+          </a:lnRef>
+          <a:fillRef idx="0">
+            <a:schemeClr val="accent1"/>
+          </a:fillRef>
+          <a:effectRef idx="0">
+            <a:schemeClr val="accent1"/>
+          </a:effectRef>
+          <a:fontRef idx="minor">
+            <a:schemeClr val="tx1"/>
+          </a:fontRef>
+        </p:style>
+      </p:cxnSp>
+      <p:cxnSp>
+        <p:nvCxnSpPr>
+          <p:cNvPr id="42" name="Straight Arrow Connector 41"/>
+          <p:cNvCxnSpPr>
+            <a:stCxn id="52" idx="3"/>
+            <a:endCxn id="117" idx="0"/>
+          </p:cNvCxnSpPr>
+          <p:nvPr/>
+        </p:nvCxnSpPr>
+        <p:spPr>
+          <a:xfrm>
+            <a:off x="4198399" y="4887501"/>
+            <a:ext cx="226878" cy="796778"/>
+          </a:xfrm>
+          <a:prstGeom prst="straightConnector1">
+            <a:avLst/>
+          </a:prstGeom>
+          <a:ln w="12700">
+            <a:solidFill>
+              <a:schemeClr val="accent6">
+                <a:lumMod val="50000"/>
+              </a:schemeClr>
+            </a:solidFill>
+            <a:tailEnd type="triangle"/>
+          </a:ln>
+        </p:spPr>
+        <p:style>
+          <a:lnRef idx="1">
+            <a:schemeClr val="accent1"/>
+          </a:lnRef>
+          <a:fillRef idx="0">
+            <a:schemeClr val="accent1"/>
+          </a:fillRef>
+          <a:effectRef idx="0">
+            <a:schemeClr val="accent1"/>
+          </a:effectRef>
+          <a:fontRef idx="minor">
+            <a:schemeClr val="tx1"/>
+          </a:fontRef>
+        </p:style>
+      </p:cxnSp>
+      <p:sp>
+        <p:nvSpPr>
+          <p:cNvPr id="46" name="Rectangle 45"/>
+          <p:cNvSpPr/>
+          <p:nvPr/>
+        </p:nvSpPr>
+        <p:spPr>
+          <a:xfrm>
+            <a:off x="10508400" y="8062793"/>
+            <a:ext cx="1341301" cy="279961"/>
+          </a:xfrm>
+          <a:prstGeom prst="rect">
+            <a:avLst/>
+          </a:prstGeom>
+        </p:spPr>
+        <p:style>
+          <a:lnRef idx="2">
+            <a:schemeClr val="accent2">
+              <a:shade val="50000"/>
+            </a:schemeClr>
+          </a:lnRef>
+          <a:fillRef idx="1">
+            <a:schemeClr val="accent2"/>
+          </a:fillRef>
+          <a:effectRef idx="0">
+            <a:schemeClr val="accent2"/>
+          </a:effectRef>
+          <a:fontRef idx="minor">
+            <a:schemeClr val="lt1"/>
+          </a:fontRef>
+        </p:style>
+        <p:txBody>
+          <a:bodyPr rtlCol="0" anchor="ctr"/>
+          <a:lstStyle/>
+          <a:p>
+            <a:pPr algn="ctr"/>
+            <a:r>
+              <a:rPr lang="en-US" altLang="zh-TW" sz="1200" dirty="0" err="1"/>
+              <a:t>show_list</a:t>
+            </a:r>
+            <a:endParaRPr lang="en-US" altLang="zh-TW" sz="1200" dirty="0"/>
+          </a:p>
+        </p:txBody>
+      </p:sp>
+      <p:cxnSp>
+        <p:nvCxnSpPr>
+          <p:cNvPr id="34" name="Connector: Elbow 33"/>
+          <p:cNvCxnSpPr>
+            <a:stCxn id="46" idx="2"/>
+            <a:endCxn id="122" idx="0"/>
+          </p:cNvCxnSpPr>
+          <p:nvPr/>
+        </p:nvCxnSpPr>
+        <p:spPr>
+          <a:xfrm rot="16200000" flipH="1">
+            <a:off x="10685263" y="8836542"/>
+            <a:ext cx="992642" cy="5066"/>
+          </a:xfrm>
+          <a:prstGeom prst="bentConnector3">
+            <a:avLst/>
+          </a:prstGeom>
+          <a:ln>
+            <a:tailEnd type="triangle"/>
+          </a:ln>
+        </p:spPr>
+        <p:style>
+          <a:lnRef idx="1">
+            <a:schemeClr val="accent1"/>
+          </a:lnRef>
+          <a:fillRef idx="0">
+            <a:schemeClr val="accent1"/>
+          </a:fillRef>
+          <a:effectRef idx="0">
+            <a:schemeClr val="accent1"/>
+          </a:effectRef>
+          <a:fontRef idx="minor">
+            <a:schemeClr val="tx1"/>
+          </a:fontRef>
+        </p:style>
+      </p:cxnSp>
+      <p:sp>
+        <p:nvSpPr>
+          <p:cNvPr id="69" name="Rectangle 68"/>
+          <p:cNvSpPr/>
+          <p:nvPr/>
+        </p:nvSpPr>
+        <p:spPr>
+          <a:xfrm>
+            <a:off x="4507653" y="1164811"/>
+            <a:ext cx="1242683" cy="297955"/>
+          </a:xfrm>
+          <a:prstGeom prst="rect">
+            <a:avLst/>
+          </a:prstGeom>
+        </p:spPr>
+        <p:style>
+          <a:lnRef idx="2">
+            <a:schemeClr val="accent4">
+              <a:shade val="50000"/>
+            </a:schemeClr>
+          </a:lnRef>
+          <a:fillRef idx="1">
+            <a:schemeClr val="accent4"/>
+          </a:fillRef>
+          <a:effectRef idx="0">
+            <a:schemeClr val="accent4"/>
+          </a:effectRef>
+          <a:fontRef idx="minor">
+            <a:schemeClr val="lt1"/>
+          </a:fontRef>
+        </p:style>
+        <p:txBody>
+          <a:bodyPr rtlCol="0" anchor="ctr"/>
+          <a:lstStyle/>
+          <a:p>
+            <a:pPr algn="ctr"/>
+            <a:r>
+              <a:rPr lang="en-US" altLang="zh-TW" sz="1200" dirty="0" err="1"/>
+              <a:t>check_path</a:t>
+            </a:r>
+            <a:endParaRPr lang="en-US" altLang="zh-TW" sz="1200" dirty="0"/>
+          </a:p>
+        </p:txBody>
+      </p:sp>
+      <p:sp>
+        <p:nvSpPr>
+          <p:cNvPr id="70" name="Rectangle 69"/>
+          <p:cNvSpPr/>
+          <p:nvPr/>
+        </p:nvSpPr>
+        <p:spPr>
+          <a:xfrm>
+            <a:off x="6272821" y="532851"/>
+            <a:ext cx="1242683" cy="297955"/>
+          </a:xfrm>
+          <a:prstGeom prst="rect">
+            <a:avLst/>
+          </a:prstGeom>
+        </p:spPr>
+        <p:style>
+          <a:lnRef idx="2">
+            <a:schemeClr val="accent2">
+              <a:shade val="50000"/>
+            </a:schemeClr>
+          </a:lnRef>
+          <a:fillRef idx="1">
+            <a:schemeClr val="accent2"/>
+          </a:fillRef>
+          <a:effectRef idx="0">
+            <a:schemeClr val="accent2"/>
+          </a:effectRef>
+          <a:fontRef idx="minor">
+            <a:schemeClr val="lt1"/>
+          </a:fontRef>
+        </p:style>
+        <p:txBody>
+          <a:bodyPr rtlCol="0" anchor="ctr"/>
+          <a:lstStyle/>
+          <a:p>
+            <a:pPr algn="ctr"/>
+            <a:r>
+              <a:rPr lang="en-US" altLang="zh-TW" sz="1200" dirty="0" err="1"/>
+              <a:t>show_list</a:t>
+            </a:r>
+            <a:endParaRPr lang="en-US" altLang="zh-TW" sz="1200" dirty="0"/>
+          </a:p>
+        </p:txBody>
+      </p:sp>
+      <p:cxnSp>
+        <p:nvCxnSpPr>
+          <p:cNvPr id="40" name="Connector: Elbow 39"/>
+          <p:cNvCxnSpPr>
+            <a:stCxn id="4" idx="2"/>
+            <a:endCxn id="69" idx="0"/>
+          </p:cNvCxnSpPr>
+          <p:nvPr/>
+        </p:nvCxnSpPr>
+        <p:spPr>
+          <a:xfrm rot="16200000" flipH="1">
+            <a:off x="3152479" y="-811706"/>
+            <a:ext cx="366235" cy="3586797"/>
+          </a:xfrm>
+          <a:prstGeom prst="bentConnector3">
+            <a:avLst>
+              <a:gd name="adj1" fmla="val 50000"/>
+            </a:avLst>
+          </a:prstGeom>
+          <a:ln>
+            <a:tailEnd type="triangle"/>
+          </a:ln>
+        </p:spPr>
+        <p:style>
+          <a:lnRef idx="1">
+            <a:schemeClr val="accent1"/>
+          </a:lnRef>
+          <a:fillRef idx="0">
+            <a:schemeClr val="accent1"/>
+          </a:fillRef>
+          <a:effectRef idx="0">
+            <a:schemeClr val="accent1"/>
+          </a:effectRef>
+          <a:fontRef idx="minor">
+            <a:schemeClr val="tx1"/>
+          </a:fontRef>
+        </p:style>
+      </p:cxnSp>
       <p:grpSp>
         <p:nvGrpSpPr>
-          <p:cNvPr id="115" name="Group 114"/>
+          <p:cNvPr id="30" name="Group 29"/>
           <p:cNvGrpSpPr/>
           <p:nvPr/>
         </p:nvGrpSpPr>
         <p:grpSpPr>
           <a:xfrm>
-            <a:off x="5022457" y="518615"/>
-            <a:ext cx="2899574" cy="1989672"/>
-            <a:chOff x="4599461" y="518615"/>
-            <a:chExt cx="2899574" cy="1989672"/>
+            <a:off x="2857098" y="3856795"/>
+            <a:ext cx="3313664" cy="1170686"/>
+            <a:chOff x="8024335" y="539196"/>
+            <a:chExt cx="3313664" cy="1170686"/>
           </a:xfrm>
         </p:grpSpPr>
+        <p:cxnSp>
+          <p:nvCxnSpPr>
+            <p:cNvPr id="45" name="Connector: Elbow 44"/>
+            <p:cNvCxnSpPr>
+              <a:stCxn id="49" idx="2"/>
+              <a:endCxn id="54" idx="0"/>
+            </p:cNvCxnSpPr>
+            <p:nvPr/>
+          </p:nvCxnSpPr>
+          <p:spPr>
+            <a:xfrm rot="16200000" flipH="1">
+              <a:off x="9789741" y="552313"/>
+              <a:ext cx="610764" cy="1144452"/>
+            </a:xfrm>
+            <a:prstGeom prst="bentConnector3">
+              <a:avLst>
+                <a:gd name="adj1" fmla="val 50000"/>
+              </a:avLst>
+            </a:prstGeom>
+            <a:ln>
+              <a:tailEnd type="triangle"/>
+            </a:ln>
+          </p:spPr>
+          <p:style>
+            <a:lnRef idx="1">
+              <a:schemeClr val="accent1"/>
+            </a:lnRef>
+            <a:fillRef idx="0">
+              <a:schemeClr val="accent1"/>
+            </a:fillRef>
+            <a:effectRef idx="0">
+              <a:schemeClr val="accent1"/>
+            </a:effectRef>
+            <a:fontRef idx="minor">
+              <a:schemeClr val="tx1"/>
+            </a:fontRef>
+          </p:style>
+        </p:cxnSp>
+        <p:cxnSp>
+          <p:nvCxnSpPr>
+            <p:cNvPr id="87" name="Connector: Elbow 86"/>
+            <p:cNvCxnSpPr>
+              <a:stCxn id="49" idx="2"/>
+              <a:endCxn id="52" idx="0"/>
+            </p:cNvCxnSpPr>
+            <p:nvPr/>
+          </p:nvCxnSpPr>
+          <p:spPr>
+            <a:xfrm rot="5400000">
+              <a:off x="8803560" y="710584"/>
+              <a:ext cx="610764" cy="827911"/>
+            </a:xfrm>
+            <a:prstGeom prst="bentConnector3">
+              <a:avLst/>
+            </a:prstGeom>
+            <a:ln>
+              <a:tailEnd type="triangle"/>
+            </a:ln>
+          </p:spPr>
+          <p:style>
+            <a:lnRef idx="1">
+              <a:schemeClr val="accent1"/>
+            </a:lnRef>
+            <a:fillRef idx="0">
+              <a:schemeClr val="accent1"/>
+            </a:fillRef>
+            <a:effectRef idx="0">
+              <a:schemeClr val="accent1"/>
+            </a:effectRef>
+            <a:fontRef idx="minor">
+              <a:schemeClr val="tx1"/>
+            </a:fontRef>
+          </p:style>
+        </p:cxnSp>
         <p:sp>
           <p:nvSpPr>
-            <p:cNvPr id="35" name="Rectangle 34"/>
+            <p:cNvPr id="49" name="Rectangle 48"/>
             <p:cNvSpPr/>
             <p:nvPr/>
           </p:nvSpPr>
           <p:spPr>
             <a:xfrm>
-              <a:off x="4873186" y="518615"/>
+              <a:off x="8852246" y="539196"/>
               <a:ext cx="1341301" cy="279961"/>
             </a:xfrm>
             <a:prstGeom prst="rect">
@@ -3302,7 +4651,7 @@
               <a:pPr algn="ctr"/>
               <a:r>
                 <a:rPr lang="en-US" altLang="zh-TW" sz="1200" dirty="0" err="1"/>
-                <a:t>update_tag</a:t>
+                <a:t>save_path</a:t>
               </a:r>
               <a:endParaRPr lang="en-US" altLang="zh-TW" sz="1200" dirty="0"/>
             </a:p>
@@ -3310,13 +4659,13 @@
         </p:sp>
         <p:sp>
           <p:nvSpPr>
-            <p:cNvPr id="50" name="Rectangle 49"/>
+            <p:cNvPr id="52" name="Rectangle 51"/>
             <p:cNvSpPr/>
             <p:nvPr/>
           </p:nvSpPr>
           <p:spPr>
             <a:xfrm>
-              <a:off x="4873185" y="1168589"/>
+              <a:off x="8024335" y="1429921"/>
               <a:ext cx="1341301" cy="279961"/>
             </a:xfrm>
             <a:prstGeom prst="rect">
@@ -3346,7 +4695,7 @@
               <a:pPr algn="ctr"/>
               <a:r>
                 <a:rPr lang="en-US" altLang="zh-TW" sz="1200" dirty="0" err="1"/>
-                <a:t>delete_tag</a:t>
+                <a:t>add_new_tag</a:t>
               </a:r>
               <a:endParaRPr lang="en-US" altLang="zh-TW" sz="1200" dirty="0"/>
             </a:p>
@@ -3354,308 +4703,13 @@
         </p:sp>
         <p:sp>
           <p:nvSpPr>
-            <p:cNvPr id="51" name="Rectangle 50"/>
+            <p:cNvPr id="54" name="Rectangle 53"/>
             <p:cNvSpPr/>
             <p:nvPr/>
           </p:nvSpPr>
           <p:spPr>
             <a:xfrm>
-              <a:off x="4599461" y="2228326"/>
-              <a:ext cx="1888748" cy="279961"/>
-            </a:xfrm>
-            <a:prstGeom prst="rect">
-              <a:avLst/>
-            </a:prstGeom>
-          </p:spPr>
-          <p:style>
-            <a:lnRef idx="2">
-              <a:schemeClr val="accent6">
-                <a:shade val="50000"/>
-              </a:schemeClr>
-            </a:lnRef>
-            <a:fillRef idx="1">
-              <a:schemeClr val="accent6"/>
-            </a:fillRef>
-            <a:effectRef idx="0">
-              <a:schemeClr val="accent6"/>
-            </a:effectRef>
-            <a:fontRef idx="minor">
-              <a:schemeClr val="lt1"/>
-            </a:fontRef>
-          </p:style>
-          <p:txBody>
-            <a:bodyPr rtlCol="0" anchor="ctr"/>
-            <a:lstStyle/>
-            <a:p>
-              <a:pPr algn="ctr"/>
-              <a:r>
-                <a:rPr lang="en-US" altLang="zh-TW" sz="1200" dirty="0" err="1"/>
-                <a:t>delete_tag_from_list</a:t>
-              </a:r>
-              <a:endParaRPr lang="en-US" altLang="zh-TW" sz="1200" dirty="0"/>
-            </a:p>
-          </p:txBody>
-        </p:sp>
-        <p:cxnSp>
-          <p:nvCxnSpPr>
-            <p:cNvPr id="56" name="Connector: Elbow 55"/>
-            <p:cNvCxnSpPr>
-              <a:stCxn id="35" idx="2"/>
-              <a:endCxn id="50" idx="0"/>
-            </p:cNvCxnSpPr>
-            <p:nvPr/>
-          </p:nvCxnSpPr>
-          <p:spPr>
-            <a:xfrm rot="5400000">
-              <a:off x="5358831" y="983582"/>
-              <a:ext cx="370013" cy="1"/>
-            </a:xfrm>
-            <a:prstGeom prst="bentConnector3">
-              <a:avLst>
-                <a:gd name="adj1" fmla="val 50000"/>
-              </a:avLst>
-            </a:prstGeom>
-            <a:ln>
-              <a:tailEnd type="triangle"/>
-            </a:ln>
-          </p:spPr>
-          <p:style>
-            <a:lnRef idx="1">
-              <a:schemeClr val="accent1"/>
-            </a:lnRef>
-            <a:fillRef idx="0">
-              <a:schemeClr val="accent1"/>
-            </a:fillRef>
-            <a:effectRef idx="0">
-              <a:schemeClr val="accent1"/>
-            </a:effectRef>
-            <a:fontRef idx="minor">
-              <a:schemeClr val="tx1"/>
-            </a:fontRef>
-          </p:style>
-        </p:cxnSp>
-        <p:sp>
-          <p:nvSpPr>
-            <p:cNvPr id="59" name="Rectangle 58"/>
-            <p:cNvSpPr/>
-            <p:nvPr/>
-          </p:nvSpPr>
-          <p:spPr>
-            <a:xfrm>
-              <a:off x="5813854" y="1839343"/>
-              <a:ext cx="1685181" cy="263164"/>
-            </a:xfrm>
-            <a:prstGeom prst="rect">
-              <a:avLst/>
-            </a:prstGeom>
-          </p:spPr>
-          <p:style>
-            <a:lnRef idx="2">
-              <a:schemeClr val="accent6">
-                <a:shade val="50000"/>
-              </a:schemeClr>
-            </a:lnRef>
-            <a:fillRef idx="1">
-              <a:schemeClr val="accent6"/>
-            </a:fillRef>
-            <a:effectRef idx="0">
-              <a:schemeClr val="accent6"/>
-            </a:effectRef>
-            <a:fontRef idx="minor">
-              <a:schemeClr val="lt1"/>
-            </a:fontRef>
-          </p:style>
-          <p:txBody>
-            <a:bodyPr rtlCol="0" anchor="ctr"/>
-            <a:lstStyle/>
-            <a:p>
-              <a:pPr algn="ctr"/>
-              <a:r>
-                <a:rPr lang="en-US" altLang="zh-TW" sz="1200" dirty="0" err="1"/>
-                <a:t>unset_tag_in_shell</a:t>
-              </a:r>
-              <a:endParaRPr lang="en-US" altLang="zh-TW" sz="1200" dirty="0"/>
-            </a:p>
-          </p:txBody>
-        </p:sp>
-        <p:cxnSp>
-          <p:nvCxnSpPr>
-            <p:cNvPr id="61" name="Connector: Elbow 60"/>
-            <p:cNvCxnSpPr>
-              <a:stCxn id="50" idx="2"/>
-              <a:endCxn id="59" idx="0"/>
-            </p:cNvCxnSpPr>
-            <p:nvPr/>
-          </p:nvCxnSpPr>
-          <p:spPr>
-            <a:xfrm rot="16200000" flipH="1">
-              <a:off x="5904744" y="1087641"/>
-              <a:ext cx="390793" cy="1112609"/>
-            </a:xfrm>
-            <a:prstGeom prst="bentConnector3">
-              <a:avLst>
-                <a:gd name="adj1" fmla="val 50000"/>
-              </a:avLst>
-            </a:prstGeom>
-            <a:ln>
-              <a:tailEnd type="triangle"/>
-            </a:ln>
-          </p:spPr>
-          <p:style>
-            <a:lnRef idx="1">
-              <a:schemeClr val="accent1"/>
-            </a:lnRef>
-            <a:fillRef idx="0">
-              <a:schemeClr val="accent1"/>
-            </a:fillRef>
-            <a:effectRef idx="0">
-              <a:schemeClr val="accent1"/>
-            </a:effectRef>
-            <a:fontRef idx="minor">
-              <a:schemeClr val="tx1"/>
-            </a:fontRef>
-          </p:style>
-        </p:cxnSp>
-        <p:cxnSp>
-          <p:nvCxnSpPr>
-            <p:cNvPr id="65" name="Connector: Elbow 64"/>
-            <p:cNvCxnSpPr>
-              <a:stCxn id="50" idx="2"/>
-              <a:endCxn id="51" idx="0"/>
-            </p:cNvCxnSpPr>
-            <p:nvPr/>
-          </p:nvCxnSpPr>
-          <p:spPr>
-            <a:xfrm rot="5400000">
-              <a:off x="5153948" y="1838438"/>
-              <a:ext cx="779776" cy="1"/>
-            </a:xfrm>
-            <a:prstGeom prst="bentConnector3">
-              <a:avLst/>
-            </a:prstGeom>
-            <a:ln>
-              <a:tailEnd type="triangle"/>
-            </a:ln>
-          </p:spPr>
-          <p:style>
-            <a:lnRef idx="1">
-              <a:schemeClr val="accent1"/>
-            </a:lnRef>
-            <a:fillRef idx="0">
-              <a:schemeClr val="accent1"/>
-            </a:fillRef>
-            <a:effectRef idx="0">
-              <a:schemeClr val="accent1"/>
-            </a:effectRef>
-            <a:fontRef idx="minor">
-              <a:schemeClr val="tx1"/>
-            </a:fontRef>
-          </p:style>
-        </p:cxnSp>
-      </p:grpSp>
-      <p:cxnSp>
-        <p:nvCxnSpPr>
-          <p:cNvPr id="87" name="Connector: Elbow 86"/>
-          <p:cNvCxnSpPr>
-            <a:stCxn id="6" idx="2"/>
-            <a:endCxn id="53" idx="0"/>
-          </p:cNvCxnSpPr>
-          <p:nvPr/>
-        </p:nvCxnSpPr>
-        <p:spPr>
-          <a:xfrm rot="5400000">
-            <a:off x="838365" y="2018709"/>
-            <a:ext cx="610764" cy="827911"/>
-          </a:xfrm>
-          <a:prstGeom prst="bentConnector3">
-            <a:avLst/>
-          </a:prstGeom>
-          <a:ln>
-            <a:tailEnd type="triangle"/>
-          </a:ln>
-        </p:spPr>
-        <p:style>
-          <a:lnRef idx="1">
-            <a:schemeClr val="accent1"/>
-          </a:lnRef>
-          <a:fillRef idx="0">
-            <a:schemeClr val="accent1"/>
-          </a:fillRef>
-          <a:effectRef idx="0">
-            <a:schemeClr val="accent1"/>
-          </a:effectRef>
-          <a:fontRef idx="minor">
-            <a:schemeClr val="tx1"/>
-          </a:fontRef>
-        </p:style>
-      </p:cxnSp>
-      <p:grpSp>
-        <p:nvGrpSpPr>
-          <p:cNvPr id="103" name="Group 102"/>
-          <p:cNvGrpSpPr/>
-          <p:nvPr/>
-        </p:nvGrpSpPr>
-        <p:grpSpPr>
-          <a:xfrm>
-            <a:off x="2733773" y="536298"/>
-            <a:ext cx="1783262" cy="1854504"/>
-            <a:chOff x="2456363" y="518615"/>
-            <a:chExt cx="1783262" cy="1854504"/>
-          </a:xfrm>
-        </p:grpSpPr>
-        <p:sp>
-          <p:nvSpPr>
-            <p:cNvPr id="7" name="Rectangle 6"/>
-            <p:cNvSpPr/>
-            <p:nvPr/>
-          </p:nvSpPr>
-          <p:spPr>
-            <a:xfrm>
-              <a:off x="2456363" y="1040803"/>
-              <a:ext cx="1783262" cy="279961"/>
-            </a:xfrm>
-            <a:prstGeom prst="rect">
-              <a:avLst/>
-            </a:prstGeom>
-          </p:spPr>
-          <p:style>
-            <a:lnRef idx="2">
-              <a:schemeClr val="accent4">
-                <a:shade val="50000"/>
-              </a:schemeClr>
-            </a:lnRef>
-            <a:fillRef idx="1">
-              <a:schemeClr val="accent4"/>
-            </a:fillRef>
-            <a:effectRef idx="0">
-              <a:schemeClr val="accent4"/>
-            </a:effectRef>
-            <a:fontRef idx="minor">
-              <a:schemeClr val="lt1"/>
-            </a:fontRef>
-          </p:style>
-          <p:txBody>
-            <a:bodyPr rtlCol="0" anchor="ctr"/>
-            <a:lstStyle/>
-            <a:p>
-              <a:pPr algn="ctr"/>
-              <a:r>
-                <a:rPr lang="en-US" altLang="zh-TW" sz="1200" dirty="0" err="1"/>
-                <a:t>check_tag_name_format</a:t>
-              </a:r>
-              <a:endParaRPr lang="en-US" altLang="zh-TW" sz="1200" dirty="0"/>
-            </a:p>
-          </p:txBody>
-        </p:sp>
-        <p:sp>
-          <p:nvSpPr>
-            <p:cNvPr id="8" name="Rectangle 7"/>
-            <p:cNvSpPr/>
-            <p:nvPr/>
-          </p:nvSpPr>
-          <p:spPr>
-            <a:xfrm>
-              <a:off x="2677344" y="1545710"/>
+              <a:off x="9996698" y="1429921"/>
               <a:ext cx="1341301" cy="279961"/>
             </a:xfrm>
             <a:prstGeom prst="rect">
@@ -3685,205 +4739,7 @@
               <a:pPr algn="ctr"/>
               <a:r>
                 <a:rPr lang="en-US" altLang="zh-TW" sz="1200" dirty="0" err="1"/>
-                <a:t>get_tag_path</a:t>
-              </a:r>
-              <a:endParaRPr lang="en-US" altLang="zh-TW" sz="1200" dirty="0"/>
-            </a:p>
-          </p:txBody>
-        </p:sp>
-        <p:sp>
-          <p:nvSpPr>
-            <p:cNvPr id="9" name="Rectangle 8"/>
-            <p:cNvSpPr/>
-            <p:nvPr/>
-          </p:nvSpPr>
-          <p:spPr>
-            <a:xfrm>
-              <a:off x="2669610" y="2093158"/>
-              <a:ext cx="1341301" cy="279961"/>
-            </a:xfrm>
-            <a:prstGeom prst="rect">
-              <a:avLst/>
-            </a:prstGeom>
-          </p:spPr>
-          <p:style>
-            <a:lnRef idx="2">
-              <a:schemeClr val="accent4">
-                <a:shade val="50000"/>
-              </a:schemeClr>
-            </a:lnRef>
-            <a:fillRef idx="1">
-              <a:schemeClr val="accent4"/>
-            </a:fillRef>
-            <a:effectRef idx="0">
-              <a:schemeClr val="accent4"/>
-            </a:effectRef>
-            <a:fontRef idx="minor">
-              <a:schemeClr val="lt1"/>
-            </a:fontRef>
-          </p:style>
-          <p:txBody>
-            <a:bodyPr rtlCol="0" anchor="ctr"/>
-            <a:lstStyle/>
-            <a:p>
-              <a:pPr algn="ctr"/>
-              <a:r>
-                <a:rPr lang="en-US" altLang="zh-TW" sz="1200" dirty="0" err="1"/>
-                <a:t>check_tag_conflict</a:t>
-              </a:r>
-              <a:endParaRPr lang="en-US" altLang="zh-TW" sz="1200" dirty="0"/>
-            </a:p>
-          </p:txBody>
-        </p:sp>
-        <p:cxnSp>
-          <p:nvCxnSpPr>
-            <p:cNvPr id="13" name="Connector: Elbow 12"/>
-            <p:cNvCxnSpPr>
-              <a:stCxn id="88" idx="2"/>
-              <a:endCxn id="7" idx="0"/>
-            </p:cNvCxnSpPr>
-            <p:nvPr/>
-          </p:nvCxnSpPr>
-          <p:spPr>
-            <a:xfrm rot="5400000">
-              <a:off x="3228029" y="918541"/>
-              <a:ext cx="242227" cy="2296"/>
-            </a:xfrm>
-            <a:prstGeom prst="bentConnector3">
-              <a:avLst>
-                <a:gd name="adj1" fmla="val 50000"/>
-              </a:avLst>
-            </a:prstGeom>
-            <a:ln>
-              <a:tailEnd type="triangle"/>
-            </a:ln>
-          </p:spPr>
-          <p:style>
-            <a:lnRef idx="1">
-              <a:schemeClr val="accent1"/>
-            </a:lnRef>
-            <a:fillRef idx="0">
-              <a:schemeClr val="accent1"/>
-            </a:fillRef>
-            <a:effectRef idx="0">
-              <a:schemeClr val="accent1"/>
-            </a:effectRef>
-            <a:fontRef idx="minor">
-              <a:schemeClr val="tx1"/>
-            </a:fontRef>
-          </p:style>
-        </p:cxnSp>
-        <p:cxnSp>
-          <p:nvCxnSpPr>
-            <p:cNvPr id="15" name="Connector: Elbow 14"/>
-            <p:cNvCxnSpPr>
-              <a:stCxn id="7" idx="2"/>
-              <a:endCxn id="8" idx="0"/>
-            </p:cNvCxnSpPr>
-            <p:nvPr/>
-          </p:nvCxnSpPr>
-          <p:spPr>
-            <a:xfrm rot="16200000" flipH="1">
-              <a:off x="3235521" y="1433236"/>
-              <a:ext cx="224946" cy="1"/>
-            </a:xfrm>
-            <a:prstGeom prst="bentConnector3">
-              <a:avLst/>
-            </a:prstGeom>
-            <a:ln>
-              <a:tailEnd type="triangle"/>
-            </a:ln>
-          </p:spPr>
-          <p:style>
-            <a:lnRef idx="1">
-              <a:schemeClr val="accent1"/>
-            </a:lnRef>
-            <a:fillRef idx="0">
-              <a:schemeClr val="accent1"/>
-            </a:fillRef>
-            <a:effectRef idx="0">
-              <a:schemeClr val="accent1"/>
-            </a:effectRef>
-            <a:fontRef idx="minor">
-              <a:schemeClr val="tx1"/>
-            </a:fontRef>
-          </p:style>
-        </p:cxnSp>
-        <p:cxnSp>
-          <p:nvCxnSpPr>
-            <p:cNvPr id="17" name="Connector: Elbow 16"/>
-            <p:cNvCxnSpPr>
-              <a:stCxn id="8" idx="2"/>
-              <a:endCxn id="9" idx="0"/>
-            </p:cNvCxnSpPr>
-            <p:nvPr/>
-          </p:nvCxnSpPr>
-          <p:spPr>
-            <a:xfrm rot="5400000">
-              <a:off x="3210385" y="1955547"/>
-              <a:ext cx="267487" cy="7734"/>
-            </a:xfrm>
-            <a:prstGeom prst="bentConnector3">
-              <a:avLst/>
-            </a:prstGeom>
-            <a:ln>
-              <a:tailEnd type="triangle"/>
-            </a:ln>
-          </p:spPr>
-          <p:style>
-            <a:lnRef idx="1">
-              <a:schemeClr val="accent1"/>
-            </a:lnRef>
-            <a:fillRef idx="0">
-              <a:schemeClr val="accent1"/>
-            </a:fillRef>
-            <a:effectRef idx="0">
-              <a:schemeClr val="accent1"/>
-            </a:effectRef>
-            <a:fontRef idx="minor">
-              <a:schemeClr val="tx1"/>
-            </a:fontRef>
-          </p:style>
-        </p:cxnSp>
-        <p:sp>
-          <p:nvSpPr>
-            <p:cNvPr id="88" name="Rectangle 87"/>
-            <p:cNvSpPr/>
-            <p:nvPr/>
-          </p:nvSpPr>
-          <p:spPr>
-            <a:xfrm>
-              <a:off x="2679639" y="518615"/>
-              <a:ext cx="1341301" cy="279961"/>
-            </a:xfrm>
-            <a:prstGeom prst="rect">
-              <a:avLst/>
-            </a:prstGeom>
-          </p:spPr>
-          <p:style>
-            <a:lnRef idx="2">
-              <a:schemeClr val="accent2">
-                <a:shade val="50000"/>
-              </a:schemeClr>
-            </a:lnRef>
-            <a:fillRef idx="1">
-              <a:schemeClr val="accent2"/>
-            </a:fillRef>
-            <a:effectRef idx="0">
-              <a:schemeClr val="accent2"/>
-            </a:effectRef>
-            <a:fontRef idx="minor">
-              <a:schemeClr val="lt1"/>
-            </a:fontRef>
-          </p:style>
-          <p:txBody>
-            <a:bodyPr rtlCol="0" anchor="ctr"/>
-            <a:lstStyle/>
-            <a:p>
-              <a:pPr algn="ctr"/>
-              <a:r>
-                <a:rPr lang="en-US" altLang="zh-TW" sz="1200" dirty="0" err="1"/>
-                <a:t>check_tag_name</a:t>
+                <a:t>update_tag</a:t>
               </a:r>
               <a:endParaRPr lang="en-US" altLang="zh-TW" sz="1200" dirty="0"/>
             </a:p>
@@ -3892,13 +4748,13 @@
       </p:grpSp>
       <p:sp>
         <p:nvSpPr>
-          <p:cNvPr id="92" name="Rectangle 91"/>
+          <p:cNvPr id="55" name="Rectangle 54"/>
           <p:cNvSpPr/>
           <p:nvPr/>
         </p:nvSpPr>
         <p:spPr>
           <a:xfrm>
-            <a:off x="2031503" y="2738046"/>
+            <a:off x="871545" y="1919503"/>
             <a:ext cx="1341301" cy="279961"/>
           </a:xfrm>
           <a:prstGeom prst="rect">
@@ -3928,7 +4784,7 @@
             <a:pPr algn="ctr"/>
             <a:r>
               <a:rPr lang="en-US" altLang="zh-TW" sz="1200" dirty="0" err="1"/>
-              <a:t>update_tag</a:t>
+              <a:t>save_path</a:t>
             </a:r>
             <a:endParaRPr lang="en-US" altLang="zh-TW" sz="1200" dirty="0"/>
           </a:p>
@@ -3936,17 +4792,17 @@
       </p:sp>
       <p:cxnSp>
         <p:nvCxnSpPr>
-          <p:cNvPr id="111" name="Straight Arrow Connector 110"/>
+          <p:cNvPr id="71" name="Straight Arrow Connector 70"/>
           <p:cNvCxnSpPr>
-            <a:stCxn id="5" idx="3"/>
-            <a:endCxn id="88" idx="1"/>
+            <a:stCxn id="55" idx="3"/>
+            <a:endCxn id="49" idx="0"/>
           </p:cNvCxnSpPr>
           <p:nvPr/>
         </p:nvCxnSpPr>
         <p:spPr>
-          <a:xfrm flipV="1">
-            <a:off x="2212847" y="676279"/>
-            <a:ext cx="744202" cy="628493"/>
+          <a:xfrm>
+            <a:off x="2212846" y="2059484"/>
+            <a:ext cx="2142814" cy="1797311"/>
           </a:xfrm>
           <a:prstGeom prst="straightConnector1">
             <a:avLst/>
@@ -3977,17 +4833,17 @@
       </p:cxnSp>
       <p:cxnSp>
         <p:nvCxnSpPr>
-          <p:cNvPr id="113" name="Straight Arrow Connector 112"/>
+          <p:cNvPr id="83" name="Straight Arrow Connector 82"/>
           <p:cNvCxnSpPr>
-            <a:stCxn id="92" idx="3"/>
-            <a:endCxn id="35" idx="1"/>
+            <a:stCxn id="121" idx="3"/>
+            <a:endCxn id="70" idx="0"/>
           </p:cNvCxnSpPr>
           <p:nvPr/>
         </p:nvCxnSpPr>
         <p:spPr>
           <a:xfrm flipV="1">
-            <a:off x="3372804" y="658596"/>
-            <a:ext cx="1923378" cy="2219431"/>
+            <a:off x="3971695" y="532851"/>
+            <a:ext cx="2922468" cy="771921"/>
           </a:xfrm>
           <a:prstGeom prst="straightConnector1">
             <a:avLst/>
@@ -4018,14 +4874,14 @@
       </p:cxnSp>
       <p:sp>
         <p:nvSpPr>
-          <p:cNvPr id="116" name="Rectangle 115"/>
+          <p:cNvPr id="89" name="Rectangle 88"/>
           <p:cNvSpPr/>
           <p:nvPr/>
         </p:nvSpPr>
         <p:spPr>
           <a:xfrm>
-            <a:off x="8560857" y="1160118"/>
-            <a:ext cx="1341301" cy="279961"/>
+            <a:off x="6167716" y="1243984"/>
+            <a:ext cx="1452892" cy="306973"/>
           </a:xfrm>
           <a:prstGeom prst="rect">
             <a:avLst/>
@@ -4054,6 +4910,50 @@
             <a:pPr algn="ctr"/>
             <a:r>
               <a:rPr lang="en-US" altLang="zh-TW" sz="1200" dirty="0" err="1"/>
+              <a:t>check_tag_conflicct</a:t>
+            </a:r>
+            <a:endParaRPr lang="en-US" altLang="zh-TW" sz="1200" dirty="0"/>
+          </a:p>
+        </p:txBody>
+      </p:sp>
+      <p:sp>
+        <p:nvSpPr>
+          <p:cNvPr id="95" name="Rectangle 94"/>
+          <p:cNvSpPr/>
+          <p:nvPr/>
+        </p:nvSpPr>
+        <p:spPr>
+          <a:xfrm>
+            <a:off x="7167886" y="2006848"/>
+            <a:ext cx="1341301" cy="279961"/>
+          </a:xfrm>
+          <a:prstGeom prst="rect">
+            <a:avLst/>
+          </a:prstGeom>
+        </p:spPr>
+        <p:style>
+          <a:lnRef idx="2">
+            <a:schemeClr val="accent6">
+              <a:shade val="50000"/>
+            </a:schemeClr>
+          </a:lnRef>
+          <a:fillRef idx="1">
+            <a:schemeClr val="accent6"/>
+          </a:fillRef>
+          <a:effectRef idx="0">
+            <a:schemeClr val="accent6"/>
+          </a:effectRef>
+          <a:fontRef idx="minor">
+            <a:schemeClr val="lt1"/>
+          </a:fontRef>
+        </p:style>
+        <p:txBody>
+          <a:bodyPr rtlCol="0" anchor="ctr"/>
+          <a:lstStyle/>
+          <a:p>
+            <a:pPr algn="ctr"/>
+            <a:r>
+              <a:rPr lang="en-US" altLang="zh-TW" sz="1200" dirty="0" err="1"/>
               <a:t>set_tag_in_shell</a:t>
             </a:r>
             <a:endParaRPr lang="en-US" altLang="zh-TW" sz="1200" dirty="0"/>
@@ -4062,13 +4962,368 @@
       </p:sp>
       <p:sp>
         <p:nvSpPr>
-          <p:cNvPr id="117" name="Rectangle 116"/>
+          <p:cNvPr id="96" name="Rectangle 95"/>
           <p:cNvSpPr/>
           <p:nvPr/>
         </p:nvSpPr>
         <p:spPr>
           <a:xfrm>
-            <a:off x="8560858" y="518614"/>
+            <a:off x="6272821" y="2691749"/>
+            <a:ext cx="1242683" cy="297955"/>
+          </a:xfrm>
+          <a:prstGeom prst="rect">
+            <a:avLst/>
+          </a:prstGeom>
+        </p:spPr>
+        <p:style>
+          <a:lnRef idx="2">
+            <a:schemeClr val="accent6">
+              <a:shade val="50000"/>
+            </a:schemeClr>
+          </a:lnRef>
+          <a:fillRef idx="1">
+            <a:schemeClr val="accent6"/>
+          </a:fillRef>
+          <a:effectRef idx="0">
+            <a:schemeClr val="accent6"/>
+          </a:effectRef>
+          <a:fontRef idx="minor">
+            <a:schemeClr val="lt1"/>
+          </a:fontRef>
+        </p:style>
+        <p:txBody>
+          <a:bodyPr rtlCol="0" anchor="ctr"/>
+          <a:lstStyle/>
+          <a:p>
+            <a:pPr algn="ctr"/>
+            <a:r>
+              <a:rPr lang="en-US" altLang="zh-TW" sz="1200" dirty="0" err="1"/>
+              <a:t>show_tag_info</a:t>
+            </a:r>
+            <a:endParaRPr lang="en-US" altLang="zh-TW" sz="1200" dirty="0"/>
+          </a:p>
+        </p:txBody>
+      </p:sp>
+      <p:cxnSp>
+        <p:nvCxnSpPr>
+          <p:cNvPr id="64" name="Connector: Elbow 63"/>
+          <p:cNvCxnSpPr>
+            <a:stCxn id="70" idx="2"/>
+            <a:endCxn id="89" idx="0"/>
+          </p:cNvCxnSpPr>
+          <p:nvPr/>
+        </p:nvCxnSpPr>
+        <p:spPr>
+          <a:xfrm rot="5400000">
+            <a:off x="6687574" y="1037395"/>
+            <a:ext cx="413178" cy="1"/>
+          </a:xfrm>
+          <a:prstGeom prst="bentConnector3">
+            <a:avLst/>
+          </a:prstGeom>
+          <a:ln>
+            <a:tailEnd type="triangle"/>
+          </a:ln>
+        </p:spPr>
+        <p:style>
+          <a:lnRef idx="1">
+            <a:schemeClr val="accent1"/>
+          </a:lnRef>
+          <a:fillRef idx="0">
+            <a:schemeClr val="accent1"/>
+          </a:fillRef>
+          <a:effectRef idx="0">
+            <a:schemeClr val="accent1"/>
+          </a:effectRef>
+          <a:fontRef idx="minor">
+            <a:schemeClr val="tx1"/>
+          </a:fontRef>
+        </p:style>
+      </p:cxnSp>
+      <p:cxnSp>
+        <p:nvCxnSpPr>
+          <p:cNvPr id="67" name="Connector: Elbow 66"/>
+          <p:cNvCxnSpPr>
+            <a:stCxn id="89" idx="2"/>
+            <a:endCxn id="96" idx="0"/>
+          </p:cNvCxnSpPr>
+          <p:nvPr/>
+        </p:nvCxnSpPr>
+        <p:spPr>
+          <a:xfrm rot="16200000" flipH="1">
+            <a:off x="6323766" y="2121352"/>
+            <a:ext cx="1140792" cy="1"/>
+          </a:xfrm>
+          <a:prstGeom prst="bentConnector3">
+            <a:avLst/>
+          </a:prstGeom>
+          <a:ln>
+            <a:tailEnd type="triangle"/>
+          </a:ln>
+        </p:spPr>
+        <p:style>
+          <a:lnRef idx="1">
+            <a:schemeClr val="accent1"/>
+          </a:lnRef>
+          <a:fillRef idx="0">
+            <a:schemeClr val="accent1"/>
+          </a:fillRef>
+          <a:effectRef idx="0">
+            <a:schemeClr val="accent1"/>
+          </a:effectRef>
+          <a:fontRef idx="minor">
+            <a:schemeClr val="tx1"/>
+          </a:fontRef>
+        </p:style>
+      </p:cxnSp>
+      <p:cxnSp>
+        <p:nvCxnSpPr>
+          <p:cNvPr id="72" name="Connector: Elbow 71"/>
+          <p:cNvCxnSpPr>
+            <a:stCxn id="89" idx="2"/>
+            <a:endCxn id="95" idx="0"/>
+          </p:cNvCxnSpPr>
+          <p:nvPr/>
+        </p:nvCxnSpPr>
+        <p:spPr>
+          <a:xfrm rot="16200000" flipH="1">
+            <a:off x="7138404" y="1306714"/>
+            <a:ext cx="455891" cy="944375"/>
+          </a:xfrm>
+          <a:prstGeom prst="bentConnector3">
+            <a:avLst/>
+          </a:prstGeom>
+          <a:ln>
+            <a:tailEnd type="triangle"/>
+          </a:ln>
+        </p:spPr>
+        <p:style>
+          <a:lnRef idx="1">
+            <a:schemeClr val="accent1"/>
+          </a:lnRef>
+          <a:fillRef idx="0">
+            <a:schemeClr val="accent1"/>
+          </a:fillRef>
+          <a:effectRef idx="0">
+            <a:schemeClr val="accent1"/>
+          </a:effectRef>
+          <a:fontRef idx="minor">
+            <a:schemeClr val="tx1"/>
+          </a:fontRef>
+        </p:style>
+      </p:cxnSp>
+      <p:sp>
+        <p:nvSpPr>
+          <p:cNvPr id="107" name="Rectangle 106"/>
+          <p:cNvSpPr/>
+          <p:nvPr/>
+        </p:nvSpPr>
+        <p:spPr>
+          <a:xfrm>
+            <a:off x="6943472" y="4276893"/>
+            <a:ext cx="1242683" cy="297955"/>
+          </a:xfrm>
+          <a:prstGeom prst="rect">
+            <a:avLst/>
+          </a:prstGeom>
+        </p:spPr>
+        <p:style>
+          <a:lnRef idx="2">
+            <a:schemeClr val="accent4">
+              <a:shade val="50000"/>
+            </a:schemeClr>
+          </a:lnRef>
+          <a:fillRef idx="1">
+            <a:schemeClr val="accent4"/>
+          </a:fillRef>
+          <a:effectRef idx="0">
+            <a:schemeClr val="accent4"/>
+          </a:effectRef>
+          <a:fontRef idx="minor">
+            <a:schemeClr val="lt1"/>
+          </a:fontRef>
+        </p:style>
+        <p:txBody>
+          <a:bodyPr rtlCol="0" anchor="ctr"/>
+          <a:lstStyle/>
+          <a:p>
+            <a:pPr algn="ctr"/>
+            <a:r>
+              <a:rPr lang="en-US" altLang="zh-TW" sz="1200" dirty="0" err="1"/>
+              <a:t>delete_tag</a:t>
+            </a:r>
+            <a:endParaRPr lang="en-US" altLang="zh-TW" sz="1200" dirty="0"/>
+          </a:p>
+        </p:txBody>
+      </p:sp>
+      <p:sp>
+        <p:nvSpPr>
+          <p:cNvPr id="112" name="Rectangle 111"/>
+          <p:cNvSpPr/>
+          <p:nvPr/>
+        </p:nvSpPr>
+        <p:spPr>
+          <a:xfrm>
+            <a:off x="6894164" y="5033332"/>
+            <a:ext cx="1341301" cy="279961"/>
+          </a:xfrm>
+          <a:prstGeom prst="rect">
+            <a:avLst/>
+          </a:prstGeom>
+        </p:spPr>
+        <p:style>
+          <a:lnRef idx="2">
+            <a:schemeClr val="accent4">
+              <a:shade val="50000"/>
+            </a:schemeClr>
+          </a:lnRef>
+          <a:fillRef idx="1">
+            <a:schemeClr val="accent4"/>
+          </a:fillRef>
+          <a:effectRef idx="0">
+            <a:schemeClr val="accent4"/>
+          </a:effectRef>
+          <a:fontRef idx="minor">
+            <a:schemeClr val="lt1"/>
+          </a:fontRef>
+        </p:style>
+        <p:txBody>
+          <a:bodyPr rtlCol="0" anchor="ctr"/>
+          <a:lstStyle/>
+          <a:p>
+            <a:pPr algn="ctr"/>
+            <a:r>
+              <a:rPr lang="en-US" altLang="zh-TW" sz="1200" dirty="0" err="1"/>
+              <a:t>add_new_tag</a:t>
+            </a:r>
+            <a:endParaRPr lang="en-US" altLang="zh-TW" sz="1200" dirty="0"/>
+          </a:p>
+        </p:txBody>
+      </p:sp>
+      <p:cxnSp>
+        <p:nvCxnSpPr>
+          <p:cNvPr id="85" name="Connector: Elbow 84"/>
+          <p:cNvCxnSpPr>
+            <a:stCxn id="107" idx="2"/>
+            <a:endCxn id="112" idx="0"/>
+          </p:cNvCxnSpPr>
+          <p:nvPr/>
+        </p:nvCxnSpPr>
+        <p:spPr>
+          <a:xfrm rot="16200000" flipH="1">
+            <a:off x="7335572" y="4804089"/>
+            <a:ext cx="458484" cy="1"/>
+          </a:xfrm>
+          <a:prstGeom prst="bentConnector3">
+            <a:avLst/>
+          </a:prstGeom>
+          <a:ln>
+            <a:tailEnd type="triangle"/>
+          </a:ln>
+        </p:spPr>
+        <p:style>
+          <a:lnRef idx="1">
+            <a:schemeClr val="accent1"/>
+          </a:lnRef>
+          <a:fillRef idx="0">
+            <a:schemeClr val="accent1"/>
+          </a:fillRef>
+          <a:effectRef idx="0">
+            <a:schemeClr val="accent1"/>
+          </a:effectRef>
+          <a:fontRef idx="minor">
+            <a:schemeClr val="tx1"/>
+          </a:fontRef>
+        </p:style>
+      </p:cxnSp>
+      <p:cxnSp>
+        <p:nvCxnSpPr>
+          <p:cNvPr id="118" name="Straight Arrow Connector 117"/>
+          <p:cNvCxnSpPr/>
+          <p:nvPr/>
+        </p:nvCxnSpPr>
+        <p:spPr>
+          <a:xfrm flipH="1">
+            <a:off x="4458777" y="5173313"/>
+            <a:ext cx="2468887" cy="510966"/>
+          </a:xfrm>
+          <a:prstGeom prst="straightConnector1">
+            <a:avLst/>
+          </a:prstGeom>
+          <a:ln w="12700">
+            <a:solidFill>
+              <a:schemeClr val="accent6">
+                <a:lumMod val="50000"/>
+              </a:schemeClr>
+            </a:solidFill>
+            <a:tailEnd type="triangle"/>
+          </a:ln>
+        </p:spPr>
+        <p:style>
+          <a:lnRef idx="1">
+            <a:schemeClr val="accent1"/>
+          </a:lnRef>
+          <a:fillRef idx="0">
+            <a:schemeClr val="accent1"/>
+          </a:fillRef>
+          <a:effectRef idx="0">
+            <a:schemeClr val="accent1"/>
+          </a:effectRef>
+          <a:fontRef idx="minor">
+            <a:schemeClr val="tx1"/>
+          </a:fontRef>
+        </p:style>
+      </p:cxnSp>
+      <p:cxnSp>
+        <p:nvCxnSpPr>
+          <p:cNvPr id="119" name="Straight Arrow Connector 118"/>
+          <p:cNvCxnSpPr>
+            <a:stCxn id="107" idx="3"/>
+            <a:endCxn id="50" idx="0"/>
+          </p:cNvCxnSpPr>
+          <p:nvPr/>
+        </p:nvCxnSpPr>
+        <p:spPr>
+          <a:xfrm>
+            <a:off x="8186155" y="4425871"/>
+            <a:ext cx="1860601" cy="763397"/>
+          </a:xfrm>
+          <a:prstGeom prst="straightConnector1">
+            <a:avLst/>
+          </a:prstGeom>
+          <a:ln w="12700">
+            <a:solidFill>
+              <a:schemeClr val="accent6">
+                <a:lumMod val="50000"/>
+              </a:schemeClr>
+            </a:solidFill>
+            <a:tailEnd type="triangle"/>
+          </a:ln>
+        </p:spPr>
+        <p:style>
+          <a:lnRef idx="1">
+            <a:schemeClr val="accent1"/>
+          </a:lnRef>
+          <a:fillRef idx="0">
+            <a:schemeClr val="accent1"/>
+          </a:fillRef>
+          <a:effectRef idx="0">
+            <a:schemeClr val="accent1"/>
+          </a:effectRef>
+          <a:fontRef idx="minor">
+            <a:schemeClr val="tx1"/>
+          </a:fontRef>
+        </p:style>
+      </p:cxnSp>
+      <p:sp>
+        <p:nvSpPr>
+          <p:cNvPr id="123" name="Rectangle 122"/>
+          <p:cNvSpPr/>
+          <p:nvPr/>
+        </p:nvSpPr>
+        <p:spPr>
+          <a:xfrm>
+            <a:off x="4449877" y="1824309"/>
             <a:ext cx="1341301" cy="279961"/>
           </a:xfrm>
           <a:prstGeom prst="rect">
@@ -4098,270 +5353,22 @@
             <a:pPr algn="ctr"/>
             <a:r>
               <a:rPr lang="en-US" altLang="zh-TW" sz="1200" dirty="0" err="1"/>
-              <a:t>add_new_tag</a:t>
+              <a:t>check_path</a:t>
             </a:r>
             <a:endParaRPr lang="en-US" altLang="zh-TW" sz="1200" dirty="0"/>
           </a:p>
         </p:txBody>
       </p:sp>
-      <p:cxnSp>
-        <p:nvCxnSpPr>
-          <p:cNvPr id="120" name="Connector: Elbow 119"/>
-          <p:cNvCxnSpPr>
-            <a:stCxn id="117" idx="2"/>
-            <a:endCxn id="116" idx="0"/>
-          </p:cNvCxnSpPr>
-          <p:nvPr/>
-        </p:nvCxnSpPr>
-        <p:spPr>
-          <a:xfrm rot="5400000">
-            <a:off x="9050738" y="979346"/>
-            <a:ext cx="361543" cy="1"/>
-          </a:xfrm>
-          <a:prstGeom prst="bentConnector3">
-            <a:avLst/>
-          </a:prstGeom>
-          <a:ln>
-            <a:tailEnd type="triangle"/>
-          </a:ln>
-        </p:spPr>
-        <p:style>
-          <a:lnRef idx="1">
-            <a:schemeClr val="accent1"/>
-          </a:lnRef>
-          <a:fillRef idx="0">
-            <a:schemeClr val="accent1"/>
-          </a:fillRef>
-          <a:effectRef idx="0">
-            <a:schemeClr val="accent1"/>
-          </a:effectRef>
-          <a:fontRef idx="minor">
-            <a:schemeClr val="tx1"/>
-          </a:fontRef>
-        </p:style>
-      </p:cxnSp>
-      <p:sp>
-        <p:nvSpPr>
-          <p:cNvPr id="121" name="Rectangle 120"/>
+      <p:sp>
+        <p:nvSpPr>
+          <p:cNvPr id="124" name="Rectangle 123"/>
           <p:cNvSpPr/>
           <p:nvPr/>
         </p:nvSpPr>
         <p:spPr>
           <a:xfrm>
-            <a:off x="1181603" y="3560555"/>
-            <a:ext cx="1341301" cy="279961"/>
-          </a:xfrm>
-          <a:prstGeom prst="rect">
-            <a:avLst/>
-          </a:prstGeom>
-        </p:spPr>
-        <p:style>
-          <a:lnRef idx="2">
-            <a:schemeClr val="accent4">
-              <a:shade val="50000"/>
-            </a:schemeClr>
-          </a:lnRef>
-          <a:fillRef idx="1">
-            <a:schemeClr val="accent4"/>
-          </a:fillRef>
-          <a:effectRef idx="0">
-            <a:schemeClr val="accent4"/>
-          </a:effectRef>
-          <a:fontRef idx="minor">
-            <a:schemeClr val="lt1"/>
-          </a:fontRef>
-        </p:style>
-        <p:txBody>
-          <a:bodyPr rtlCol="0" anchor="ctr"/>
-          <a:lstStyle/>
-          <a:p>
-            <a:pPr algn="ctr"/>
-            <a:r>
-              <a:rPr lang="en-US" altLang="zh-TW" sz="1200" dirty="0" err="1"/>
-              <a:t>show_list</a:t>
-            </a:r>
-            <a:endParaRPr lang="en-US" altLang="zh-TW" sz="1200" dirty="0"/>
-          </a:p>
-        </p:txBody>
-      </p:sp>
-      <p:sp>
-        <p:nvSpPr>
-          <p:cNvPr id="122" name="Rectangle 121"/>
-          <p:cNvSpPr/>
-          <p:nvPr/>
-        </p:nvSpPr>
-        <p:spPr>
-          <a:xfrm>
-            <a:off x="1181602" y="4171320"/>
-            <a:ext cx="1341301" cy="279961"/>
-          </a:xfrm>
-          <a:prstGeom prst="rect">
-            <a:avLst/>
-          </a:prstGeom>
-        </p:spPr>
-        <p:style>
-          <a:lnRef idx="2">
-            <a:schemeClr val="accent4">
-              <a:shade val="50000"/>
-            </a:schemeClr>
-          </a:lnRef>
-          <a:fillRef idx="1">
-            <a:schemeClr val="accent4"/>
-          </a:fillRef>
-          <a:effectRef idx="0">
-            <a:schemeClr val="accent4"/>
-          </a:effectRef>
-          <a:fontRef idx="minor">
-            <a:schemeClr val="lt1"/>
-          </a:fontRef>
-        </p:style>
-        <p:txBody>
-          <a:bodyPr rtlCol="0" anchor="ctr"/>
-          <a:lstStyle/>
-          <a:p>
-            <a:pPr algn="ctr"/>
-            <a:r>
-              <a:rPr lang="en-US" altLang="zh-TW" sz="1200" dirty="0" err="1"/>
-              <a:t>set_tag_in_shell</a:t>
-            </a:r>
-            <a:endParaRPr lang="en-US" altLang="zh-TW" sz="1200" dirty="0"/>
-          </a:p>
-        </p:txBody>
-      </p:sp>
-      <p:cxnSp>
-        <p:nvCxnSpPr>
-          <p:cNvPr id="124" name="Connector: Elbow 123"/>
-          <p:cNvCxnSpPr>
-            <a:stCxn id="121" idx="2"/>
-            <a:endCxn id="122" idx="0"/>
-          </p:cNvCxnSpPr>
-          <p:nvPr/>
-        </p:nvCxnSpPr>
-        <p:spPr>
-          <a:xfrm rot="5400000">
-            <a:off x="1686852" y="4005918"/>
-            <a:ext cx="330804" cy="1"/>
-          </a:xfrm>
-          <a:prstGeom prst="bentConnector3">
-            <a:avLst/>
-          </a:prstGeom>
-          <a:ln>
-            <a:tailEnd type="triangle"/>
-          </a:ln>
-        </p:spPr>
-        <p:style>
-          <a:lnRef idx="1">
-            <a:schemeClr val="accent1"/>
-          </a:lnRef>
-          <a:fillRef idx="0">
-            <a:schemeClr val="accent1"/>
-          </a:fillRef>
-          <a:effectRef idx="0">
-            <a:schemeClr val="accent1"/>
-          </a:effectRef>
-          <a:fontRef idx="minor">
-            <a:schemeClr val="tx1"/>
-          </a:fontRef>
-        </p:style>
-      </p:cxnSp>
-      <p:sp>
-        <p:nvSpPr>
-          <p:cNvPr id="126" name="Rectangle 125"/>
-          <p:cNvSpPr/>
-          <p:nvPr/>
-        </p:nvSpPr>
-        <p:spPr>
-          <a:xfrm>
-            <a:off x="1140474" y="4702520"/>
-            <a:ext cx="1341301" cy="279961"/>
-          </a:xfrm>
-          <a:prstGeom prst="rect">
-            <a:avLst/>
-          </a:prstGeom>
-        </p:spPr>
-        <p:style>
-          <a:lnRef idx="2">
-            <a:schemeClr val="accent4">
-              <a:shade val="50000"/>
-            </a:schemeClr>
-          </a:lnRef>
-          <a:fillRef idx="1">
-            <a:schemeClr val="accent4"/>
-          </a:fillRef>
-          <a:effectRef idx="0">
-            <a:schemeClr val="accent4"/>
-          </a:effectRef>
-          <a:fontRef idx="minor">
-            <a:schemeClr val="lt1"/>
-          </a:fontRef>
-        </p:style>
-        <p:txBody>
-          <a:bodyPr rtlCol="0" anchor="ctr"/>
-          <a:lstStyle/>
-          <a:p>
-            <a:pPr algn="ctr"/>
-            <a:r>
-              <a:rPr lang="en-US" altLang="zh-TW" sz="1200" dirty="0" err="1"/>
-              <a:t>show_info</a:t>
-            </a:r>
-            <a:endParaRPr lang="en-US" altLang="zh-TW" sz="1200" dirty="0"/>
-          </a:p>
-        </p:txBody>
-      </p:sp>
-      <p:sp>
-        <p:nvSpPr>
-          <p:cNvPr id="127" name="Rectangle 126"/>
-          <p:cNvSpPr/>
-          <p:nvPr/>
-        </p:nvSpPr>
-        <p:spPr>
-          <a:xfrm>
-            <a:off x="2947019" y="4126297"/>
-            <a:ext cx="1341301" cy="279961"/>
-          </a:xfrm>
-          <a:prstGeom prst="rect">
-            <a:avLst/>
-          </a:prstGeom>
-        </p:spPr>
-        <p:style>
-          <a:lnRef idx="2">
-            <a:schemeClr val="accent4">
-              <a:shade val="50000"/>
-            </a:schemeClr>
-          </a:lnRef>
-          <a:fillRef idx="1">
-            <a:schemeClr val="accent4"/>
-          </a:fillRef>
-          <a:effectRef idx="0">
-            <a:schemeClr val="accent4"/>
-          </a:effectRef>
-          <a:fontRef idx="minor">
-            <a:schemeClr val="lt1"/>
-          </a:fontRef>
-        </p:style>
-        <p:txBody>
-          <a:bodyPr rtlCol="0" anchor="ctr"/>
-          <a:lstStyle/>
-          <a:p>
-            <a:pPr algn="ctr"/>
-            <a:r>
-              <a:rPr lang="en-US" altLang="zh-TW" sz="1200" dirty="0" err="1"/>
-              <a:t>check_tag_conflict</a:t>
-            </a:r>
-            <a:endParaRPr lang="en-US" altLang="zh-TW" sz="1200" dirty="0"/>
-          </a:p>
-        </p:txBody>
-      </p:sp>
-      <p:sp>
-        <p:nvSpPr>
-          <p:cNvPr id="128" name="Rectangle 127"/>
-          <p:cNvSpPr/>
-          <p:nvPr/>
-        </p:nvSpPr>
-        <p:spPr>
-          <a:xfrm>
-            <a:off x="2947018" y="4564232"/>
-            <a:ext cx="1341301" cy="279961"/>
+            <a:off x="4384839" y="2488951"/>
+            <a:ext cx="1479129" cy="290375"/>
           </a:xfrm>
           <a:prstGeom prst="rect">
             <a:avLst/>
@@ -4390,7 +5397,51 @@
             <a:pPr algn="ctr"/>
             <a:r>
               <a:rPr lang="en-US" altLang="zh-TW" sz="1200" dirty="0" err="1"/>
-              <a:t>set_tag_in_shell</a:t>
+              <a:t>check_tag_conflict</a:t>
+            </a:r>
+            <a:endParaRPr lang="en-US" altLang="zh-TW" sz="1200" dirty="0"/>
+          </a:p>
+        </p:txBody>
+      </p:sp>
+      <p:sp>
+        <p:nvSpPr>
+          <p:cNvPr id="125" name="Rectangle 124"/>
+          <p:cNvSpPr/>
+          <p:nvPr/>
+        </p:nvSpPr>
+        <p:spPr>
+          <a:xfrm>
+            <a:off x="4449877" y="3290484"/>
+            <a:ext cx="1341301" cy="279961"/>
+          </a:xfrm>
+          <a:prstGeom prst="rect">
+            <a:avLst/>
+          </a:prstGeom>
+        </p:spPr>
+        <p:style>
+          <a:lnRef idx="2">
+            <a:schemeClr val="accent6">
+              <a:shade val="50000"/>
+            </a:schemeClr>
+          </a:lnRef>
+          <a:fillRef idx="1">
+            <a:schemeClr val="accent6"/>
+          </a:fillRef>
+          <a:effectRef idx="0">
+            <a:schemeClr val="accent6"/>
+          </a:effectRef>
+          <a:fontRef idx="minor">
+            <a:schemeClr val="lt1"/>
+          </a:fontRef>
+        </p:style>
+        <p:txBody>
+          <a:bodyPr rtlCol="0" anchor="ctr"/>
+          <a:lstStyle/>
+          <a:p>
+            <a:pPr algn="ctr"/>
+            <a:r>
+              <a:rPr lang="en-US" altLang="zh-TW" sz="1200" dirty="0" err="1"/>
+              <a:t>show_tag_info</a:t>
             </a:r>
             <a:endParaRPr lang="en-US" altLang="zh-TW" sz="1200" dirty="0"/>
           </a:p>
@@ -4398,17 +5449,17 @@
       </p:sp>
       <p:cxnSp>
         <p:nvCxnSpPr>
-          <p:cNvPr id="130" name="Connector: Elbow 129"/>
+          <p:cNvPr id="102" name="Connector: Elbow 101"/>
           <p:cNvCxnSpPr>
-            <a:stCxn id="121" idx="2"/>
-            <a:endCxn id="127" idx="0"/>
+            <a:stCxn id="123" idx="2"/>
+            <a:endCxn id="124" idx="0"/>
           </p:cNvCxnSpPr>
           <p:nvPr/>
         </p:nvCxnSpPr>
         <p:spPr>
           <a:xfrm rot="16200000" flipH="1">
-            <a:off x="2592072" y="3100698"/>
-            <a:ext cx="285781" cy="1765416"/>
+            <a:off x="4930126" y="2294672"/>
+            <a:ext cx="384681" cy="3876"/>
           </a:xfrm>
           <a:prstGeom prst="bentConnector3">
             <a:avLst/>
@@ -4434,17 +5485,17 @@
       </p:cxnSp>
       <p:cxnSp>
         <p:nvCxnSpPr>
-          <p:cNvPr id="132" name="Connector: Elbow 131"/>
+          <p:cNvPr id="105" name="Connector: Elbow 104"/>
           <p:cNvCxnSpPr>
-            <a:stCxn id="127" idx="2"/>
-            <a:endCxn id="128" idx="0"/>
+            <a:stCxn id="124" idx="2"/>
+            <a:endCxn id="125" idx="0"/>
           </p:cNvCxnSpPr>
           <p:nvPr/>
         </p:nvCxnSpPr>
         <p:spPr>
           <a:xfrm rot="5400000">
-            <a:off x="3538683" y="4485245"/>
-            <a:ext cx="157974" cy="1"/>
+            <a:off x="4866887" y="3032967"/>
+            <a:ext cx="511158" cy="3876"/>
           </a:xfrm>
           <a:prstGeom prst="bentConnector3">
             <a:avLst/>
@@ -4470,61 +5521,27 @@
       </p:cxnSp>
       <p:cxnSp>
         <p:nvCxnSpPr>
-          <p:cNvPr id="134" name="Connector: Elbow 133"/>
+          <p:cNvPr id="129" name="Straight Arrow Connector 128"/>
           <p:cNvCxnSpPr>
-            <a:stCxn id="122" idx="2"/>
-            <a:endCxn id="126" idx="0"/>
+            <a:stCxn id="69" idx="3"/>
+            <a:endCxn id="123" idx="0"/>
           </p:cNvCxnSpPr>
           <p:nvPr/>
         </p:nvCxnSpPr>
         <p:spPr>
-          <a:xfrm rot="5400000">
-            <a:off x="1706070" y="4556336"/>
-            <a:ext cx="251239" cy="41128"/>
-          </a:xfrm>
-          <a:prstGeom prst="bentConnector3">
-            <a:avLst/>
-          </a:prstGeom>
-          <a:ln>
-            <a:tailEnd type="triangle"/>
-          </a:ln>
-        </p:spPr>
-        <p:style>
-          <a:lnRef idx="1">
-            <a:schemeClr val="accent1"/>
-          </a:lnRef>
-          <a:fillRef idx="0">
-            <a:schemeClr val="accent1"/>
-          </a:fillRef>
-          <a:effectRef idx="0">
-            <a:schemeClr val="accent1"/>
-          </a:effectRef>
-          <a:fontRef idx="minor">
-            <a:schemeClr val="tx1"/>
-          </a:fontRef>
-        </p:style>
-      </p:cxnSp>
-      <p:cxnSp>
-        <p:nvCxnSpPr>
-          <p:cNvPr id="136" name="Connector: Elbow 135"/>
-          <p:cNvCxnSpPr>
-            <a:stCxn id="4" idx="1"/>
-            <a:endCxn id="121" idx="0"/>
-          </p:cNvCxnSpPr>
-          <p:nvPr/>
-        </p:nvCxnSpPr>
-        <p:spPr>
-          <a:xfrm rot="10800000" flipH="1" flipV="1">
-            <a:off x="1228298" y="658595"/>
-            <a:ext cx="623955" cy="2901959"/>
-          </a:xfrm>
-          <a:prstGeom prst="bentConnector4">
-            <a:avLst>
-              <a:gd name="adj1" fmla="val -36637"/>
-              <a:gd name="adj2" fmla="val 52412"/>
-            </a:avLst>
-          </a:prstGeom>
-          <a:ln>
+          <a:xfrm flipH="1">
+            <a:off x="5120528" y="1313789"/>
+            <a:ext cx="629808" cy="510520"/>
+          </a:xfrm>
+          <a:prstGeom prst="straightConnector1">
+            <a:avLst/>
+          </a:prstGeom>
+          <a:ln w="12700">
+            <a:solidFill>
+              <a:schemeClr val="accent6">
+                <a:lumMod val="50000"/>
+              </a:schemeClr>
+            </a:solidFill>
             <a:tailEnd type="triangle"/>
           </a:ln>
         </p:spPr>
@@ -4547,6 +5564,1246 @@
     <p:extLst>
       <p:ext uri="{BB962C8B-B14F-4D97-AF65-F5344CB8AC3E}">
         <p14:creationId xmlns:p14="http://schemas.microsoft.com/office/powerpoint/2010/main" val="1259822833"/>
+      </p:ext>
+    </p:extLst>
+  </p:cSld>
+  <p:clrMapOvr>
+    <a:masterClrMapping/>
+  </p:clrMapOvr>
+</p:sld>
+</file>
+
+<file path=ppt/slides/slide2.xml><?xml version="1.0" encoding="utf-8"?>
+<p:sld xmlns:a="http://schemas.openxmlformats.org/drawingml/2006/main" xmlns:r="http://schemas.openxmlformats.org/officeDocument/2006/relationships" xmlns:p="http://schemas.openxmlformats.org/presentationml/2006/main">
+  <p:cSld>
+    <p:spTree>
+      <p:nvGrpSpPr>
+        <p:cNvPr id="1" name=""/>
+        <p:cNvGrpSpPr/>
+        <p:nvPr/>
+      </p:nvGrpSpPr>
+      <p:grpSpPr>
+        <a:xfrm>
+          <a:off x="0" y="0"/>
+          <a:ext cx="0" cy="0"/>
+          <a:chOff x="0" y="0"/>
+          <a:chExt cx="0" cy="0"/>
+        </a:xfrm>
+      </p:grpSpPr>
+      <p:sp>
+        <p:nvSpPr>
+          <p:cNvPr id="2" name="Rectangle 1"/>
+          <p:cNvSpPr/>
+          <p:nvPr/>
+        </p:nvSpPr>
+        <p:spPr>
+          <a:xfrm>
+            <a:off x="1228299" y="518615"/>
+            <a:ext cx="627797" cy="279961"/>
+          </a:xfrm>
+          <a:prstGeom prst="rect">
+            <a:avLst/>
+          </a:prstGeom>
+        </p:spPr>
+        <p:style>
+          <a:lnRef idx="2">
+            <a:schemeClr val="accent2">
+              <a:shade val="50000"/>
+            </a:schemeClr>
+          </a:lnRef>
+          <a:fillRef idx="1">
+            <a:schemeClr val="accent2"/>
+          </a:fillRef>
+          <a:effectRef idx="0">
+            <a:schemeClr val="accent2"/>
+          </a:effectRef>
+          <a:fontRef idx="minor">
+            <a:schemeClr val="lt1"/>
+          </a:fontRef>
+        </p:style>
+        <p:txBody>
+          <a:bodyPr rtlCol="0" anchor="ctr"/>
+          <a:lstStyle/>
+          <a:p>
+            <a:pPr algn="ctr"/>
+            <a:r>
+              <a:rPr lang="en-US" altLang="zh-TW" sz="1200" dirty="0"/>
+              <a:t>main</a:t>
+            </a:r>
+            <a:endParaRPr lang="zh-TW" altLang="en-US" sz="1200" dirty="0"/>
+          </a:p>
+        </p:txBody>
+      </p:sp>
+      <p:sp>
+        <p:nvSpPr>
+          <p:cNvPr id="3" name="Rectangle 2"/>
+          <p:cNvSpPr/>
+          <p:nvPr/>
+        </p:nvSpPr>
+        <p:spPr>
+          <a:xfrm>
+            <a:off x="871546" y="1164791"/>
+            <a:ext cx="1341301" cy="279961"/>
+          </a:xfrm>
+          <a:prstGeom prst="rect">
+            <a:avLst/>
+          </a:prstGeom>
+        </p:spPr>
+        <p:style>
+          <a:lnRef idx="2">
+            <a:schemeClr val="accent4">
+              <a:shade val="50000"/>
+            </a:schemeClr>
+          </a:lnRef>
+          <a:fillRef idx="1">
+            <a:schemeClr val="accent4"/>
+          </a:fillRef>
+          <a:effectRef idx="0">
+            <a:schemeClr val="accent4"/>
+          </a:effectRef>
+          <a:fontRef idx="minor">
+            <a:schemeClr val="lt1"/>
+          </a:fontRef>
+        </p:style>
+        <p:txBody>
+          <a:bodyPr rtlCol="0" anchor="ctr"/>
+          <a:lstStyle/>
+          <a:p>
+            <a:pPr algn="ctr"/>
+            <a:r>
+              <a:rPr lang="en-US" altLang="zh-TW" sz="1200" dirty="0" err="1"/>
+              <a:t>clean_list</a:t>
+            </a:r>
+            <a:endParaRPr lang="en-US" altLang="zh-TW" sz="1200" dirty="0"/>
+          </a:p>
+        </p:txBody>
+      </p:sp>
+      <p:cxnSp>
+        <p:nvCxnSpPr>
+          <p:cNvPr id="4" name="Connector: Elbow 3"/>
+          <p:cNvCxnSpPr>
+            <a:stCxn id="2" idx="2"/>
+            <a:endCxn id="3" idx="0"/>
+          </p:cNvCxnSpPr>
+          <p:nvPr/>
+        </p:nvCxnSpPr>
+        <p:spPr>
+          <a:xfrm rot="5400000">
+            <a:off x="1359091" y="981683"/>
+            <a:ext cx="366215" cy="1"/>
+          </a:xfrm>
+          <a:prstGeom prst="bentConnector3">
+            <a:avLst/>
+          </a:prstGeom>
+          <a:ln>
+            <a:tailEnd type="triangle"/>
+          </a:ln>
+        </p:spPr>
+        <p:style>
+          <a:lnRef idx="1">
+            <a:schemeClr val="accent1"/>
+          </a:lnRef>
+          <a:fillRef idx="0">
+            <a:schemeClr val="accent1"/>
+          </a:fillRef>
+          <a:effectRef idx="0">
+            <a:schemeClr val="accent1"/>
+          </a:effectRef>
+          <a:fontRef idx="minor">
+            <a:schemeClr val="tx1"/>
+          </a:fontRef>
+        </p:style>
+      </p:cxnSp>
+      <p:sp>
+        <p:nvSpPr>
+          <p:cNvPr id="8" name="Rectangle 7"/>
+          <p:cNvSpPr/>
+          <p:nvPr/>
+        </p:nvSpPr>
+        <p:spPr>
+          <a:xfrm>
+            <a:off x="737750" y="2920265"/>
+            <a:ext cx="1608896" cy="314976"/>
+          </a:xfrm>
+          <a:prstGeom prst="rect">
+            <a:avLst/>
+          </a:prstGeom>
+        </p:spPr>
+        <p:style>
+          <a:lnRef idx="2">
+            <a:schemeClr val="accent6">
+              <a:shade val="50000"/>
+            </a:schemeClr>
+          </a:lnRef>
+          <a:fillRef idx="1">
+            <a:schemeClr val="accent6"/>
+          </a:fillRef>
+          <a:effectRef idx="0">
+            <a:schemeClr val="accent6"/>
+          </a:effectRef>
+          <a:fontRef idx="minor">
+            <a:schemeClr val="lt1"/>
+          </a:fontRef>
+        </p:style>
+        <p:txBody>
+          <a:bodyPr rtlCol="0" anchor="ctr"/>
+          <a:lstStyle/>
+          <a:p>
+            <a:pPr algn="ctr"/>
+            <a:r>
+              <a:rPr lang="en-US" altLang="zh-TW" sz="1200" dirty="0" err="1"/>
+              <a:t>unset_shell_variables</a:t>
+            </a:r>
+            <a:endParaRPr lang="en-US" altLang="zh-TW" sz="1200" dirty="0"/>
+          </a:p>
+        </p:txBody>
+      </p:sp>
+      <p:sp>
+        <p:nvSpPr>
+          <p:cNvPr id="9" name="Rectangle 8"/>
+          <p:cNvSpPr/>
+          <p:nvPr/>
+        </p:nvSpPr>
+        <p:spPr>
+          <a:xfrm>
+            <a:off x="871546" y="2121272"/>
+            <a:ext cx="1341301" cy="279961"/>
+          </a:xfrm>
+          <a:prstGeom prst="rect">
+            <a:avLst/>
+          </a:prstGeom>
+        </p:spPr>
+        <p:style>
+          <a:lnRef idx="2">
+            <a:schemeClr val="accent2">
+              <a:shade val="50000"/>
+            </a:schemeClr>
+          </a:lnRef>
+          <a:fillRef idx="1">
+            <a:schemeClr val="accent2"/>
+          </a:fillRef>
+          <a:effectRef idx="0">
+            <a:schemeClr val="accent2"/>
+          </a:effectRef>
+          <a:fontRef idx="minor">
+            <a:schemeClr val="lt1"/>
+          </a:fontRef>
+        </p:style>
+        <p:txBody>
+          <a:bodyPr rtlCol="0" anchor="ctr"/>
+          <a:lstStyle/>
+          <a:p>
+            <a:pPr algn="ctr"/>
+            <a:r>
+              <a:rPr lang="en-US" altLang="zh-TW" sz="1200" dirty="0" err="1"/>
+              <a:t>clean_list</a:t>
+            </a:r>
+            <a:endParaRPr lang="en-US" altLang="zh-TW" sz="1200" dirty="0"/>
+          </a:p>
+        </p:txBody>
+      </p:sp>
+      <p:cxnSp>
+        <p:nvCxnSpPr>
+          <p:cNvPr id="10" name="Connector: Elbow 9"/>
+          <p:cNvCxnSpPr>
+            <a:stCxn id="9" idx="2"/>
+            <a:endCxn id="8" idx="0"/>
+          </p:cNvCxnSpPr>
+          <p:nvPr/>
+        </p:nvCxnSpPr>
+        <p:spPr>
+          <a:xfrm rot="16200000" flipH="1">
+            <a:off x="1282681" y="2660748"/>
+            <a:ext cx="519032" cy="1"/>
+          </a:xfrm>
+          <a:prstGeom prst="bentConnector3">
+            <a:avLst/>
+          </a:prstGeom>
+          <a:ln>
+            <a:tailEnd type="triangle"/>
+          </a:ln>
+        </p:spPr>
+        <p:style>
+          <a:lnRef idx="1">
+            <a:schemeClr val="accent1"/>
+          </a:lnRef>
+          <a:fillRef idx="0">
+            <a:schemeClr val="accent1"/>
+          </a:fillRef>
+          <a:effectRef idx="0">
+            <a:schemeClr val="accent1"/>
+          </a:effectRef>
+          <a:fontRef idx="minor">
+            <a:schemeClr val="tx1"/>
+          </a:fontRef>
+        </p:style>
+      </p:cxnSp>
+      <p:cxnSp>
+        <p:nvCxnSpPr>
+          <p:cNvPr id="15" name="Straight Arrow Connector 14"/>
+          <p:cNvCxnSpPr>
+            <a:stCxn id="3" idx="3"/>
+            <a:endCxn id="9" idx="0"/>
+          </p:cNvCxnSpPr>
+          <p:nvPr/>
+        </p:nvCxnSpPr>
+        <p:spPr>
+          <a:xfrm flipH="1">
+            <a:off x="1542197" y="1304772"/>
+            <a:ext cx="670650" cy="816500"/>
+          </a:xfrm>
+          <a:prstGeom prst="straightConnector1">
+            <a:avLst/>
+          </a:prstGeom>
+          <a:ln w="12700">
+            <a:solidFill>
+              <a:schemeClr val="accent6">
+                <a:lumMod val="50000"/>
+              </a:schemeClr>
+            </a:solidFill>
+            <a:tailEnd type="triangle"/>
+          </a:ln>
+        </p:spPr>
+        <p:style>
+          <a:lnRef idx="1">
+            <a:schemeClr val="accent1"/>
+          </a:lnRef>
+          <a:fillRef idx="0">
+            <a:schemeClr val="accent1"/>
+          </a:fillRef>
+          <a:effectRef idx="0">
+            <a:schemeClr val="accent1"/>
+          </a:effectRef>
+          <a:fontRef idx="minor">
+            <a:schemeClr val="tx1"/>
+          </a:fontRef>
+        </p:style>
+      </p:cxnSp>
+      <p:sp>
+        <p:nvSpPr>
+          <p:cNvPr id="11" name="Rectangle 10"/>
+          <p:cNvSpPr/>
+          <p:nvPr/>
+        </p:nvSpPr>
+        <p:spPr>
+          <a:xfrm>
+            <a:off x="4502271" y="518405"/>
+            <a:ext cx="627797" cy="279961"/>
+          </a:xfrm>
+          <a:prstGeom prst="rect">
+            <a:avLst/>
+          </a:prstGeom>
+        </p:spPr>
+        <p:style>
+          <a:lnRef idx="2">
+            <a:schemeClr val="accent2">
+              <a:shade val="50000"/>
+            </a:schemeClr>
+          </a:lnRef>
+          <a:fillRef idx="1">
+            <a:schemeClr val="accent2"/>
+          </a:fillRef>
+          <a:effectRef idx="0">
+            <a:schemeClr val="accent2"/>
+          </a:effectRef>
+          <a:fontRef idx="minor">
+            <a:schemeClr val="lt1"/>
+          </a:fontRef>
+        </p:style>
+        <p:txBody>
+          <a:bodyPr rtlCol="0" anchor="ctr"/>
+          <a:lstStyle/>
+          <a:p>
+            <a:pPr algn="ctr"/>
+            <a:r>
+              <a:rPr lang="en-US" altLang="zh-TW" sz="1200" dirty="0"/>
+              <a:t>main</a:t>
+            </a:r>
+            <a:endParaRPr lang="zh-TW" altLang="en-US" sz="1200" dirty="0"/>
+          </a:p>
+        </p:txBody>
+      </p:sp>
+      <p:sp>
+        <p:nvSpPr>
+          <p:cNvPr id="12" name="Rectangle 11"/>
+          <p:cNvSpPr/>
+          <p:nvPr/>
+        </p:nvSpPr>
+        <p:spPr>
+          <a:xfrm>
+            <a:off x="4145518" y="1164581"/>
+            <a:ext cx="1341301" cy="279961"/>
+          </a:xfrm>
+          <a:prstGeom prst="rect">
+            <a:avLst/>
+          </a:prstGeom>
+        </p:spPr>
+        <p:style>
+          <a:lnRef idx="2">
+            <a:schemeClr val="accent4">
+              <a:shade val="50000"/>
+            </a:schemeClr>
+          </a:lnRef>
+          <a:fillRef idx="1">
+            <a:schemeClr val="accent4"/>
+          </a:fillRef>
+          <a:effectRef idx="0">
+            <a:schemeClr val="accent4"/>
+          </a:effectRef>
+          <a:fontRef idx="minor">
+            <a:schemeClr val="lt1"/>
+          </a:fontRef>
+        </p:style>
+        <p:txBody>
+          <a:bodyPr rtlCol="0" anchor="ctr"/>
+          <a:lstStyle/>
+          <a:p>
+            <a:pPr algn="ctr"/>
+            <a:r>
+              <a:rPr lang="en-US" altLang="zh-TW" sz="1200" dirty="0" err="1"/>
+              <a:t>check_tag_name</a:t>
+            </a:r>
+            <a:endParaRPr lang="en-US" altLang="zh-TW" sz="1200" dirty="0"/>
+          </a:p>
+        </p:txBody>
+      </p:sp>
+      <p:cxnSp>
+        <p:nvCxnSpPr>
+          <p:cNvPr id="13" name="Connector: Elbow 12"/>
+          <p:cNvCxnSpPr>
+            <a:stCxn id="11" idx="2"/>
+            <a:endCxn id="12" idx="0"/>
+          </p:cNvCxnSpPr>
+          <p:nvPr/>
+        </p:nvCxnSpPr>
+        <p:spPr>
+          <a:xfrm rot="5400000">
+            <a:off x="4633063" y="981473"/>
+            <a:ext cx="366215" cy="1"/>
+          </a:xfrm>
+          <a:prstGeom prst="bentConnector3">
+            <a:avLst/>
+          </a:prstGeom>
+          <a:ln>
+            <a:tailEnd type="triangle"/>
+          </a:ln>
+        </p:spPr>
+        <p:style>
+          <a:lnRef idx="1">
+            <a:schemeClr val="accent1"/>
+          </a:lnRef>
+          <a:fillRef idx="0">
+            <a:schemeClr val="accent1"/>
+          </a:fillRef>
+          <a:effectRef idx="0">
+            <a:schemeClr val="accent1"/>
+          </a:effectRef>
+          <a:fontRef idx="minor">
+            <a:schemeClr val="tx1"/>
+          </a:fontRef>
+        </p:style>
+      </p:cxnSp>
+      <p:cxnSp>
+        <p:nvCxnSpPr>
+          <p:cNvPr id="14" name="Straight Arrow Connector 13"/>
+          <p:cNvCxnSpPr>
+            <a:stCxn id="12" idx="3"/>
+            <a:endCxn id="22" idx="0"/>
+          </p:cNvCxnSpPr>
+          <p:nvPr/>
+        </p:nvCxnSpPr>
+        <p:spPr>
+          <a:xfrm>
+            <a:off x="5486819" y="1304562"/>
+            <a:ext cx="1341302" cy="139980"/>
+          </a:xfrm>
+          <a:prstGeom prst="straightConnector1">
+            <a:avLst/>
+          </a:prstGeom>
+          <a:ln w="12700">
+            <a:solidFill>
+              <a:schemeClr val="accent6">
+                <a:lumMod val="50000"/>
+              </a:schemeClr>
+            </a:solidFill>
+            <a:tailEnd type="triangle"/>
+          </a:ln>
+        </p:spPr>
+        <p:style>
+          <a:lnRef idx="1">
+            <a:schemeClr val="accent1"/>
+          </a:lnRef>
+          <a:fillRef idx="0">
+            <a:schemeClr val="accent1"/>
+          </a:fillRef>
+          <a:effectRef idx="0">
+            <a:schemeClr val="accent1"/>
+          </a:effectRef>
+          <a:fontRef idx="minor">
+            <a:schemeClr val="tx1"/>
+          </a:fontRef>
+        </p:style>
+      </p:cxnSp>
+      <p:sp>
+        <p:nvSpPr>
+          <p:cNvPr id="16" name="Rectangle 15"/>
+          <p:cNvSpPr/>
+          <p:nvPr/>
+        </p:nvSpPr>
+        <p:spPr>
+          <a:xfrm>
+            <a:off x="5934194" y="1966730"/>
+            <a:ext cx="1783262" cy="279961"/>
+          </a:xfrm>
+          <a:prstGeom prst="rect">
+            <a:avLst/>
+          </a:prstGeom>
+        </p:spPr>
+        <p:style>
+          <a:lnRef idx="2">
+            <a:schemeClr val="accent6">
+              <a:shade val="50000"/>
+            </a:schemeClr>
+          </a:lnRef>
+          <a:fillRef idx="1">
+            <a:schemeClr val="accent6"/>
+          </a:fillRef>
+          <a:effectRef idx="0">
+            <a:schemeClr val="accent6"/>
+          </a:effectRef>
+          <a:fontRef idx="minor">
+            <a:schemeClr val="lt1"/>
+          </a:fontRef>
+        </p:style>
+        <p:txBody>
+          <a:bodyPr rtlCol="0" anchor="ctr"/>
+          <a:lstStyle/>
+          <a:p>
+            <a:pPr algn="ctr"/>
+            <a:r>
+              <a:rPr lang="en-US" altLang="zh-TW" sz="1200" dirty="0" err="1"/>
+              <a:t>check_tag_name_format</a:t>
+            </a:r>
+            <a:endParaRPr lang="en-US" altLang="zh-TW" sz="1200" dirty="0"/>
+          </a:p>
+        </p:txBody>
+      </p:sp>
+      <p:sp>
+        <p:nvSpPr>
+          <p:cNvPr id="17" name="Rectangle 16"/>
+          <p:cNvSpPr/>
+          <p:nvPr/>
+        </p:nvSpPr>
+        <p:spPr>
+          <a:xfrm>
+            <a:off x="6155175" y="2471637"/>
+            <a:ext cx="1341301" cy="279961"/>
+          </a:xfrm>
+          <a:prstGeom prst="rect">
+            <a:avLst/>
+          </a:prstGeom>
+        </p:spPr>
+        <p:style>
+          <a:lnRef idx="2">
+            <a:schemeClr val="accent6">
+              <a:shade val="50000"/>
+            </a:schemeClr>
+          </a:lnRef>
+          <a:fillRef idx="1">
+            <a:schemeClr val="accent6"/>
+          </a:fillRef>
+          <a:effectRef idx="0">
+            <a:schemeClr val="accent6"/>
+          </a:effectRef>
+          <a:fontRef idx="minor">
+            <a:schemeClr val="lt1"/>
+          </a:fontRef>
+        </p:style>
+        <p:txBody>
+          <a:bodyPr rtlCol="0" anchor="ctr"/>
+          <a:lstStyle/>
+          <a:p>
+            <a:pPr algn="ctr"/>
+            <a:r>
+              <a:rPr lang="en-US" altLang="zh-TW" sz="1200" dirty="0" err="1"/>
+              <a:t>get_tag_path</a:t>
+            </a:r>
+            <a:endParaRPr lang="en-US" altLang="zh-TW" sz="1200" dirty="0"/>
+          </a:p>
+        </p:txBody>
+      </p:sp>
+      <p:sp>
+        <p:nvSpPr>
+          <p:cNvPr id="18" name="Rectangle 17"/>
+          <p:cNvSpPr/>
+          <p:nvPr/>
+        </p:nvSpPr>
+        <p:spPr>
+          <a:xfrm>
+            <a:off x="6147441" y="3019085"/>
+            <a:ext cx="1341301" cy="279961"/>
+          </a:xfrm>
+          <a:prstGeom prst="rect">
+            <a:avLst/>
+          </a:prstGeom>
+        </p:spPr>
+        <p:style>
+          <a:lnRef idx="2">
+            <a:schemeClr val="accent6">
+              <a:shade val="50000"/>
+            </a:schemeClr>
+          </a:lnRef>
+          <a:fillRef idx="1">
+            <a:schemeClr val="accent6"/>
+          </a:fillRef>
+          <a:effectRef idx="0">
+            <a:schemeClr val="accent6"/>
+          </a:effectRef>
+          <a:fontRef idx="minor">
+            <a:schemeClr val="lt1"/>
+          </a:fontRef>
+        </p:style>
+        <p:txBody>
+          <a:bodyPr rtlCol="0" anchor="ctr"/>
+          <a:lstStyle/>
+          <a:p>
+            <a:pPr algn="ctr"/>
+            <a:r>
+              <a:rPr lang="en-US" altLang="zh-TW" sz="1200" dirty="0" err="1"/>
+              <a:t>check_tag_conflict</a:t>
+            </a:r>
+            <a:endParaRPr lang="en-US" altLang="zh-TW" sz="1200" dirty="0"/>
+          </a:p>
+        </p:txBody>
+      </p:sp>
+      <p:cxnSp>
+        <p:nvCxnSpPr>
+          <p:cNvPr id="19" name="Connector: Elbow 18"/>
+          <p:cNvCxnSpPr>
+            <a:stCxn id="22" idx="2"/>
+            <a:endCxn id="16" idx="0"/>
+          </p:cNvCxnSpPr>
+          <p:nvPr/>
+        </p:nvCxnSpPr>
+        <p:spPr>
+          <a:xfrm rot="5400000">
+            <a:off x="6705860" y="1844468"/>
+            <a:ext cx="242227" cy="2296"/>
+          </a:xfrm>
+          <a:prstGeom prst="bentConnector3">
+            <a:avLst>
+              <a:gd name="adj1" fmla="val 50000"/>
+            </a:avLst>
+          </a:prstGeom>
+          <a:ln>
+            <a:tailEnd type="triangle"/>
+          </a:ln>
+        </p:spPr>
+        <p:style>
+          <a:lnRef idx="1">
+            <a:schemeClr val="accent1"/>
+          </a:lnRef>
+          <a:fillRef idx="0">
+            <a:schemeClr val="accent1"/>
+          </a:fillRef>
+          <a:effectRef idx="0">
+            <a:schemeClr val="accent1"/>
+          </a:effectRef>
+          <a:fontRef idx="minor">
+            <a:schemeClr val="tx1"/>
+          </a:fontRef>
+        </p:style>
+      </p:cxnSp>
+      <p:cxnSp>
+        <p:nvCxnSpPr>
+          <p:cNvPr id="20" name="Connector: Elbow 19"/>
+          <p:cNvCxnSpPr>
+            <a:stCxn id="16" idx="2"/>
+            <a:endCxn id="17" idx="0"/>
+          </p:cNvCxnSpPr>
+          <p:nvPr/>
+        </p:nvCxnSpPr>
+        <p:spPr>
+          <a:xfrm rot="16200000" flipH="1">
+            <a:off x="6713352" y="2359163"/>
+            <a:ext cx="224946" cy="1"/>
+          </a:xfrm>
+          <a:prstGeom prst="bentConnector3">
+            <a:avLst/>
+          </a:prstGeom>
+          <a:ln>
+            <a:tailEnd type="triangle"/>
+          </a:ln>
+        </p:spPr>
+        <p:style>
+          <a:lnRef idx="1">
+            <a:schemeClr val="accent1"/>
+          </a:lnRef>
+          <a:fillRef idx="0">
+            <a:schemeClr val="accent1"/>
+          </a:fillRef>
+          <a:effectRef idx="0">
+            <a:schemeClr val="accent1"/>
+          </a:effectRef>
+          <a:fontRef idx="minor">
+            <a:schemeClr val="tx1"/>
+          </a:fontRef>
+        </p:style>
+      </p:cxnSp>
+      <p:cxnSp>
+        <p:nvCxnSpPr>
+          <p:cNvPr id="21" name="Connector: Elbow 20"/>
+          <p:cNvCxnSpPr>
+            <a:stCxn id="17" idx="2"/>
+            <a:endCxn id="18" idx="0"/>
+          </p:cNvCxnSpPr>
+          <p:nvPr/>
+        </p:nvCxnSpPr>
+        <p:spPr>
+          <a:xfrm rot="5400000">
+            <a:off x="6688216" y="2881474"/>
+            <a:ext cx="267487" cy="7734"/>
+          </a:xfrm>
+          <a:prstGeom prst="bentConnector3">
+            <a:avLst/>
+          </a:prstGeom>
+          <a:ln>
+            <a:tailEnd type="triangle"/>
+          </a:ln>
+        </p:spPr>
+        <p:style>
+          <a:lnRef idx="1">
+            <a:schemeClr val="accent1"/>
+          </a:lnRef>
+          <a:fillRef idx="0">
+            <a:schemeClr val="accent1"/>
+          </a:fillRef>
+          <a:effectRef idx="0">
+            <a:schemeClr val="accent1"/>
+          </a:effectRef>
+          <a:fontRef idx="minor">
+            <a:schemeClr val="tx1"/>
+          </a:fontRef>
+        </p:style>
+      </p:cxnSp>
+      <p:sp>
+        <p:nvSpPr>
+          <p:cNvPr id="22" name="Rectangle 21"/>
+          <p:cNvSpPr/>
+          <p:nvPr/>
+        </p:nvSpPr>
+        <p:spPr>
+          <a:xfrm>
+            <a:off x="6157470" y="1444542"/>
+            <a:ext cx="1341301" cy="279961"/>
+          </a:xfrm>
+          <a:prstGeom prst="rect">
+            <a:avLst/>
+          </a:prstGeom>
+        </p:spPr>
+        <p:style>
+          <a:lnRef idx="2">
+            <a:schemeClr val="accent2">
+              <a:shade val="50000"/>
+            </a:schemeClr>
+          </a:lnRef>
+          <a:fillRef idx="1">
+            <a:schemeClr val="accent2"/>
+          </a:fillRef>
+          <a:effectRef idx="0">
+            <a:schemeClr val="accent2"/>
+          </a:effectRef>
+          <a:fontRef idx="minor">
+            <a:schemeClr val="lt1"/>
+          </a:fontRef>
+        </p:style>
+        <p:txBody>
+          <a:bodyPr rtlCol="0" anchor="ctr"/>
+          <a:lstStyle/>
+          <a:p>
+            <a:pPr algn="ctr"/>
+            <a:r>
+              <a:rPr lang="en-US" altLang="zh-TW" sz="1200" dirty="0" err="1"/>
+              <a:t>check_tag_name</a:t>
+            </a:r>
+            <a:endParaRPr lang="en-US" altLang="zh-TW" sz="1200" dirty="0"/>
+          </a:p>
+        </p:txBody>
+      </p:sp>
+      <p:sp>
+        <p:nvSpPr>
+          <p:cNvPr id="23" name="Rectangle 22"/>
+          <p:cNvSpPr/>
+          <p:nvPr/>
+        </p:nvSpPr>
+        <p:spPr>
+          <a:xfrm>
+            <a:off x="4030115" y="1813735"/>
+            <a:ext cx="1572110" cy="310515"/>
+          </a:xfrm>
+          <a:prstGeom prst="rect">
+            <a:avLst/>
+          </a:prstGeom>
+        </p:spPr>
+        <p:style>
+          <a:lnRef idx="2">
+            <a:schemeClr val="accent4">
+              <a:shade val="50000"/>
+            </a:schemeClr>
+          </a:lnRef>
+          <a:fillRef idx="1">
+            <a:schemeClr val="accent4"/>
+          </a:fillRef>
+          <a:effectRef idx="0">
+            <a:schemeClr val="accent4"/>
+          </a:effectRef>
+          <a:fontRef idx="minor">
+            <a:schemeClr val="lt1"/>
+          </a:fontRef>
+        </p:style>
+        <p:txBody>
+          <a:bodyPr rtlCol="0" anchor="ctr"/>
+          <a:lstStyle/>
+          <a:p>
+            <a:pPr algn="ctr"/>
+            <a:r>
+              <a:rPr lang="en-US" altLang="zh-TW" sz="1200" dirty="0" err="1"/>
+              <a:t>show_list_under_tag</a:t>
+            </a:r>
+            <a:endParaRPr lang="en-US" altLang="zh-TW" sz="1200" dirty="0"/>
+          </a:p>
+        </p:txBody>
+      </p:sp>
+      <p:cxnSp>
+        <p:nvCxnSpPr>
+          <p:cNvPr id="7" name="Straight Arrow Connector 6"/>
+          <p:cNvCxnSpPr>
+            <a:stCxn id="12" idx="2"/>
+            <a:endCxn id="23" idx="0"/>
+          </p:cNvCxnSpPr>
+          <p:nvPr/>
+        </p:nvCxnSpPr>
+        <p:spPr>
+          <a:xfrm>
+            <a:off x="4816169" y="1444542"/>
+            <a:ext cx="1" cy="369193"/>
+          </a:xfrm>
+          <a:prstGeom prst="straightConnector1">
+            <a:avLst/>
+          </a:prstGeom>
+          <a:ln>
+            <a:tailEnd type="triangle"/>
+          </a:ln>
+        </p:spPr>
+        <p:style>
+          <a:lnRef idx="1">
+            <a:schemeClr val="accent1"/>
+          </a:lnRef>
+          <a:fillRef idx="0">
+            <a:schemeClr val="accent1"/>
+          </a:fillRef>
+          <a:effectRef idx="0">
+            <a:schemeClr val="accent1"/>
+          </a:effectRef>
+          <a:fontRef idx="minor">
+            <a:schemeClr val="tx1"/>
+          </a:fontRef>
+        </p:style>
+      </p:cxnSp>
+      <p:sp>
+        <p:nvSpPr>
+          <p:cNvPr id="26" name="Rectangle: Rounded Corners 25"/>
+          <p:cNvSpPr/>
+          <p:nvPr/>
+        </p:nvSpPr>
+        <p:spPr>
+          <a:xfrm>
+            <a:off x="5785300" y="3687812"/>
+            <a:ext cx="2081048" cy="767255"/>
+          </a:xfrm>
+          <a:prstGeom prst="roundRect">
+            <a:avLst/>
+          </a:prstGeom>
+        </p:spPr>
+        <p:style>
+          <a:lnRef idx="2">
+            <a:schemeClr val="accent1">
+              <a:shade val="50000"/>
+            </a:schemeClr>
+          </a:lnRef>
+          <a:fillRef idx="1">
+            <a:schemeClr val="accent1"/>
+          </a:fillRef>
+          <a:effectRef idx="0">
+            <a:schemeClr val="accent1"/>
+          </a:effectRef>
+          <a:fontRef idx="minor">
+            <a:schemeClr val="lt1"/>
+          </a:fontRef>
+        </p:style>
+        <p:txBody>
+          <a:bodyPr rtlCol="0" anchor="ctr"/>
+          <a:lstStyle/>
+          <a:p>
+            <a:pPr algn="ctr"/>
+            <a:r>
+              <a:rPr lang="en-US" altLang="zh-TW" sz="1200" dirty="0" err="1"/>
+              <a:t>tag_name</a:t>
+            </a:r>
+            <a:endParaRPr lang="en-US" altLang="zh-TW" sz="1200" dirty="0"/>
+          </a:p>
+          <a:p>
+            <a:pPr algn="ctr"/>
+            <a:r>
+              <a:rPr lang="en-US" altLang="zh-TW" sz="1200" dirty="0" err="1"/>
+              <a:t>tag_path</a:t>
+            </a:r>
+            <a:endParaRPr lang="en-US" altLang="zh-TW" sz="1200" dirty="0"/>
+          </a:p>
+          <a:p>
+            <a:pPr algn="ctr"/>
+            <a:r>
+              <a:rPr lang="en-US" altLang="zh-TW" sz="1200" dirty="0" err="1"/>
+              <a:t>sv_conflict</a:t>
+            </a:r>
+            <a:endParaRPr lang="en-US" altLang="zh-TW" sz="1200" dirty="0"/>
+          </a:p>
+          <a:p>
+            <a:pPr algn="ctr"/>
+            <a:r>
+              <a:rPr lang="en-US" altLang="zh-TW" sz="1200" dirty="0" err="1"/>
+              <a:t>error_msg</a:t>
+            </a:r>
+            <a:endParaRPr lang="zh-TW" altLang="en-US" sz="1200" dirty="0"/>
+          </a:p>
+        </p:txBody>
+      </p:sp>
+      <p:sp>
+        <p:nvSpPr>
+          <p:cNvPr id="27" name="Arrow: Down 26"/>
+          <p:cNvSpPr/>
+          <p:nvPr/>
+        </p:nvSpPr>
+        <p:spPr>
+          <a:xfrm>
+            <a:off x="6710210" y="3352199"/>
+            <a:ext cx="231228" cy="282460"/>
+          </a:xfrm>
+          <a:prstGeom prst="downArrow">
+            <a:avLst/>
+          </a:prstGeom>
+        </p:spPr>
+        <p:style>
+          <a:lnRef idx="1">
+            <a:schemeClr val="accent1"/>
+          </a:lnRef>
+          <a:fillRef idx="2">
+            <a:schemeClr val="accent1"/>
+          </a:fillRef>
+          <a:effectRef idx="1">
+            <a:schemeClr val="accent1"/>
+          </a:effectRef>
+          <a:fontRef idx="minor">
+            <a:schemeClr val="dk1"/>
+          </a:fontRef>
+        </p:style>
+        <p:txBody>
+          <a:bodyPr rtlCol="0" anchor="ctr"/>
+          <a:lstStyle/>
+          <a:p>
+            <a:pPr algn="ctr"/>
+            <a:endParaRPr lang="zh-TW" altLang="en-US"/>
+          </a:p>
+        </p:txBody>
+      </p:sp>
+      <p:sp>
+        <p:nvSpPr>
+          <p:cNvPr id="28" name="Rectangle 27"/>
+          <p:cNvSpPr/>
+          <p:nvPr/>
+        </p:nvSpPr>
+        <p:spPr>
+          <a:xfrm>
+            <a:off x="2896857" y="2622310"/>
+            <a:ext cx="1693768" cy="297955"/>
+          </a:xfrm>
+          <a:prstGeom prst="rect">
+            <a:avLst/>
+          </a:prstGeom>
+        </p:spPr>
+        <p:style>
+          <a:lnRef idx="2">
+            <a:schemeClr val="accent2">
+              <a:shade val="50000"/>
+            </a:schemeClr>
+          </a:lnRef>
+          <a:fillRef idx="1">
+            <a:schemeClr val="accent2"/>
+          </a:fillRef>
+          <a:effectRef idx="0">
+            <a:schemeClr val="accent2"/>
+          </a:effectRef>
+          <a:fontRef idx="minor">
+            <a:schemeClr val="lt1"/>
+          </a:fontRef>
+        </p:style>
+        <p:txBody>
+          <a:bodyPr rtlCol="0" anchor="ctr"/>
+          <a:lstStyle/>
+          <a:p>
+            <a:pPr algn="ctr"/>
+            <a:r>
+              <a:rPr lang="en-US" altLang="zh-TW" sz="1200" dirty="0" err="1"/>
+              <a:t>show_list_under_tag</a:t>
+            </a:r>
+            <a:endParaRPr lang="en-US" altLang="zh-TW" sz="1200" dirty="0"/>
+          </a:p>
+        </p:txBody>
+      </p:sp>
+      <p:sp>
+        <p:nvSpPr>
+          <p:cNvPr id="29" name="Rectangle 28"/>
+          <p:cNvSpPr/>
+          <p:nvPr/>
+        </p:nvSpPr>
+        <p:spPr>
+          <a:xfrm>
+            <a:off x="3017296" y="3333443"/>
+            <a:ext cx="1452892" cy="306973"/>
+          </a:xfrm>
+          <a:prstGeom prst="rect">
+            <a:avLst/>
+          </a:prstGeom>
+        </p:spPr>
+        <p:style>
+          <a:lnRef idx="2">
+            <a:schemeClr val="accent6">
+              <a:shade val="50000"/>
+            </a:schemeClr>
+          </a:lnRef>
+          <a:fillRef idx="1">
+            <a:schemeClr val="accent6"/>
+          </a:fillRef>
+          <a:effectRef idx="0">
+            <a:schemeClr val="accent6"/>
+          </a:effectRef>
+          <a:fontRef idx="minor">
+            <a:schemeClr val="lt1"/>
+          </a:fontRef>
+        </p:style>
+        <p:txBody>
+          <a:bodyPr rtlCol="0" anchor="ctr"/>
+          <a:lstStyle/>
+          <a:p>
+            <a:pPr algn="ctr"/>
+            <a:r>
+              <a:rPr lang="en-US" altLang="zh-TW" sz="1200" dirty="0" err="1"/>
+              <a:t>check_tag_conflicct</a:t>
+            </a:r>
+            <a:endParaRPr lang="en-US" altLang="zh-TW" sz="1200" dirty="0"/>
+          </a:p>
+        </p:txBody>
+      </p:sp>
+      <p:sp>
+        <p:nvSpPr>
+          <p:cNvPr id="30" name="Rectangle 29"/>
+          <p:cNvSpPr/>
+          <p:nvPr/>
+        </p:nvSpPr>
+        <p:spPr>
+          <a:xfrm>
+            <a:off x="4017466" y="4096307"/>
+            <a:ext cx="1341301" cy="279961"/>
+          </a:xfrm>
+          <a:prstGeom prst="rect">
+            <a:avLst/>
+          </a:prstGeom>
+        </p:spPr>
+        <p:style>
+          <a:lnRef idx="2">
+            <a:schemeClr val="accent6">
+              <a:shade val="50000"/>
+            </a:schemeClr>
+          </a:lnRef>
+          <a:fillRef idx="1">
+            <a:schemeClr val="accent6"/>
+          </a:fillRef>
+          <a:effectRef idx="0">
+            <a:schemeClr val="accent6"/>
+          </a:effectRef>
+          <a:fontRef idx="minor">
+            <a:schemeClr val="lt1"/>
+          </a:fontRef>
+        </p:style>
+        <p:txBody>
+          <a:bodyPr rtlCol="0" anchor="ctr"/>
+          <a:lstStyle/>
+          <a:p>
+            <a:pPr algn="ctr"/>
+            <a:r>
+              <a:rPr lang="en-US" altLang="zh-TW" sz="1200" dirty="0" err="1"/>
+              <a:t>set_tag_in_shell</a:t>
+            </a:r>
+            <a:endParaRPr lang="en-US" altLang="zh-TW" sz="1200" dirty="0"/>
+          </a:p>
+        </p:txBody>
+      </p:sp>
+      <p:sp>
+        <p:nvSpPr>
+          <p:cNvPr id="31" name="Rectangle 30"/>
+          <p:cNvSpPr/>
+          <p:nvPr/>
+        </p:nvSpPr>
+        <p:spPr>
+          <a:xfrm>
+            <a:off x="3122401" y="4781208"/>
+            <a:ext cx="1242683" cy="297955"/>
+          </a:xfrm>
+          <a:prstGeom prst="rect">
+            <a:avLst/>
+          </a:prstGeom>
+        </p:spPr>
+        <p:style>
+          <a:lnRef idx="2">
+            <a:schemeClr val="accent6">
+              <a:shade val="50000"/>
+            </a:schemeClr>
+          </a:lnRef>
+          <a:fillRef idx="1">
+            <a:schemeClr val="accent6"/>
+          </a:fillRef>
+          <a:effectRef idx="0">
+            <a:schemeClr val="accent6"/>
+          </a:effectRef>
+          <a:fontRef idx="minor">
+            <a:schemeClr val="lt1"/>
+          </a:fontRef>
+        </p:style>
+        <p:txBody>
+          <a:bodyPr rtlCol="0" anchor="ctr"/>
+          <a:lstStyle/>
+          <a:p>
+            <a:pPr algn="ctr"/>
+            <a:r>
+              <a:rPr lang="en-US" altLang="zh-TW" sz="1200" dirty="0" err="1"/>
+              <a:t>show_tag_info</a:t>
+            </a:r>
+            <a:endParaRPr lang="en-US" altLang="zh-TW" sz="1200" dirty="0"/>
+          </a:p>
+        </p:txBody>
+      </p:sp>
+      <p:cxnSp>
+        <p:nvCxnSpPr>
+          <p:cNvPr id="32" name="Connector: Elbow 31"/>
+          <p:cNvCxnSpPr>
+            <a:stCxn id="28" idx="2"/>
+            <a:endCxn id="29" idx="0"/>
+          </p:cNvCxnSpPr>
+          <p:nvPr/>
+        </p:nvCxnSpPr>
+        <p:spPr>
+          <a:xfrm rot="16200000" flipH="1">
+            <a:off x="3537152" y="3126853"/>
+            <a:ext cx="413178" cy="1"/>
+          </a:xfrm>
+          <a:prstGeom prst="bentConnector3">
+            <a:avLst/>
+          </a:prstGeom>
+          <a:ln>
+            <a:tailEnd type="triangle"/>
+          </a:ln>
+        </p:spPr>
+        <p:style>
+          <a:lnRef idx="1">
+            <a:schemeClr val="accent1"/>
+          </a:lnRef>
+          <a:fillRef idx="0">
+            <a:schemeClr val="accent1"/>
+          </a:fillRef>
+          <a:effectRef idx="0">
+            <a:schemeClr val="accent1"/>
+          </a:effectRef>
+          <a:fontRef idx="minor">
+            <a:schemeClr val="tx1"/>
+          </a:fontRef>
+        </p:style>
+      </p:cxnSp>
+      <p:cxnSp>
+        <p:nvCxnSpPr>
+          <p:cNvPr id="33" name="Connector: Elbow 32"/>
+          <p:cNvCxnSpPr>
+            <a:stCxn id="29" idx="2"/>
+            <a:endCxn id="31" idx="0"/>
+          </p:cNvCxnSpPr>
+          <p:nvPr/>
+        </p:nvCxnSpPr>
+        <p:spPr>
+          <a:xfrm rot="16200000" flipH="1">
+            <a:off x="3173346" y="4210811"/>
+            <a:ext cx="1140792" cy="1"/>
+          </a:xfrm>
+          <a:prstGeom prst="bentConnector3">
+            <a:avLst/>
+          </a:prstGeom>
+          <a:ln>
+            <a:tailEnd type="triangle"/>
+          </a:ln>
+        </p:spPr>
+        <p:style>
+          <a:lnRef idx="1">
+            <a:schemeClr val="accent1"/>
+          </a:lnRef>
+          <a:fillRef idx="0">
+            <a:schemeClr val="accent1"/>
+          </a:fillRef>
+          <a:effectRef idx="0">
+            <a:schemeClr val="accent1"/>
+          </a:effectRef>
+          <a:fontRef idx="minor">
+            <a:schemeClr val="tx1"/>
+          </a:fontRef>
+        </p:style>
+      </p:cxnSp>
+      <p:cxnSp>
+        <p:nvCxnSpPr>
+          <p:cNvPr id="34" name="Connector: Elbow 33"/>
+          <p:cNvCxnSpPr>
+            <a:stCxn id="29" idx="2"/>
+            <a:endCxn id="30" idx="0"/>
+          </p:cNvCxnSpPr>
+          <p:nvPr/>
+        </p:nvCxnSpPr>
+        <p:spPr>
+          <a:xfrm rot="16200000" flipH="1">
+            <a:off x="3987984" y="3396173"/>
+            <a:ext cx="455891" cy="944375"/>
+          </a:xfrm>
+          <a:prstGeom prst="bentConnector3">
+            <a:avLst/>
+          </a:prstGeom>
+          <a:ln>
+            <a:tailEnd type="triangle"/>
+          </a:ln>
+        </p:spPr>
+        <p:style>
+          <a:lnRef idx="1">
+            <a:schemeClr val="accent1"/>
+          </a:lnRef>
+          <a:fillRef idx="0">
+            <a:schemeClr val="accent1"/>
+          </a:fillRef>
+          <a:effectRef idx="0">
+            <a:schemeClr val="accent1"/>
+          </a:effectRef>
+          <a:fontRef idx="minor">
+            <a:schemeClr val="tx1"/>
+          </a:fontRef>
+        </p:style>
+      </p:cxnSp>
+    </p:spTree>
+    <p:extLst>
+      <p:ext uri="{BB962C8B-B14F-4D97-AF65-F5344CB8AC3E}">
+        <p14:creationId xmlns:p14="http://schemas.microsoft.com/office/powerpoint/2010/main" val="1166580450"/>
       </p:ext>
     </p:extLst>
   </p:cSld>

--- a/function_roadmap.pptx
+++ b/function_roadmap.pptx
@@ -244,7 +244,7 @@
           <a:p>
             <a:fld id="{97EBAB20-6CF7-4F11-B4EA-76A188F145A2}" type="datetimeFigureOut">
               <a:rPr lang="zh-TW" altLang="en-US" smtClean="0"/>
-              <a:t>2017/8/2</a:t>
+              <a:t>2017/8/4</a:t>
             </a:fld>
             <a:endParaRPr lang="zh-TW" altLang="en-US"/>
           </a:p>
@@ -414,7 +414,7 @@
           <a:p>
             <a:fld id="{97EBAB20-6CF7-4F11-B4EA-76A188F145A2}" type="datetimeFigureOut">
               <a:rPr lang="zh-TW" altLang="en-US" smtClean="0"/>
-              <a:t>2017/8/2</a:t>
+              <a:t>2017/8/4</a:t>
             </a:fld>
             <a:endParaRPr lang="zh-TW" altLang="en-US"/>
           </a:p>
@@ -594,7 +594,7 @@
           <a:p>
             <a:fld id="{97EBAB20-6CF7-4F11-B4EA-76A188F145A2}" type="datetimeFigureOut">
               <a:rPr lang="zh-TW" altLang="en-US" smtClean="0"/>
-              <a:t>2017/8/2</a:t>
+              <a:t>2017/8/4</a:t>
             </a:fld>
             <a:endParaRPr lang="zh-TW" altLang="en-US"/>
           </a:p>
@@ -764,7 +764,7 @@
           <a:p>
             <a:fld id="{97EBAB20-6CF7-4F11-B4EA-76A188F145A2}" type="datetimeFigureOut">
               <a:rPr lang="zh-TW" altLang="en-US" smtClean="0"/>
-              <a:t>2017/8/2</a:t>
+              <a:t>2017/8/4</a:t>
             </a:fld>
             <a:endParaRPr lang="zh-TW" altLang="en-US"/>
           </a:p>
@@ -1010,7 +1010,7 @@
           <a:p>
             <a:fld id="{97EBAB20-6CF7-4F11-B4EA-76A188F145A2}" type="datetimeFigureOut">
               <a:rPr lang="zh-TW" altLang="en-US" smtClean="0"/>
-              <a:t>2017/8/2</a:t>
+              <a:t>2017/8/4</a:t>
             </a:fld>
             <a:endParaRPr lang="zh-TW" altLang="en-US"/>
           </a:p>
@@ -1242,7 +1242,7 @@
           <a:p>
             <a:fld id="{97EBAB20-6CF7-4F11-B4EA-76A188F145A2}" type="datetimeFigureOut">
               <a:rPr lang="zh-TW" altLang="en-US" smtClean="0"/>
-              <a:t>2017/8/2</a:t>
+              <a:t>2017/8/4</a:t>
             </a:fld>
             <a:endParaRPr lang="zh-TW" altLang="en-US"/>
           </a:p>
@@ -1609,7 +1609,7 @@
           <a:p>
             <a:fld id="{97EBAB20-6CF7-4F11-B4EA-76A188F145A2}" type="datetimeFigureOut">
               <a:rPr lang="zh-TW" altLang="en-US" smtClean="0"/>
-              <a:t>2017/8/2</a:t>
+              <a:t>2017/8/4</a:t>
             </a:fld>
             <a:endParaRPr lang="zh-TW" altLang="en-US"/>
           </a:p>
@@ -1727,7 +1727,7 @@
           <a:p>
             <a:fld id="{97EBAB20-6CF7-4F11-B4EA-76A188F145A2}" type="datetimeFigureOut">
               <a:rPr lang="zh-TW" altLang="en-US" smtClean="0"/>
-              <a:t>2017/8/2</a:t>
+              <a:t>2017/8/4</a:t>
             </a:fld>
             <a:endParaRPr lang="zh-TW" altLang="en-US"/>
           </a:p>
@@ -1822,7 +1822,7 @@
           <a:p>
             <a:fld id="{97EBAB20-6CF7-4F11-B4EA-76A188F145A2}" type="datetimeFigureOut">
               <a:rPr lang="zh-TW" altLang="en-US" smtClean="0"/>
-              <a:t>2017/8/2</a:t>
+              <a:t>2017/8/4</a:t>
             </a:fld>
             <a:endParaRPr lang="zh-TW" altLang="en-US"/>
           </a:p>
@@ -2099,7 +2099,7 @@
           <a:p>
             <a:fld id="{97EBAB20-6CF7-4F11-B4EA-76A188F145A2}" type="datetimeFigureOut">
               <a:rPr lang="zh-TW" altLang="en-US" smtClean="0"/>
-              <a:t>2017/8/2</a:t>
+              <a:t>2017/8/4</a:t>
             </a:fld>
             <a:endParaRPr lang="zh-TW" altLang="en-US"/>
           </a:p>
@@ -2352,7 +2352,7 @@
           <a:p>
             <a:fld id="{97EBAB20-6CF7-4F11-B4EA-76A188F145A2}" type="datetimeFigureOut">
               <a:rPr lang="zh-TW" altLang="en-US" smtClean="0"/>
-              <a:t>2017/8/2</a:t>
+              <a:t>2017/8/4</a:t>
             </a:fld>
             <a:endParaRPr lang="zh-TW" altLang="en-US"/>
           </a:p>
@@ -2565,7 +2565,7 @@
           <a:p>
             <a:fld id="{97EBAB20-6CF7-4F11-B4EA-76A188F145A2}" type="datetimeFigureOut">
               <a:rPr lang="zh-TW" altLang="en-US" smtClean="0"/>
-              <a:t>2017/8/2</a:t>
+              <a:t>2017/8/4</a:t>
             </a:fld>
             <a:endParaRPr lang="zh-TW" altLang="en-US"/>
           </a:p>
@@ -2970,19 +2970,753 @@
           <a:chExt cx="0" cy="0"/>
         </a:xfrm>
       </p:grpSpPr>
+      <p:sp>
+        <p:nvSpPr>
+          <p:cNvPr id="4" name="Rectangle 3"/>
+          <p:cNvSpPr/>
+          <p:nvPr/>
+        </p:nvSpPr>
+        <p:spPr>
+          <a:xfrm>
+            <a:off x="1228299" y="518615"/>
+            <a:ext cx="627797" cy="279961"/>
+          </a:xfrm>
+          <a:prstGeom prst="rect">
+            <a:avLst/>
+          </a:prstGeom>
+        </p:spPr>
+        <p:style>
+          <a:lnRef idx="2">
+            <a:schemeClr val="accent2">
+              <a:shade val="50000"/>
+            </a:schemeClr>
+          </a:lnRef>
+          <a:fillRef idx="1">
+            <a:schemeClr val="accent2"/>
+          </a:fillRef>
+          <a:effectRef idx="0">
+            <a:schemeClr val="accent2"/>
+          </a:effectRef>
+          <a:fontRef idx="minor">
+            <a:schemeClr val="lt1"/>
+          </a:fontRef>
+        </p:style>
+        <p:txBody>
+          <a:bodyPr rtlCol="0" anchor="ctr"/>
+          <a:lstStyle/>
+          <a:p>
+            <a:pPr algn="ctr"/>
+            <a:r>
+              <a:rPr lang="en-US" altLang="zh-TW" sz="1200" dirty="0"/>
+              <a:t>main</a:t>
+            </a:r>
+            <a:endParaRPr lang="zh-TW" altLang="en-US" sz="1200" dirty="0"/>
+          </a:p>
+        </p:txBody>
+      </p:sp>
+      <p:sp>
+        <p:nvSpPr>
+          <p:cNvPr id="5" name="Rectangle 4"/>
+          <p:cNvSpPr/>
+          <p:nvPr/>
+        </p:nvSpPr>
+        <p:spPr>
+          <a:xfrm>
+            <a:off x="871546" y="1164791"/>
+            <a:ext cx="1341301" cy="279961"/>
+          </a:xfrm>
+          <a:prstGeom prst="rect">
+            <a:avLst/>
+          </a:prstGeom>
+        </p:spPr>
+        <p:style>
+          <a:lnRef idx="2">
+            <a:schemeClr val="accent4">
+              <a:shade val="50000"/>
+            </a:schemeClr>
+          </a:lnRef>
+          <a:fillRef idx="1">
+            <a:schemeClr val="accent4"/>
+          </a:fillRef>
+          <a:effectRef idx="0">
+            <a:schemeClr val="accent4"/>
+          </a:effectRef>
+          <a:fontRef idx="minor">
+            <a:schemeClr val="lt1"/>
+          </a:fontRef>
+        </p:style>
+        <p:txBody>
+          <a:bodyPr rtlCol="0" anchor="ctr"/>
+          <a:lstStyle/>
+          <a:p>
+            <a:pPr algn="ctr"/>
+            <a:r>
+              <a:rPr lang="en-US" altLang="zh-TW" sz="1200" dirty="0" err="1"/>
+              <a:t>check_tag_name</a:t>
+            </a:r>
+            <a:endParaRPr lang="en-US" altLang="zh-TW" sz="1200" dirty="0"/>
+          </a:p>
+        </p:txBody>
+      </p:sp>
       <p:cxnSp>
         <p:nvCxnSpPr>
-          <p:cNvPr id="113" name="Straight Arrow Connector 112"/>
+          <p:cNvPr id="11" name="Connector: Elbow 10"/>
           <p:cNvCxnSpPr>
-            <a:stCxn id="54" idx="3"/>
-            <a:endCxn id="35" idx="0"/>
+            <a:stCxn id="4" idx="2"/>
+            <a:endCxn id="5" idx="0"/>
           </p:cNvCxnSpPr>
           <p:nvPr/>
         </p:nvCxnSpPr>
         <p:spPr>
-          <a:xfrm flipV="1">
-            <a:off x="6170762" y="3567157"/>
-            <a:ext cx="1394053" cy="1320344"/>
+          <a:xfrm rot="5400000">
+            <a:off x="1359091" y="981683"/>
+            <a:ext cx="366215" cy="1"/>
+          </a:xfrm>
+          <a:prstGeom prst="bentConnector3">
+            <a:avLst/>
+          </a:prstGeom>
+          <a:ln>
+            <a:tailEnd type="triangle"/>
+          </a:ln>
+        </p:spPr>
+        <p:style>
+          <a:lnRef idx="1">
+            <a:schemeClr val="accent1"/>
+          </a:lnRef>
+          <a:fillRef idx="0">
+            <a:schemeClr val="accent1"/>
+          </a:fillRef>
+          <a:effectRef idx="0">
+            <a:schemeClr val="accent1"/>
+          </a:effectRef>
+          <a:fontRef idx="minor">
+            <a:schemeClr val="tx1"/>
+          </a:fontRef>
+        </p:style>
+      </p:cxnSp>
+      <p:cxnSp>
+        <p:nvCxnSpPr>
+          <p:cNvPr id="19" name="Connector: Elbow 18"/>
+          <p:cNvCxnSpPr>
+            <a:stCxn id="5" idx="2"/>
+            <a:endCxn id="55" idx="0"/>
+          </p:cNvCxnSpPr>
+          <p:nvPr/>
+        </p:nvCxnSpPr>
+        <p:spPr>
+          <a:xfrm rot="5400000">
+            <a:off x="1304822" y="1682127"/>
+            <a:ext cx="474751" cy="1"/>
+          </a:xfrm>
+          <a:prstGeom prst="bentConnector3">
+            <a:avLst/>
+          </a:prstGeom>
+          <a:ln>
+            <a:tailEnd type="triangle"/>
+          </a:ln>
+        </p:spPr>
+        <p:style>
+          <a:lnRef idx="1">
+            <a:schemeClr val="accent1"/>
+          </a:lnRef>
+          <a:fillRef idx="0">
+            <a:schemeClr val="accent1"/>
+          </a:fillRef>
+          <a:effectRef idx="0">
+            <a:schemeClr val="accent1"/>
+          </a:effectRef>
+          <a:fontRef idx="minor">
+            <a:schemeClr val="tx1"/>
+          </a:fontRef>
+        </p:style>
+      </p:cxnSp>
+      <p:sp>
+        <p:nvSpPr>
+          <p:cNvPr id="35" name="Rectangle 34"/>
+          <p:cNvSpPr/>
+          <p:nvPr/>
+        </p:nvSpPr>
+        <p:spPr>
+          <a:xfrm>
+            <a:off x="6999414" y="4401597"/>
+            <a:ext cx="1341301" cy="279961"/>
+          </a:xfrm>
+          <a:prstGeom prst="rect">
+            <a:avLst/>
+          </a:prstGeom>
+        </p:spPr>
+        <p:style>
+          <a:lnRef idx="2">
+            <a:schemeClr val="accent2">
+              <a:shade val="50000"/>
+            </a:schemeClr>
+          </a:lnRef>
+          <a:fillRef idx="1">
+            <a:schemeClr val="accent2"/>
+          </a:fillRef>
+          <a:effectRef idx="0">
+            <a:schemeClr val="accent2"/>
+          </a:effectRef>
+          <a:fontRef idx="minor">
+            <a:schemeClr val="lt1"/>
+          </a:fontRef>
+        </p:style>
+        <p:txBody>
+          <a:bodyPr rtlCol="0" anchor="ctr"/>
+          <a:lstStyle/>
+          <a:p>
+            <a:pPr algn="ctr"/>
+            <a:r>
+              <a:rPr lang="en-US" altLang="zh-TW" sz="1200" dirty="0" err="1"/>
+              <a:t>update_tag</a:t>
+            </a:r>
+            <a:endParaRPr lang="en-US" altLang="zh-TW" sz="1200" dirty="0"/>
+          </a:p>
+        </p:txBody>
+      </p:sp>
+      <p:sp>
+        <p:nvSpPr>
+          <p:cNvPr id="50" name="Rectangle 49"/>
+          <p:cNvSpPr/>
+          <p:nvPr/>
+        </p:nvSpPr>
+        <p:spPr>
+          <a:xfrm>
+            <a:off x="9376105" y="5189268"/>
+            <a:ext cx="1341301" cy="279961"/>
+          </a:xfrm>
+          <a:prstGeom prst="rect">
+            <a:avLst/>
+          </a:prstGeom>
+        </p:spPr>
+        <p:style>
+          <a:lnRef idx="2">
+            <a:schemeClr val="accent2">
+              <a:shade val="50000"/>
+            </a:schemeClr>
+          </a:lnRef>
+          <a:fillRef idx="1">
+            <a:schemeClr val="accent2"/>
+          </a:fillRef>
+          <a:effectRef idx="0">
+            <a:schemeClr val="accent2"/>
+          </a:effectRef>
+          <a:fontRef idx="minor">
+            <a:schemeClr val="lt1"/>
+          </a:fontRef>
+        </p:style>
+        <p:txBody>
+          <a:bodyPr rtlCol="0" anchor="ctr"/>
+          <a:lstStyle/>
+          <a:p>
+            <a:pPr algn="ctr"/>
+            <a:r>
+              <a:rPr lang="en-US" altLang="zh-TW" sz="1200" dirty="0" err="1"/>
+              <a:t>delete_tag</a:t>
+            </a:r>
+            <a:endParaRPr lang="en-US" altLang="zh-TW" sz="1200" dirty="0"/>
+          </a:p>
+        </p:txBody>
+      </p:sp>
+      <p:sp>
+        <p:nvSpPr>
+          <p:cNvPr id="51" name="Rectangle 50"/>
+          <p:cNvSpPr/>
+          <p:nvPr/>
+        </p:nvSpPr>
+        <p:spPr>
+          <a:xfrm>
+            <a:off x="9102381" y="6249005"/>
+            <a:ext cx="1888748" cy="279961"/>
+          </a:xfrm>
+          <a:prstGeom prst="rect">
+            <a:avLst/>
+          </a:prstGeom>
+        </p:spPr>
+        <p:style>
+          <a:lnRef idx="2">
+            <a:schemeClr val="accent6">
+              <a:shade val="50000"/>
+            </a:schemeClr>
+          </a:lnRef>
+          <a:fillRef idx="1">
+            <a:schemeClr val="accent6"/>
+          </a:fillRef>
+          <a:effectRef idx="0">
+            <a:schemeClr val="accent6"/>
+          </a:effectRef>
+          <a:fontRef idx="minor">
+            <a:schemeClr val="lt1"/>
+          </a:fontRef>
+        </p:style>
+        <p:txBody>
+          <a:bodyPr rtlCol="0" anchor="ctr"/>
+          <a:lstStyle/>
+          <a:p>
+            <a:pPr algn="ctr"/>
+            <a:r>
+              <a:rPr lang="en-US" altLang="zh-TW" sz="1200" dirty="0" err="1"/>
+              <a:t>delete_tag_from_list</a:t>
+            </a:r>
+            <a:endParaRPr lang="en-US" altLang="zh-TW" sz="1200" dirty="0"/>
+          </a:p>
+        </p:txBody>
+      </p:sp>
+      <p:cxnSp>
+        <p:nvCxnSpPr>
+          <p:cNvPr id="56" name="Connector: Elbow 55"/>
+          <p:cNvCxnSpPr>
+            <a:stCxn id="35" idx="2"/>
+            <a:endCxn id="68" idx="0"/>
+          </p:cNvCxnSpPr>
+          <p:nvPr/>
+        </p:nvCxnSpPr>
+        <p:spPr>
+          <a:xfrm rot="5400000">
+            <a:off x="7527762" y="4823859"/>
+            <a:ext cx="284605" cy="2"/>
+          </a:xfrm>
+          <a:prstGeom prst="bentConnector3">
+            <a:avLst>
+              <a:gd name="adj1" fmla="val 50000"/>
+            </a:avLst>
+          </a:prstGeom>
+          <a:ln>
+            <a:tailEnd type="triangle"/>
+          </a:ln>
+        </p:spPr>
+        <p:style>
+          <a:lnRef idx="1">
+            <a:schemeClr val="accent1"/>
+          </a:lnRef>
+          <a:fillRef idx="0">
+            <a:schemeClr val="accent1"/>
+          </a:fillRef>
+          <a:effectRef idx="0">
+            <a:schemeClr val="accent1"/>
+          </a:effectRef>
+          <a:fontRef idx="minor">
+            <a:schemeClr val="tx1"/>
+          </a:fontRef>
+        </p:style>
+      </p:cxnSp>
+      <p:sp>
+        <p:nvSpPr>
+          <p:cNvPr id="59" name="Rectangle 58"/>
+          <p:cNvSpPr/>
+          <p:nvPr/>
+        </p:nvSpPr>
+        <p:spPr>
+          <a:xfrm>
+            <a:off x="10316774" y="5860022"/>
+            <a:ext cx="1685181" cy="263164"/>
+          </a:xfrm>
+          <a:prstGeom prst="rect">
+            <a:avLst/>
+          </a:prstGeom>
+        </p:spPr>
+        <p:style>
+          <a:lnRef idx="2">
+            <a:schemeClr val="accent6">
+              <a:shade val="50000"/>
+            </a:schemeClr>
+          </a:lnRef>
+          <a:fillRef idx="1">
+            <a:schemeClr val="accent6"/>
+          </a:fillRef>
+          <a:effectRef idx="0">
+            <a:schemeClr val="accent6"/>
+          </a:effectRef>
+          <a:fontRef idx="minor">
+            <a:schemeClr val="lt1"/>
+          </a:fontRef>
+        </p:style>
+        <p:txBody>
+          <a:bodyPr rtlCol="0" anchor="ctr"/>
+          <a:lstStyle/>
+          <a:p>
+            <a:pPr algn="ctr"/>
+            <a:r>
+              <a:rPr lang="en-US" altLang="zh-TW" sz="1200" dirty="0" err="1"/>
+              <a:t>unset_tag_in_shell</a:t>
+            </a:r>
+            <a:endParaRPr lang="en-US" altLang="zh-TW" sz="1200" dirty="0"/>
+          </a:p>
+        </p:txBody>
+      </p:sp>
+      <p:cxnSp>
+        <p:nvCxnSpPr>
+          <p:cNvPr id="61" name="Connector: Elbow 60"/>
+          <p:cNvCxnSpPr>
+            <a:stCxn id="50" idx="2"/>
+            <a:endCxn id="59" idx="0"/>
+          </p:cNvCxnSpPr>
+          <p:nvPr/>
+        </p:nvCxnSpPr>
+        <p:spPr>
+          <a:xfrm rot="16200000" flipH="1">
+            <a:off x="10407664" y="5108320"/>
+            <a:ext cx="390793" cy="1112609"/>
+          </a:xfrm>
+          <a:prstGeom prst="bentConnector3">
+            <a:avLst>
+              <a:gd name="adj1" fmla="val 50000"/>
+            </a:avLst>
+          </a:prstGeom>
+          <a:ln>
+            <a:tailEnd type="triangle"/>
+          </a:ln>
+        </p:spPr>
+        <p:style>
+          <a:lnRef idx="1">
+            <a:schemeClr val="accent1"/>
+          </a:lnRef>
+          <a:fillRef idx="0">
+            <a:schemeClr val="accent1"/>
+          </a:fillRef>
+          <a:effectRef idx="0">
+            <a:schemeClr val="accent1"/>
+          </a:effectRef>
+          <a:fontRef idx="minor">
+            <a:schemeClr val="tx1"/>
+          </a:fontRef>
+        </p:style>
+      </p:cxnSp>
+      <p:cxnSp>
+        <p:nvCxnSpPr>
+          <p:cNvPr id="65" name="Connector: Elbow 64"/>
+          <p:cNvCxnSpPr>
+            <a:stCxn id="50" idx="2"/>
+            <a:endCxn id="51" idx="0"/>
+          </p:cNvCxnSpPr>
+          <p:nvPr/>
+        </p:nvCxnSpPr>
+        <p:spPr>
+          <a:xfrm rot="5400000">
+            <a:off x="9656868" y="5859117"/>
+            <a:ext cx="779776" cy="1"/>
+          </a:xfrm>
+          <a:prstGeom prst="bentConnector3">
+            <a:avLst/>
+          </a:prstGeom>
+          <a:ln>
+            <a:tailEnd type="triangle"/>
+          </a:ln>
+        </p:spPr>
+        <p:style>
+          <a:lnRef idx="1">
+            <a:schemeClr val="accent1"/>
+          </a:lnRef>
+          <a:fillRef idx="0">
+            <a:schemeClr val="accent1"/>
+          </a:fillRef>
+          <a:effectRef idx="0">
+            <a:schemeClr val="accent1"/>
+          </a:effectRef>
+          <a:fontRef idx="minor">
+            <a:schemeClr val="tx1"/>
+          </a:fontRef>
+        </p:style>
+      </p:cxnSp>
+      <p:sp>
+        <p:nvSpPr>
+          <p:cNvPr id="7" name="Rectangle 6"/>
+          <p:cNvSpPr/>
+          <p:nvPr/>
+        </p:nvSpPr>
+        <p:spPr>
+          <a:xfrm>
+            <a:off x="663014" y="4136913"/>
+            <a:ext cx="1783262" cy="279961"/>
+          </a:xfrm>
+          <a:prstGeom prst="rect">
+            <a:avLst/>
+          </a:prstGeom>
+        </p:spPr>
+        <p:style>
+          <a:lnRef idx="2">
+            <a:schemeClr val="accent6">
+              <a:shade val="50000"/>
+            </a:schemeClr>
+          </a:lnRef>
+          <a:fillRef idx="1">
+            <a:schemeClr val="accent6"/>
+          </a:fillRef>
+          <a:effectRef idx="0">
+            <a:schemeClr val="accent6"/>
+          </a:effectRef>
+          <a:fontRef idx="minor">
+            <a:schemeClr val="lt1"/>
+          </a:fontRef>
+        </p:style>
+        <p:txBody>
+          <a:bodyPr rtlCol="0" anchor="ctr"/>
+          <a:lstStyle/>
+          <a:p>
+            <a:pPr algn="ctr"/>
+            <a:r>
+              <a:rPr lang="en-US" altLang="zh-TW" sz="1200" dirty="0" err="1"/>
+              <a:t>check_tag_name_format</a:t>
+            </a:r>
+            <a:endParaRPr lang="en-US" altLang="zh-TW" sz="1200" dirty="0"/>
+          </a:p>
+        </p:txBody>
+      </p:sp>
+      <p:sp>
+        <p:nvSpPr>
+          <p:cNvPr id="8" name="Rectangle 7"/>
+          <p:cNvSpPr/>
+          <p:nvPr/>
+        </p:nvSpPr>
+        <p:spPr>
+          <a:xfrm>
+            <a:off x="883995" y="4641820"/>
+            <a:ext cx="1341301" cy="279961"/>
+          </a:xfrm>
+          <a:prstGeom prst="rect">
+            <a:avLst/>
+          </a:prstGeom>
+        </p:spPr>
+        <p:style>
+          <a:lnRef idx="2">
+            <a:schemeClr val="accent6">
+              <a:shade val="50000"/>
+            </a:schemeClr>
+          </a:lnRef>
+          <a:fillRef idx="1">
+            <a:schemeClr val="accent6"/>
+          </a:fillRef>
+          <a:effectRef idx="0">
+            <a:schemeClr val="accent6"/>
+          </a:effectRef>
+          <a:fontRef idx="minor">
+            <a:schemeClr val="lt1"/>
+          </a:fontRef>
+        </p:style>
+        <p:txBody>
+          <a:bodyPr rtlCol="0" anchor="ctr"/>
+          <a:lstStyle/>
+          <a:p>
+            <a:pPr algn="ctr"/>
+            <a:r>
+              <a:rPr lang="en-US" altLang="zh-TW" sz="1200" dirty="0" err="1"/>
+              <a:t>get_tag_path</a:t>
+            </a:r>
+            <a:endParaRPr lang="en-US" altLang="zh-TW" sz="1200" dirty="0"/>
+          </a:p>
+        </p:txBody>
+      </p:sp>
+      <p:sp>
+        <p:nvSpPr>
+          <p:cNvPr id="9" name="Rectangle 8"/>
+          <p:cNvSpPr/>
+          <p:nvPr/>
+        </p:nvSpPr>
+        <p:spPr>
+          <a:xfrm>
+            <a:off x="876261" y="5189268"/>
+            <a:ext cx="1341301" cy="279961"/>
+          </a:xfrm>
+          <a:prstGeom prst="rect">
+            <a:avLst/>
+          </a:prstGeom>
+        </p:spPr>
+        <p:style>
+          <a:lnRef idx="2">
+            <a:schemeClr val="accent6">
+              <a:shade val="50000"/>
+            </a:schemeClr>
+          </a:lnRef>
+          <a:fillRef idx="1">
+            <a:schemeClr val="accent6"/>
+          </a:fillRef>
+          <a:effectRef idx="0">
+            <a:schemeClr val="accent6"/>
+          </a:effectRef>
+          <a:fontRef idx="minor">
+            <a:schemeClr val="lt1"/>
+          </a:fontRef>
+        </p:style>
+        <p:txBody>
+          <a:bodyPr rtlCol="0" anchor="ctr"/>
+          <a:lstStyle/>
+          <a:p>
+            <a:pPr algn="ctr"/>
+            <a:r>
+              <a:rPr lang="en-US" altLang="zh-TW" sz="1200" dirty="0" err="1"/>
+              <a:t>check_tag_conflict</a:t>
+            </a:r>
+            <a:endParaRPr lang="en-US" altLang="zh-TW" sz="1200" dirty="0"/>
+          </a:p>
+        </p:txBody>
+      </p:sp>
+      <p:cxnSp>
+        <p:nvCxnSpPr>
+          <p:cNvPr id="13" name="Connector: Elbow 12"/>
+          <p:cNvCxnSpPr>
+            <a:stCxn id="88" idx="2"/>
+            <a:endCxn id="7" idx="0"/>
+          </p:cNvCxnSpPr>
+          <p:nvPr/>
+        </p:nvCxnSpPr>
+        <p:spPr>
+          <a:xfrm rot="5400000">
+            <a:off x="1434680" y="4014651"/>
+            <a:ext cx="242227" cy="2296"/>
+          </a:xfrm>
+          <a:prstGeom prst="bentConnector3">
+            <a:avLst>
+              <a:gd name="adj1" fmla="val 50000"/>
+            </a:avLst>
+          </a:prstGeom>
+          <a:ln>
+            <a:tailEnd type="triangle"/>
+          </a:ln>
+        </p:spPr>
+        <p:style>
+          <a:lnRef idx="1">
+            <a:schemeClr val="accent1"/>
+          </a:lnRef>
+          <a:fillRef idx="0">
+            <a:schemeClr val="accent1"/>
+          </a:fillRef>
+          <a:effectRef idx="0">
+            <a:schemeClr val="accent1"/>
+          </a:effectRef>
+          <a:fontRef idx="minor">
+            <a:schemeClr val="tx1"/>
+          </a:fontRef>
+        </p:style>
+      </p:cxnSp>
+      <p:cxnSp>
+        <p:nvCxnSpPr>
+          <p:cNvPr id="15" name="Connector: Elbow 14"/>
+          <p:cNvCxnSpPr>
+            <a:stCxn id="7" idx="2"/>
+            <a:endCxn id="8" idx="0"/>
+          </p:cNvCxnSpPr>
+          <p:nvPr/>
+        </p:nvCxnSpPr>
+        <p:spPr>
+          <a:xfrm rot="16200000" flipH="1">
+            <a:off x="1442172" y="4529346"/>
+            <a:ext cx="224946" cy="1"/>
+          </a:xfrm>
+          <a:prstGeom prst="bentConnector3">
+            <a:avLst/>
+          </a:prstGeom>
+          <a:ln>
+            <a:tailEnd type="triangle"/>
+          </a:ln>
+        </p:spPr>
+        <p:style>
+          <a:lnRef idx="1">
+            <a:schemeClr val="accent1"/>
+          </a:lnRef>
+          <a:fillRef idx="0">
+            <a:schemeClr val="accent1"/>
+          </a:fillRef>
+          <a:effectRef idx="0">
+            <a:schemeClr val="accent1"/>
+          </a:effectRef>
+          <a:fontRef idx="minor">
+            <a:schemeClr val="tx1"/>
+          </a:fontRef>
+        </p:style>
+      </p:cxnSp>
+      <p:cxnSp>
+        <p:nvCxnSpPr>
+          <p:cNvPr id="17" name="Connector: Elbow 16"/>
+          <p:cNvCxnSpPr>
+            <a:stCxn id="8" idx="2"/>
+            <a:endCxn id="9" idx="0"/>
+          </p:cNvCxnSpPr>
+          <p:nvPr/>
+        </p:nvCxnSpPr>
+        <p:spPr>
+          <a:xfrm rot="5400000">
+            <a:off x="1417036" y="5051657"/>
+            <a:ext cx="267487" cy="7734"/>
+          </a:xfrm>
+          <a:prstGeom prst="bentConnector3">
+            <a:avLst/>
+          </a:prstGeom>
+          <a:ln>
+            <a:tailEnd type="triangle"/>
+          </a:ln>
+        </p:spPr>
+        <p:style>
+          <a:lnRef idx="1">
+            <a:schemeClr val="accent1"/>
+          </a:lnRef>
+          <a:fillRef idx="0">
+            <a:schemeClr val="accent1"/>
+          </a:fillRef>
+          <a:effectRef idx="0">
+            <a:schemeClr val="accent1"/>
+          </a:effectRef>
+          <a:fontRef idx="minor">
+            <a:schemeClr val="tx1"/>
+          </a:fontRef>
+        </p:style>
+      </p:cxnSp>
+      <p:sp>
+        <p:nvSpPr>
+          <p:cNvPr id="88" name="Rectangle 87"/>
+          <p:cNvSpPr/>
+          <p:nvPr/>
+        </p:nvSpPr>
+        <p:spPr>
+          <a:xfrm>
+            <a:off x="886290" y="3614725"/>
+            <a:ext cx="1341301" cy="279961"/>
+          </a:xfrm>
+          <a:prstGeom prst="rect">
+            <a:avLst/>
+          </a:prstGeom>
+        </p:spPr>
+        <p:style>
+          <a:lnRef idx="2">
+            <a:schemeClr val="accent2">
+              <a:shade val="50000"/>
+            </a:schemeClr>
+          </a:lnRef>
+          <a:fillRef idx="1">
+            <a:schemeClr val="accent2"/>
+          </a:fillRef>
+          <a:effectRef idx="0">
+            <a:schemeClr val="accent2"/>
+          </a:effectRef>
+          <a:fontRef idx="minor">
+            <a:schemeClr val="lt1"/>
+          </a:fontRef>
+        </p:style>
+        <p:txBody>
+          <a:bodyPr rtlCol="0" anchor="ctr"/>
+          <a:lstStyle/>
+          <a:p>
+            <a:pPr algn="ctr"/>
+            <a:r>
+              <a:rPr lang="en-US" altLang="zh-TW" sz="1200" dirty="0" err="1"/>
+              <a:t>check_tag_name</a:t>
+            </a:r>
+            <a:endParaRPr lang="en-US" altLang="zh-TW" sz="1200" dirty="0"/>
+          </a:p>
+        </p:txBody>
+      </p:sp>
+      <p:cxnSp>
+        <p:nvCxnSpPr>
+          <p:cNvPr id="111" name="Straight Arrow Connector 110"/>
+          <p:cNvCxnSpPr>
+            <a:stCxn id="5" idx="3"/>
+            <a:endCxn id="88" idx="0"/>
+          </p:cNvCxnSpPr>
+          <p:nvPr/>
+        </p:nvCxnSpPr>
+        <p:spPr>
+          <a:xfrm flipH="1">
+            <a:off x="1556941" y="1304772"/>
+            <a:ext cx="655906" cy="2309953"/>
           </a:xfrm>
           <a:prstGeom prst="straightConnector1">
             <a:avLst/>
@@ -3013,14 +3747,58 @@
       </p:cxnSp>
       <p:sp>
         <p:nvSpPr>
-          <p:cNvPr id="4" name="Rectangle 3"/>
+          <p:cNvPr id="116" name="Rectangle 115"/>
           <p:cNvSpPr/>
           <p:nvPr/>
         </p:nvSpPr>
         <p:spPr>
           <a:xfrm>
-            <a:off x="1228299" y="518615"/>
-            <a:ext cx="627797" cy="279961"/>
+            <a:off x="3754625" y="6325783"/>
+            <a:ext cx="1341301" cy="279961"/>
+          </a:xfrm>
+          <a:prstGeom prst="rect">
+            <a:avLst/>
+          </a:prstGeom>
+        </p:spPr>
+        <p:style>
+          <a:lnRef idx="2">
+            <a:schemeClr val="accent6">
+              <a:shade val="50000"/>
+            </a:schemeClr>
+          </a:lnRef>
+          <a:fillRef idx="1">
+            <a:schemeClr val="accent6"/>
+          </a:fillRef>
+          <a:effectRef idx="0">
+            <a:schemeClr val="accent6"/>
+          </a:effectRef>
+          <a:fontRef idx="minor">
+            <a:schemeClr val="lt1"/>
+          </a:fontRef>
+        </p:style>
+        <p:txBody>
+          <a:bodyPr rtlCol="0" anchor="ctr"/>
+          <a:lstStyle/>
+          <a:p>
+            <a:pPr algn="ctr"/>
+            <a:r>
+              <a:rPr lang="en-US" altLang="zh-TW" sz="1200" dirty="0" err="1"/>
+              <a:t>set_tag_in_shell</a:t>
+            </a:r>
+            <a:endParaRPr lang="en-US" altLang="zh-TW" sz="1200" dirty="0"/>
+          </a:p>
+        </p:txBody>
+      </p:sp>
+      <p:sp>
+        <p:nvSpPr>
+          <p:cNvPr id="117" name="Rectangle 116"/>
+          <p:cNvSpPr/>
+          <p:nvPr/>
+        </p:nvSpPr>
+        <p:spPr>
+          <a:xfrm>
+            <a:off x="3754626" y="5684279"/>
+            <a:ext cx="1341301" cy="279961"/>
           </a:xfrm>
           <a:prstGeom prst="rect">
             <a:avLst/>
@@ -3048,23 +3826,59 @@
           <a:p>
             <a:pPr algn="ctr"/>
             <a:r>
-              <a:rPr lang="en-US" altLang="zh-TW" sz="1200" dirty="0"/>
-              <a:t>main</a:t>
-            </a:r>
-            <a:endParaRPr lang="zh-TW" altLang="en-US" sz="1200" dirty="0"/>
-          </a:p>
-        </p:txBody>
-      </p:sp>
-      <p:sp>
-        <p:nvSpPr>
-          <p:cNvPr id="5" name="Rectangle 4"/>
+              <a:rPr lang="en-US" altLang="zh-TW" sz="1200" dirty="0" err="1"/>
+              <a:t>add_new_tag</a:t>
+            </a:r>
+            <a:endParaRPr lang="en-US" altLang="zh-TW" sz="1200" dirty="0"/>
+          </a:p>
+        </p:txBody>
+      </p:sp>
+      <p:cxnSp>
+        <p:nvCxnSpPr>
+          <p:cNvPr id="120" name="Connector: Elbow 119"/>
+          <p:cNvCxnSpPr>
+            <a:stCxn id="117" idx="2"/>
+            <a:endCxn id="116" idx="0"/>
+          </p:cNvCxnSpPr>
+          <p:nvPr/>
+        </p:nvCxnSpPr>
+        <p:spPr>
+          <a:xfrm rot="5400000">
+            <a:off x="4244506" y="6145011"/>
+            <a:ext cx="361543" cy="1"/>
+          </a:xfrm>
+          <a:prstGeom prst="bentConnector3">
+            <a:avLst/>
+          </a:prstGeom>
+          <a:ln>
+            <a:tailEnd type="triangle"/>
+          </a:ln>
+        </p:spPr>
+        <p:style>
+          <a:lnRef idx="1">
+            <a:schemeClr val="accent1"/>
+          </a:lnRef>
+          <a:fillRef idx="0">
+            <a:schemeClr val="accent1"/>
+          </a:fillRef>
+          <a:effectRef idx="0">
+            <a:schemeClr val="accent1"/>
+          </a:effectRef>
+          <a:fontRef idx="minor">
+            <a:schemeClr val="tx1"/>
+          </a:fontRef>
+        </p:style>
+      </p:cxnSp>
+      <p:sp>
+        <p:nvSpPr>
+          <p:cNvPr id="121" name="Rectangle 120"/>
           <p:cNvSpPr/>
           <p:nvPr/>
         </p:nvSpPr>
         <p:spPr>
           <a:xfrm>
-            <a:off x="871546" y="1164791"/>
-            <a:ext cx="1341301" cy="279961"/>
+            <a:off x="2729012" y="1164791"/>
+            <a:ext cx="1242683" cy="279961"/>
           </a:xfrm>
           <a:prstGeom prst="rect">
             <a:avLst/>
@@ -3093,182 +3907,22 @@
             <a:pPr algn="ctr"/>
             <a:r>
               <a:rPr lang="en-US" altLang="zh-TW" sz="1200" dirty="0" err="1"/>
-              <a:t>check_tag_name</a:t>
+              <a:t>show_list</a:t>
             </a:r>
             <a:endParaRPr lang="en-US" altLang="zh-TW" sz="1200" dirty="0"/>
           </a:p>
         </p:txBody>
       </p:sp>
-      <p:cxnSp>
-        <p:nvCxnSpPr>
-          <p:cNvPr id="11" name="Connector: Elbow 10"/>
-          <p:cNvCxnSpPr>
-            <a:stCxn id="4" idx="2"/>
-            <a:endCxn id="5" idx="0"/>
-          </p:cNvCxnSpPr>
-          <p:nvPr/>
-        </p:nvCxnSpPr>
-        <p:spPr>
-          <a:xfrm rot="5400000">
-            <a:off x="1359091" y="981683"/>
-            <a:ext cx="366215" cy="1"/>
-          </a:xfrm>
-          <a:prstGeom prst="bentConnector3">
-            <a:avLst/>
-          </a:prstGeom>
-          <a:ln>
-            <a:tailEnd type="triangle"/>
-          </a:ln>
-        </p:spPr>
-        <p:style>
-          <a:lnRef idx="1">
-            <a:schemeClr val="accent1"/>
-          </a:lnRef>
-          <a:fillRef idx="0">
-            <a:schemeClr val="accent1"/>
-          </a:fillRef>
-          <a:effectRef idx="0">
-            <a:schemeClr val="accent1"/>
-          </a:effectRef>
-          <a:fontRef idx="minor">
-            <a:schemeClr val="tx1"/>
-          </a:fontRef>
-        </p:style>
-      </p:cxnSp>
-      <p:cxnSp>
-        <p:nvCxnSpPr>
-          <p:cNvPr id="19" name="Connector: Elbow 18"/>
-          <p:cNvCxnSpPr>
-            <a:stCxn id="5" idx="2"/>
-            <a:endCxn id="55" idx="0"/>
-          </p:cNvCxnSpPr>
-          <p:nvPr/>
-        </p:nvCxnSpPr>
-        <p:spPr>
-          <a:xfrm rot="5400000">
-            <a:off x="1304822" y="1682127"/>
-            <a:ext cx="474751" cy="1"/>
-          </a:xfrm>
-          <a:prstGeom prst="bentConnector3">
-            <a:avLst/>
-          </a:prstGeom>
-          <a:ln>
-            <a:tailEnd type="triangle"/>
-          </a:ln>
-        </p:spPr>
-        <p:style>
-          <a:lnRef idx="1">
-            <a:schemeClr val="accent1"/>
-          </a:lnRef>
-          <a:fillRef idx="0">
-            <a:schemeClr val="accent1"/>
-          </a:fillRef>
-          <a:effectRef idx="0">
-            <a:schemeClr val="accent1"/>
-          </a:effectRef>
-          <a:fontRef idx="minor">
-            <a:schemeClr val="tx1"/>
-          </a:fontRef>
-        </p:style>
-      </p:cxnSp>
-      <p:sp>
-        <p:nvSpPr>
-          <p:cNvPr id="35" name="Rectangle 34"/>
+      <p:sp>
+        <p:nvSpPr>
+          <p:cNvPr id="122" name="Rectangle 121"/>
           <p:cNvSpPr/>
           <p:nvPr/>
         </p:nvSpPr>
         <p:spPr>
           <a:xfrm>
-            <a:off x="6894164" y="3567157"/>
+            <a:off x="10513466" y="9335396"/>
             <a:ext cx="1341301" cy="279961"/>
-          </a:xfrm>
-          <a:prstGeom prst="rect">
-            <a:avLst/>
-          </a:prstGeom>
-        </p:spPr>
-        <p:style>
-          <a:lnRef idx="2">
-            <a:schemeClr val="accent2">
-              <a:shade val="50000"/>
-            </a:schemeClr>
-          </a:lnRef>
-          <a:fillRef idx="1">
-            <a:schemeClr val="accent2"/>
-          </a:fillRef>
-          <a:effectRef idx="0">
-            <a:schemeClr val="accent2"/>
-          </a:effectRef>
-          <a:fontRef idx="minor">
-            <a:schemeClr val="lt1"/>
-          </a:fontRef>
-        </p:style>
-        <p:txBody>
-          <a:bodyPr rtlCol="0" anchor="ctr"/>
-          <a:lstStyle/>
-          <a:p>
-            <a:pPr algn="ctr"/>
-            <a:r>
-              <a:rPr lang="en-US" altLang="zh-TW" sz="1200" dirty="0" err="1"/>
-              <a:t>update_tag</a:t>
-            </a:r>
-            <a:endParaRPr lang="en-US" altLang="zh-TW" sz="1200" dirty="0"/>
-          </a:p>
-        </p:txBody>
-      </p:sp>
-      <p:sp>
-        <p:nvSpPr>
-          <p:cNvPr id="50" name="Rectangle 49"/>
-          <p:cNvSpPr/>
-          <p:nvPr/>
-        </p:nvSpPr>
-        <p:spPr>
-          <a:xfrm>
-            <a:off x="9376105" y="5189268"/>
-            <a:ext cx="1341301" cy="279961"/>
-          </a:xfrm>
-          <a:prstGeom prst="rect">
-            <a:avLst/>
-          </a:prstGeom>
-        </p:spPr>
-        <p:style>
-          <a:lnRef idx="2">
-            <a:schemeClr val="accent4">
-              <a:shade val="50000"/>
-            </a:schemeClr>
-          </a:lnRef>
-          <a:fillRef idx="1">
-            <a:schemeClr val="accent4"/>
-          </a:fillRef>
-          <a:effectRef idx="0">
-            <a:schemeClr val="accent4"/>
-          </a:effectRef>
-          <a:fontRef idx="minor">
-            <a:schemeClr val="lt1"/>
-          </a:fontRef>
-        </p:style>
-        <p:txBody>
-          <a:bodyPr rtlCol="0" anchor="ctr"/>
-          <a:lstStyle/>
-          <a:p>
-            <a:pPr algn="ctr"/>
-            <a:r>
-              <a:rPr lang="en-US" altLang="zh-TW" sz="1200" dirty="0" err="1"/>
-              <a:t>delete_tag</a:t>
-            </a:r>
-            <a:endParaRPr lang="en-US" altLang="zh-TW" sz="1200" dirty="0"/>
-          </a:p>
-        </p:txBody>
-      </p:sp>
-      <p:sp>
-        <p:nvSpPr>
-          <p:cNvPr id="51" name="Rectangle 50"/>
-          <p:cNvSpPr/>
-          <p:nvPr/>
-        </p:nvSpPr>
-        <p:spPr>
-          <a:xfrm>
-            <a:off x="9102381" y="6249005"/>
-            <a:ext cx="1888748" cy="279961"/>
           </a:xfrm>
           <a:prstGeom prst="rect">
             <a:avLst/>
@@ -3297,7 +3951,139 @@
             <a:pPr algn="ctr"/>
             <a:r>
               <a:rPr lang="en-US" altLang="zh-TW" sz="1200" dirty="0" err="1"/>
-              <a:t>delete_tag_from_list</a:t>
+              <a:t>set_tag_in_shell</a:t>
+            </a:r>
+            <a:endParaRPr lang="en-US" altLang="zh-TW" sz="1200" dirty="0"/>
+          </a:p>
+        </p:txBody>
+      </p:sp>
+      <p:sp>
+        <p:nvSpPr>
+          <p:cNvPr id="126" name="Rectangle 125"/>
+          <p:cNvSpPr/>
+          <p:nvPr/>
+        </p:nvSpPr>
+        <p:spPr>
+          <a:xfrm>
+            <a:off x="10472338" y="9866596"/>
+            <a:ext cx="1341301" cy="279961"/>
+          </a:xfrm>
+          <a:prstGeom prst="rect">
+            <a:avLst/>
+          </a:prstGeom>
+        </p:spPr>
+        <p:style>
+          <a:lnRef idx="2">
+            <a:schemeClr val="accent6">
+              <a:shade val="50000"/>
+            </a:schemeClr>
+          </a:lnRef>
+          <a:fillRef idx="1">
+            <a:schemeClr val="accent6"/>
+          </a:fillRef>
+          <a:effectRef idx="0">
+            <a:schemeClr val="accent6"/>
+          </a:effectRef>
+          <a:fontRef idx="minor">
+            <a:schemeClr val="lt1"/>
+          </a:fontRef>
+        </p:style>
+        <p:txBody>
+          <a:bodyPr rtlCol="0" anchor="ctr"/>
+          <a:lstStyle/>
+          <a:p>
+            <a:pPr algn="ctr"/>
+            <a:r>
+              <a:rPr lang="en-US" altLang="zh-TW" sz="1200" dirty="0" err="1"/>
+              <a:t>show_info</a:t>
+            </a:r>
+            <a:endParaRPr lang="en-US" altLang="zh-TW" sz="1200" dirty="0"/>
+          </a:p>
+        </p:txBody>
+      </p:sp>
+      <p:sp>
+        <p:nvSpPr>
+          <p:cNvPr id="127" name="Rectangle 126"/>
+          <p:cNvSpPr/>
+          <p:nvPr/>
+        </p:nvSpPr>
+        <p:spPr>
+          <a:xfrm>
+            <a:off x="12082295" y="8760816"/>
+            <a:ext cx="1341301" cy="279961"/>
+          </a:xfrm>
+          <a:prstGeom prst="rect">
+            <a:avLst/>
+          </a:prstGeom>
+        </p:spPr>
+        <p:style>
+          <a:lnRef idx="2">
+            <a:schemeClr val="accent6">
+              <a:shade val="50000"/>
+            </a:schemeClr>
+          </a:lnRef>
+          <a:fillRef idx="1">
+            <a:schemeClr val="accent6"/>
+          </a:fillRef>
+          <a:effectRef idx="0">
+            <a:schemeClr val="accent6"/>
+          </a:effectRef>
+          <a:fontRef idx="minor">
+            <a:schemeClr val="lt1"/>
+          </a:fontRef>
+        </p:style>
+        <p:txBody>
+          <a:bodyPr rtlCol="0" anchor="ctr"/>
+          <a:lstStyle/>
+          <a:p>
+            <a:pPr algn="ctr"/>
+            <a:r>
+              <a:rPr lang="en-US" altLang="zh-TW" sz="1200" dirty="0" err="1"/>
+              <a:t>check_tag_conflict</a:t>
+            </a:r>
+            <a:endParaRPr lang="en-US" altLang="zh-TW" sz="1200" dirty="0"/>
+          </a:p>
+        </p:txBody>
+      </p:sp>
+      <p:sp>
+        <p:nvSpPr>
+          <p:cNvPr id="128" name="Rectangle 127"/>
+          <p:cNvSpPr/>
+          <p:nvPr/>
+        </p:nvSpPr>
+        <p:spPr>
+          <a:xfrm>
+            <a:off x="12082294" y="9198751"/>
+            <a:ext cx="1341301" cy="279961"/>
+          </a:xfrm>
+          <a:prstGeom prst="rect">
+            <a:avLst/>
+          </a:prstGeom>
+        </p:spPr>
+        <p:style>
+          <a:lnRef idx="2">
+            <a:schemeClr val="accent6">
+              <a:shade val="50000"/>
+            </a:schemeClr>
+          </a:lnRef>
+          <a:fillRef idx="1">
+            <a:schemeClr val="accent6"/>
+          </a:fillRef>
+          <a:effectRef idx="0">
+            <a:schemeClr val="accent6"/>
+          </a:effectRef>
+          <a:fontRef idx="minor">
+            <a:schemeClr val="lt1"/>
+          </a:fontRef>
+        </p:style>
+        <p:txBody>
+          <a:bodyPr rtlCol="0" anchor="ctr"/>
+          <a:lstStyle/>
+          <a:p>
+            <a:pPr algn="ctr"/>
+            <a:r>
+              <a:rPr lang="en-US" altLang="zh-TW" sz="1200" dirty="0" err="1"/>
+              <a:t>set_tag_in_shell</a:t>
             </a:r>
             <a:endParaRPr lang="en-US" altLang="zh-TW" sz="1200" dirty="0"/>
           </a:p>
@@ -3305,17 +4091,17 @@
       </p:sp>
       <p:cxnSp>
         <p:nvCxnSpPr>
-          <p:cNvPr id="56" name="Connector: Elbow 55"/>
+          <p:cNvPr id="130" name="Connector: Elbow 129"/>
           <p:cNvCxnSpPr>
-            <a:stCxn id="35" idx="2"/>
-            <a:endCxn id="107" idx="0"/>
+            <a:stCxn id="46" idx="2"/>
+            <a:endCxn id="127" idx="0"/>
           </p:cNvCxnSpPr>
           <p:nvPr/>
         </p:nvCxnSpPr>
         <p:spPr>
-          <a:xfrm rot="5400000">
-            <a:off x="7349928" y="4062005"/>
-            <a:ext cx="429775" cy="1"/>
+          <a:xfrm rot="16200000" flipH="1">
+            <a:off x="11756967" y="7764837"/>
+            <a:ext cx="418062" cy="1573895"/>
           </a:xfrm>
           <a:prstGeom prst="bentConnector3">
             <a:avLst>
@@ -3341,68 +4127,22 @@
           </a:fontRef>
         </p:style>
       </p:cxnSp>
-      <p:sp>
-        <p:nvSpPr>
-          <p:cNvPr id="59" name="Rectangle 58"/>
-          <p:cNvSpPr/>
-          <p:nvPr/>
-        </p:nvSpPr>
-        <p:spPr>
-          <a:xfrm>
-            <a:off x="10316774" y="5860022"/>
-            <a:ext cx="1685181" cy="263164"/>
-          </a:xfrm>
-          <a:prstGeom prst="rect">
-            <a:avLst/>
-          </a:prstGeom>
-        </p:spPr>
-        <p:style>
-          <a:lnRef idx="2">
-            <a:schemeClr val="accent6">
-              <a:shade val="50000"/>
-            </a:schemeClr>
-          </a:lnRef>
-          <a:fillRef idx="1">
-            <a:schemeClr val="accent6"/>
-          </a:fillRef>
-          <a:effectRef idx="0">
-            <a:schemeClr val="accent6"/>
-          </a:effectRef>
-          <a:fontRef idx="minor">
-            <a:schemeClr val="lt1"/>
-          </a:fontRef>
-        </p:style>
-        <p:txBody>
-          <a:bodyPr rtlCol="0" anchor="ctr"/>
-          <a:lstStyle/>
-          <a:p>
-            <a:pPr algn="ctr"/>
-            <a:r>
-              <a:rPr lang="en-US" altLang="zh-TW" sz="1200" dirty="0" err="1"/>
-              <a:t>unset_tag_in_shell</a:t>
-            </a:r>
-            <a:endParaRPr lang="en-US" altLang="zh-TW" sz="1200" dirty="0"/>
-          </a:p>
-        </p:txBody>
-      </p:sp>
       <p:cxnSp>
         <p:nvCxnSpPr>
-          <p:cNvPr id="61" name="Connector: Elbow 60"/>
+          <p:cNvPr id="132" name="Connector: Elbow 131"/>
           <p:cNvCxnSpPr>
-            <a:stCxn id="50" idx="2"/>
-            <a:endCxn id="59" idx="0"/>
+            <a:stCxn id="127" idx="2"/>
+            <a:endCxn id="128" idx="0"/>
           </p:cNvCxnSpPr>
           <p:nvPr/>
         </p:nvCxnSpPr>
         <p:spPr>
-          <a:xfrm rot="16200000" flipH="1">
-            <a:off x="10407664" y="5108320"/>
-            <a:ext cx="390793" cy="1112609"/>
+          <a:xfrm rot="5400000">
+            <a:off x="12673959" y="9119764"/>
+            <a:ext cx="157974" cy="1"/>
           </a:xfrm>
           <a:prstGeom prst="bentConnector3">
-            <a:avLst>
-              <a:gd name="adj1" fmla="val 50000"/>
-            </a:avLst>
+            <a:avLst/>
           </a:prstGeom>
           <a:ln>
             <a:tailEnd type="triangle"/>
@@ -3425,17 +4165,17 @@
       </p:cxnSp>
       <p:cxnSp>
         <p:nvCxnSpPr>
-          <p:cNvPr id="65" name="Connector: Elbow 64"/>
+          <p:cNvPr id="134" name="Connector: Elbow 133"/>
           <p:cNvCxnSpPr>
-            <a:stCxn id="50" idx="2"/>
-            <a:endCxn id="51" idx="0"/>
+            <a:stCxn id="122" idx="2"/>
+            <a:endCxn id="126" idx="0"/>
           </p:cNvCxnSpPr>
           <p:nvPr/>
         </p:nvCxnSpPr>
         <p:spPr>
           <a:xfrm rot="5400000">
-            <a:off x="9656868" y="5859117"/>
-            <a:ext cx="779776" cy="1"/>
+            <a:off x="11037934" y="9720412"/>
+            <a:ext cx="251239" cy="41128"/>
           </a:xfrm>
           <a:prstGeom prst="bentConnector3">
             <a:avLst/>
@@ -3459,155 +4199,23 @@
           </a:fontRef>
         </p:style>
       </p:cxnSp>
-      <p:sp>
-        <p:nvSpPr>
-          <p:cNvPr id="7" name="Rectangle 6"/>
-          <p:cNvSpPr/>
-          <p:nvPr/>
-        </p:nvSpPr>
-        <p:spPr>
-          <a:xfrm>
-            <a:off x="663014" y="4136913"/>
-            <a:ext cx="1783262" cy="279961"/>
-          </a:xfrm>
-          <a:prstGeom prst="rect">
-            <a:avLst/>
-          </a:prstGeom>
-        </p:spPr>
-        <p:style>
-          <a:lnRef idx="2">
-            <a:schemeClr val="accent6">
-              <a:shade val="50000"/>
-            </a:schemeClr>
-          </a:lnRef>
-          <a:fillRef idx="1">
-            <a:schemeClr val="accent6"/>
-          </a:fillRef>
-          <a:effectRef idx="0">
-            <a:schemeClr val="accent6"/>
-          </a:effectRef>
-          <a:fontRef idx="minor">
-            <a:schemeClr val="lt1"/>
-          </a:fontRef>
-        </p:style>
-        <p:txBody>
-          <a:bodyPr rtlCol="0" anchor="ctr"/>
-          <a:lstStyle/>
-          <a:p>
-            <a:pPr algn="ctr"/>
-            <a:r>
-              <a:rPr lang="en-US" altLang="zh-TW" sz="1200" dirty="0" err="1"/>
-              <a:t>check_tag_name_format</a:t>
-            </a:r>
-            <a:endParaRPr lang="en-US" altLang="zh-TW" sz="1200" dirty="0"/>
-          </a:p>
-        </p:txBody>
-      </p:sp>
-      <p:sp>
-        <p:nvSpPr>
-          <p:cNvPr id="8" name="Rectangle 7"/>
-          <p:cNvSpPr/>
-          <p:nvPr/>
-        </p:nvSpPr>
-        <p:spPr>
-          <a:xfrm>
-            <a:off x="883995" y="4641820"/>
-            <a:ext cx="1341301" cy="279961"/>
-          </a:xfrm>
-          <a:prstGeom prst="rect">
-            <a:avLst/>
-          </a:prstGeom>
-        </p:spPr>
-        <p:style>
-          <a:lnRef idx="2">
-            <a:schemeClr val="accent6">
-              <a:shade val="50000"/>
-            </a:schemeClr>
-          </a:lnRef>
-          <a:fillRef idx="1">
-            <a:schemeClr val="accent6"/>
-          </a:fillRef>
-          <a:effectRef idx="0">
-            <a:schemeClr val="accent6"/>
-          </a:effectRef>
-          <a:fontRef idx="minor">
-            <a:schemeClr val="lt1"/>
-          </a:fontRef>
-        </p:style>
-        <p:txBody>
-          <a:bodyPr rtlCol="0" anchor="ctr"/>
-          <a:lstStyle/>
-          <a:p>
-            <a:pPr algn="ctr"/>
-            <a:r>
-              <a:rPr lang="en-US" altLang="zh-TW" sz="1200" dirty="0" err="1"/>
-              <a:t>get_tag_path</a:t>
-            </a:r>
-            <a:endParaRPr lang="en-US" altLang="zh-TW" sz="1200" dirty="0"/>
-          </a:p>
-        </p:txBody>
-      </p:sp>
-      <p:sp>
-        <p:nvSpPr>
-          <p:cNvPr id="9" name="Rectangle 8"/>
-          <p:cNvSpPr/>
-          <p:nvPr/>
-        </p:nvSpPr>
-        <p:spPr>
-          <a:xfrm>
-            <a:off x="876261" y="5189268"/>
-            <a:ext cx="1341301" cy="279961"/>
-          </a:xfrm>
-          <a:prstGeom prst="rect">
-            <a:avLst/>
-          </a:prstGeom>
-        </p:spPr>
-        <p:style>
-          <a:lnRef idx="2">
-            <a:schemeClr val="accent6">
-              <a:shade val="50000"/>
-            </a:schemeClr>
-          </a:lnRef>
-          <a:fillRef idx="1">
-            <a:schemeClr val="accent6"/>
-          </a:fillRef>
-          <a:effectRef idx="0">
-            <a:schemeClr val="accent6"/>
-          </a:effectRef>
-          <a:fontRef idx="minor">
-            <a:schemeClr val="lt1"/>
-          </a:fontRef>
-        </p:style>
-        <p:txBody>
-          <a:bodyPr rtlCol="0" anchor="ctr"/>
-          <a:lstStyle/>
-          <a:p>
-            <a:pPr algn="ctr"/>
-            <a:r>
-              <a:rPr lang="en-US" altLang="zh-TW" sz="1200" dirty="0" err="1"/>
-              <a:t>check_tag_conflict</a:t>
-            </a:r>
-            <a:endParaRPr lang="en-US" altLang="zh-TW" sz="1200" dirty="0"/>
-          </a:p>
-        </p:txBody>
-      </p:sp>
       <p:cxnSp>
         <p:nvCxnSpPr>
-          <p:cNvPr id="13" name="Connector: Elbow 12"/>
+          <p:cNvPr id="136" name="Connector: Elbow 135"/>
           <p:cNvCxnSpPr>
-            <a:stCxn id="88" idx="2"/>
-            <a:endCxn id="7" idx="0"/>
+            <a:stCxn id="4" idx="2"/>
+            <a:endCxn id="121" idx="0"/>
           </p:cNvCxnSpPr>
           <p:nvPr/>
         </p:nvCxnSpPr>
         <p:spPr>
-          <a:xfrm rot="5400000">
-            <a:off x="1434680" y="4014651"/>
-            <a:ext cx="242227" cy="2296"/>
+          <a:xfrm rot="16200000" flipH="1">
+            <a:off x="2263169" y="77605"/>
+            <a:ext cx="366215" cy="1808156"/>
           </a:xfrm>
           <a:prstGeom prst="bentConnector3">
             <a:avLst>
-              <a:gd name="adj1" fmla="val 50000"/>
+              <a:gd name="adj1" fmla="val 35650"/>
             </a:avLst>
           </a:prstGeom>
           <a:ln>
@@ -3631,133 +4239,17 @@
       </p:cxnSp>
       <p:cxnSp>
         <p:nvCxnSpPr>
-          <p:cNvPr id="15" name="Connector: Elbow 14"/>
+          <p:cNvPr id="42" name="Straight Arrow Connector 41"/>
           <p:cNvCxnSpPr>
-            <a:stCxn id="7" idx="2"/>
-            <a:endCxn id="8" idx="0"/>
+            <a:stCxn id="52" idx="3"/>
+            <a:endCxn id="117" idx="0"/>
           </p:cNvCxnSpPr>
           <p:nvPr/>
         </p:nvCxnSpPr>
         <p:spPr>
-          <a:xfrm rot="16200000" flipH="1">
-            <a:off x="1442172" y="4529346"/>
-            <a:ext cx="224946" cy="1"/>
-          </a:xfrm>
-          <a:prstGeom prst="bentConnector3">
-            <a:avLst/>
-          </a:prstGeom>
-          <a:ln>
-            <a:tailEnd type="triangle"/>
-          </a:ln>
-        </p:spPr>
-        <p:style>
-          <a:lnRef idx="1">
-            <a:schemeClr val="accent1"/>
-          </a:lnRef>
-          <a:fillRef idx="0">
-            <a:schemeClr val="accent1"/>
-          </a:fillRef>
-          <a:effectRef idx="0">
-            <a:schemeClr val="accent1"/>
-          </a:effectRef>
-          <a:fontRef idx="minor">
-            <a:schemeClr val="tx1"/>
-          </a:fontRef>
-        </p:style>
-      </p:cxnSp>
-      <p:cxnSp>
-        <p:nvCxnSpPr>
-          <p:cNvPr id="17" name="Connector: Elbow 16"/>
-          <p:cNvCxnSpPr>
-            <a:stCxn id="8" idx="2"/>
-            <a:endCxn id="9" idx="0"/>
-          </p:cNvCxnSpPr>
-          <p:nvPr/>
-        </p:nvCxnSpPr>
-        <p:spPr>
-          <a:xfrm rot="5400000">
-            <a:off x="1417036" y="5051657"/>
-            <a:ext cx="267487" cy="7734"/>
-          </a:xfrm>
-          <a:prstGeom prst="bentConnector3">
-            <a:avLst/>
-          </a:prstGeom>
-          <a:ln>
-            <a:tailEnd type="triangle"/>
-          </a:ln>
-        </p:spPr>
-        <p:style>
-          <a:lnRef idx="1">
-            <a:schemeClr val="accent1"/>
-          </a:lnRef>
-          <a:fillRef idx="0">
-            <a:schemeClr val="accent1"/>
-          </a:fillRef>
-          <a:effectRef idx="0">
-            <a:schemeClr val="accent1"/>
-          </a:effectRef>
-          <a:fontRef idx="minor">
-            <a:schemeClr val="tx1"/>
-          </a:fontRef>
-        </p:style>
-      </p:cxnSp>
-      <p:sp>
-        <p:nvSpPr>
-          <p:cNvPr id="88" name="Rectangle 87"/>
-          <p:cNvSpPr/>
-          <p:nvPr/>
-        </p:nvSpPr>
-        <p:spPr>
-          <a:xfrm>
-            <a:off x="886290" y="3614725"/>
-            <a:ext cx="1341301" cy="279961"/>
-          </a:xfrm>
-          <a:prstGeom prst="rect">
-            <a:avLst/>
-          </a:prstGeom>
-        </p:spPr>
-        <p:style>
-          <a:lnRef idx="2">
-            <a:schemeClr val="accent2">
-              <a:shade val="50000"/>
-            </a:schemeClr>
-          </a:lnRef>
-          <a:fillRef idx="1">
-            <a:schemeClr val="accent2"/>
-          </a:fillRef>
-          <a:effectRef idx="0">
-            <a:schemeClr val="accent2"/>
-          </a:effectRef>
-          <a:fontRef idx="minor">
-            <a:schemeClr val="lt1"/>
-          </a:fontRef>
-        </p:style>
-        <p:txBody>
-          <a:bodyPr rtlCol="0" anchor="ctr"/>
-          <a:lstStyle/>
-          <a:p>
-            <a:pPr algn="ctr"/>
-            <a:r>
-              <a:rPr lang="en-US" altLang="zh-TW" sz="1200" dirty="0" err="1"/>
-              <a:t>check_tag_name</a:t>
-            </a:r>
-            <a:endParaRPr lang="en-US" altLang="zh-TW" sz="1200" dirty="0"/>
-          </a:p>
-        </p:txBody>
-      </p:sp>
-      <p:cxnSp>
-        <p:nvCxnSpPr>
-          <p:cNvPr id="111" name="Straight Arrow Connector 110"/>
-          <p:cNvCxnSpPr>
-            <a:stCxn id="5" idx="3"/>
-            <a:endCxn id="88" idx="0"/>
-          </p:cNvCxnSpPr>
-          <p:nvPr/>
-        </p:nvCxnSpPr>
-        <p:spPr>
-          <a:xfrm flipH="1">
-            <a:off x="1556941" y="1304772"/>
-            <a:ext cx="655906" cy="2309953"/>
+          <a:xfrm>
+            <a:off x="4198399" y="4887501"/>
+            <a:ext cx="226878" cy="796778"/>
           </a:xfrm>
           <a:prstGeom prst="straightConnector1">
             <a:avLst/>
@@ -3788,539 +4280,6 @@
       </p:cxnSp>
       <p:sp>
         <p:nvSpPr>
-          <p:cNvPr id="116" name="Rectangle 115"/>
-          <p:cNvSpPr/>
-          <p:nvPr/>
-        </p:nvSpPr>
-        <p:spPr>
-          <a:xfrm>
-            <a:off x="3754625" y="6325783"/>
-            <a:ext cx="1341301" cy="279961"/>
-          </a:xfrm>
-          <a:prstGeom prst="rect">
-            <a:avLst/>
-          </a:prstGeom>
-        </p:spPr>
-        <p:style>
-          <a:lnRef idx="2">
-            <a:schemeClr val="accent6">
-              <a:shade val="50000"/>
-            </a:schemeClr>
-          </a:lnRef>
-          <a:fillRef idx="1">
-            <a:schemeClr val="accent6"/>
-          </a:fillRef>
-          <a:effectRef idx="0">
-            <a:schemeClr val="accent6"/>
-          </a:effectRef>
-          <a:fontRef idx="minor">
-            <a:schemeClr val="lt1"/>
-          </a:fontRef>
-        </p:style>
-        <p:txBody>
-          <a:bodyPr rtlCol="0" anchor="ctr"/>
-          <a:lstStyle/>
-          <a:p>
-            <a:pPr algn="ctr"/>
-            <a:r>
-              <a:rPr lang="en-US" altLang="zh-TW" sz="1200" dirty="0" err="1"/>
-              <a:t>set_tag_in_shell</a:t>
-            </a:r>
-            <a:endParaRPr lang="en-US" altLang="zh-TW" sz="1200" dirty="0"/>
-          </a:p>
-        </p:txBody>
-      </p:sp>
-      <p:sp>
-        <p:nvSpPr>
-          <p:cNvPr id="117" name="Rectangle 116"/>
-          <p:cNvSpPr/>
-          <p:nvPr/>
-        </p:nvSpPr>
-        <p:spPr>
-          <a:xfrm>
-            <a:off x="3754626" y="5684279"/>
-            <a:ext cx="1341301" cy="279961"/>
-          </a:xfrm>
-          <a:prstGeom prst="rect">
-            <a:avLst/>
-          </a:prstGeom>
-        </p:spPr>
-        <p:style>
-          <a:lnRef idx="2">
-            <a:schemeClr val="accent2">
-              <a:shade val="50000"/>
-            </a:schemeClr>
-          </a:lnRef>
-          <a:fillRef idx="1">
-            <a:schemeClr val="accent2"/>
-          </a:fillRef>
-          <a:effectRef idx="0">
-            <a:schemeClr val="accent2"/>
-          </a:effectRef>
-          <a:fontRef idx="minor">
-            <a:schemeClr val="lt1"/>
-          </a:fontRef>
-        </p:style>
-        <p:txBody>
-          <a:bodyPr rtlCol="0" anchor="ctr"/>
-          <a:lstStyle/>
-          <a:p>
-            <a:pPr algn="ctr"/>
-            <a:r>
-              <a:rPr lang="en-US" altLang="zh-TW" sz="1200" dirty="0" err="1"/>
-              <a:t>add_new_tag</a:t>
-            </a:r>
-            <a:endParaRPr lang="en-US" altLang="zh-TW" sz="1200" dirty="0"/>
-          </a:p>
-        </p:txBody>
-      </p:sp>
-      <p:cxnSp>
-        <p:nvCxnSpPr>
-          <p:cNvPr id="120" name="Connector: Elbow 119"/>
-          <p:cNvCxnSpPr>
-            <a:stCxn id="117" idx="2"/>
-            <a:endCxn id="116" idx="0"/>
-          </p:cNvCxnSpPr>
-          <p:nvPr/>
-        </p:nvCxnSpPr>
-        <p:spPr>
-          <a:xfrm rot="5400000">
-            <a:off x="4244506" y="6145011"/>
-            <a:ext cx="361543" cy="1"/>
-          </a:xfrm>
-          <a:prstGeom prst="bentConnector3">
-            <a:avLst/>
-          </a:prstGeom>
-          <a:ln>
-            <a:tailEnd type="triangle"/>
-          </a:ln>
-        </p:spPr>
-        <p:style>
-          <a:lnRef idx="1">
-            <a:schemeClr val="accent1"/>
-          </a:lnRef>
-          <a:fillRef idx="0">
-            <a:schemeClr val="accent1"/>
-          </a:fillRef>
-          <a:effectRef idx="0">
-            <a:schemeClr val="accent1"/>
-          </a:effectRef>
-          <a:fontRef idx="minor">
-            <a:schemeClr val="tx1"/>
-          </a:fontRef>
-        </p:style>
-      </p:cxnSp>
-      <p:sp>
-        <p:nvSpPr>
-          <p:cNvPr id="121" name="Rectangle 120"/>
-          <p:cNvSpPr/>
-          <p:nvPr/>
-        </p:nvSpPr>
-        <p:spPr>
-          <a:xfrm>
-            <a:off x="2729012" y="1164791"/>
-            <a:ext cx="1242683" cy="279961"/>
-          </a:xfrm>
-          <a:prstGeom prst="rect">
-            <a:avLst/>
-          </a:prstGeom>
-        </p:spPr>
-        <p:style>
-          <a:lnRef idx="2">
-            <a:schemeClr val="accent4">
-              <a:shade val="50000"/>
-            </a:schemeClr>
-          </a:lnRef>
-          <a:fillRef idx="1">
-            <a:schemeClr val="accent4"/>
-          </a:fillRef>
-          <a:effectRef idx="0">
-            <a:schemeClr val="accent4"/>
-          </a:effectRef>
-          <a:fontRef idx="minor">
-            <a:schemeClr val="lt1"/>
-          </a:fontRef>
-        </p:style>
-        <p:txBody>
-          <a:bodyPr rtlCol="0" anchor="ctr"/>
-          <a:lstStyle/>
-          <a:p>
-            <a:pPr algn="ctr"/>
-            <a:r>
-              <a:rPr lang="en-US" altLang="zh-TW" sz="1200" dirty="0" err="1"/>
-              <a:t>show_list</a:t>
-            </a:r>
-            <a:endParaRPr lang="en-US" altLang="zh-TW" sz="1200" dirty="0"/>
-          </a:p>
-        </p:txBody>
-      </p:sp>
-      <p:sp>
-        <p:nvSpPr>
-          <p:cNvPr id="122" name="Rectangle 121"/>
-          <p:cNvSpPr/>
-          <p:nvPr/>
-        </p:nvSpPr>
-        <p:spPr>
-          <a:xfrm>
-            <a:off x="10513466" y="9335396"/>
-            <a:ext cx="1341301" cy="279961"/>
-          </a:xfrm>
-          <a:prstGeom prst="rect">
-            <a:avLst/>
-          </a:prstGeom>
-        </p:spPr>
-        <p:style>
-          <a:lnRef idx="2">
-            <a:schemeClr val="accent6">
-              <a:shade val="50000"/>
-            </a:schemeClr>
-          </a:lnRef>
-          <a:fillRef idx="1">
-            <a:schemeClr val="accent6"/>
-          </a:fillRef>
-          <a:effectRef idx="0">
-            <a:schemeClr val="accent6"/>
-          </a:effectRef>
-          <a:fontRef idx="minor">
-            <a:schemeClr val="lt1"/>
-          </a:fontRef>
-        </p:style>
-        <p:txBody>
-          <a:bodyPr rtlCol="0" anchor="ctr"/>
-          <a:lstStyle/>
-          <a:p>
-            <a:pPr algn="ctr"/>
-            <a:r>
-              <a:rPr lang="en-US" altLang="zh-TW" sz="1200" dirty="0" err="1"/>
-              <a:t>set_tag_in_shell</a:t>
-            </a:r>
-            <a:endParaRPr lang="en-US" altLang="zh-TW" sz="1200" dirty="0"/>
-          </a:p>
-        </p:txBody>
-      </p:sp>
-      <p:sp>
-        <p:nvSpPr>
-          <p:cNvPr id="126" name="Rectangle 125"/>
-          <p:cNvSpPr/>
-          <p:nvPr/>
-        </p:nvSpPr>
-        <p:spPr>
-          <a:xfrm>
-            <a:off x="10472338" y="9866596"/>
-            <a:ext cx="1341301" cy="279961"/>
-          </a:xfrm>
-          <a:prstGeom prst="rect">
-            <a:avLst/>
-          </a:prstGeom>
-        </p:spPr>
-        <p:style>
-          <a:lnRef idx="2">
-            <a:schemeClr val="accent6">
-              <a:shade val="50000"/>
-            </a:schemeClr>
-          </a:lnRef>
-          <a:fillRef idx="1">
-            <a:schemeClr val="accent6"/>
-          </a:fillRef>
-          <a:effectRef idx="0">
-            <a:schemeClr val="accent6"/>
-          </a:effectRef>
-          <a:fontRef idx="minor">
-            <a:schemeClr val="lt1"/>
-          </a:fontRef>
-        </p:style>
-        <p:txBody>
-          <a:bodyPr rtlCol="0" anchor="ctr"/>
-          <a:lstStyle/>
-          <a:p>
-            <a:pPr algn="ctr"/>
-            <a:r>
-              <a:rPr lang="en-US" altLang="zh-TW" sz="1200" dirty="0" err="1"/>
-              <a:t>show_info</a:t>
-            </a:r>
-            <a:endParaRPr lang="en-US" altLang="zh-TW" sz="1200" dirty="0"/>
-          </a:p>
-        </p:txBody>
-      </p:sp>
-      <p:sp>
-        <p:nvSpPr>
-          <p:cNvPr id="127" name="Rectangle 126"/>
-          <p:cNvSpPr/>
-          <p:nvPr/>
-        </p:nvSpPr>
-        <p:spPr>
-          <a:xfrm>
-            <a:off x="12082295" y="8760816"/>
-            <a:ext cx="1341301" cy="279961"/>
-          </a:xfrm>
-          <a:prstGeom prst="rect">
-            <a:avLst/>
-          </a:prstGeom>
-        </p:spPr>
-        <p:style>
-          <a:lnRef idx="2">
-            <a:schemeClr val="accent6">
-              <a:shade val="50000"/>
-            </a:schemeClr>
-          </a:lnRef>
-          <a:fillRef idx="1">
-            <a:schemeClr val="accent6"/>
-          </a:fillRef>
-          <a:effectRef idx="0">
-            <a:schemeClr val="accent6"/>
-          </a:effectRef>
-          <a:fontRef idx="minor">
-            <a:schemeClr val="lt1"/>
-          </a:fontRef>
-        </p:style>
-        <p:txBody>
-          <a:bodyPr rtlCol="0" anchor="ctr"/>
-          <a:lstStyle/>
-          <a:p>
-            <a:pPr algn="ctr"/>
-            <a:r>
-              <a:rPr lang="en-US" altLang="zh-TW" sz="1200" dirty="0" err="1"/>
-              <a:t>check_tag_conflict</a:t>
-            </a:r>
-            <a:endParaRPr lang="en-US" altLang="zh-TW" sz="1200" dirty="0"/>
-          </a:p>
-        </p:txBody>
-      </p:sp>
-      <p:sp>
-        <p:nvSpPr>
-          <p:cNvPr id="128" name="Rectangle 127"/>
-          <p:cNvSpPr/>
-          <p:nvPr/>
-        </p:nvSpPr>
-        <p:spPr>
-          <a:xfrm>
-            <a:off x="12082294" y="9198751"/>
-            <a:ext cx="1341301" cy="279961"/>
-          </a:xfrm>
-          <a:prstGeom prst="rect">
-            <a:avLst/>
-          </a:prstGeom>
-        </p:spPr>
-        <p:style>
-          <a:lnRef idx="2">
-            <a:schemeClr val="accent6">
-              <a:shade val="50000"/>
-            </a:schemeClr>
-          </a:lnRef>
-          <a:fillRef idx="1">
-            <a:schemeClr val="accent6"/>
-          </a:fillRef>
-          <a:effectRef idx="0">
-            <a:schemeClr val="accent6"/>
-          </a:effectRef>
-          <a:fontRef idx="minor">
-            <a:schemeClr val="lt1"/>
-          </a:fontRef>
-        </p:style>
-        <p:txBody>
-          <a:bodyPr rtlCol="0" anchor="ctr"/>
-          <a:lstStyle/>
-          <a:p>
-            <a:pPr algn="ctr"/>
-            <a:r>
-              <a:rPr lang="en-US" altLang="zh-TW" sz="1200" dirty="0" err="1"/>
-              <a:t>set_tag_in_shell</a:t>
-            </a:r>
-            <a:endParaRPr lang="en-US" altLang="zh-TW" sz="1200" dirty="0"/>
-          </a:p>
-        </p:txBody>
-      </p:sp>
-      <p:cxnSp>
-        <p:nvCxnSpPr>
-          <p:cNvPr id="130" name="Connector: Elbow 129"/>
-          <p:cNvCxnSpPr>
-            <a:stCxn id="46" idx="2"/>
-            <a:endCxn id="127" idx="0"/>
-          </p:cNvCxnSpPr>
-          <p:nvPr/>
-        </p:nvCxnSpPr>
-        <p:spPr>
-          <a:xfrm rot="16200000" flipH="1">
-            <a:off x="11756967" y="7764837"/>
-            <a:ext cx="418062" cy="1573895"/>
-          </a:xfrm>
-          <a:prstGeom prst="bentConnector3">
-            <a:avLst>
-              <a:gd name="adj1" fmla="val 50000"/>
-            </a:avLst>
-          </a:prstGeom>
-          <a:ln>
-            <a:tailEnd type="triangle"/>
-          </a:ln>
-        </p:spPr>
-        <p:style>
-          <a:lnRef idx="1">
-            <a:schemeClr val="accent1"/>
-          </a:lnRef>
-          <a:fillRef idx="0">
-            <a:schemeClr val="accent1"/>
-          </a:fillRef>
-          <a:effectRef idx="0">
-            <a:schemeClr val="accent1"/>
-          </a:effectRef>
-          <a:fontRef idx="minor">
-            <a:schemeClr val="tx1"/>
-          </a:fontRef>
-        </p:style>
-      </p:cxnSp>
-      <p:cxnSp>
-        <p:nvCxnSpPr>
-          <p:cNvPr id="132" name="Connector: Elbow 131"/>
-          <p:cNvCxnSpPr>
-            <a:stCxn id="127" idx="2"/>
-            <a:endCxn id="128" idx="0"/>
-          </p:cNvCxnSpPr>
-          <p:nvPr/>
-        </p:nvCxnSpPr>
-        <p:spPr>
-          <a:xfrm rot="5400000">
-            <a:off x="12673959" y="9119764"/>
-            <a:ext cx="157974" cy="1"/>
-          </a:xfrm>
-          <a:prstGeom prst="bentConnector3">
-            <a:avLst/>
-          </a:prstGeom>
-          <a:ln>
-            <a:tailEnd type="triangle"/>
-          </a:ln>
-        </p:spPr>
-        <p:style>
-          <a:lnRef idx="1">
-            <a:schemeClr val="accent1"/>
-          </a:lnRef>
-          <a:fillRef idx="0">
-            <a:schemeClr val="accent1"/>
-          </a:fillRef>
-          <a:effectRef idx="0">
-            <a:schemeClr val="accent1"/>
-          </a:effectRef>
-          <a:fontRef idx="minor">
-            <a:schemeClr val="tx1"/>
-          </a:fontRef>
-        </p:style>
-      </p:cxnSp>
-      <p:cxnSp>
-        <p:nvCxnSpPr>
-          <p:cNvPr id="134" name="Connector: Elbow 133"/>
-          <p:cNvCxnSpPr>
-            <a:stCxn id="122" idx="2"/>
-            <a:endCxn id="126" idx="0"/>
-          </p:cNvCxnSpPr>
-          <p:nvPr/>
-        </p:nvCxnSpPr>
-        <p:spPr>
-          <a:xfrm rot="5400000">
-            <a:off x="11037934" y="9720412"/>
-            <a:ext cx="251239" cy="41128"/>
-          </a:xfrm>
-          <a:prstGeom prst="bentConnector3">
-            <a:avLst/>
-          </a:prstGeom>
-          <a:ln>
-            <a:tailEnd type="triangle"/>
-          </a:ln>
-        </p:spPr>
-        <p:style>
-          <a:lnRef idx="1">
-            <a:schemeClr val="accent1"/>
-          </a:lnRef>
-          <a:fillRef idx="0">
-            <a:schemeClr val="accent1"/>
-          </a:fillRef>
-          <a:effectRef idx="0">
-            <a:schemeClr val="accent1"/>
-          </a:effectRef>
-          <a:fontRef idx="minor">
-            <a:schemeClr val="tx1"/>
-          </a:fontRef>
-        </p:style>
-      </p:cxnSp>
-      <p:cxnSp>
-        <p:nvCxnSpPr>
-          <p:cNvPr id="136" name="Connector: Elbow 135"/>
-          <p:cNvCxnSpPr>
-            <a:stCxn id="4" idx="2"/>
-            <a:endCxn id="121" idx="0"/>
-          </p:cNvCxnSpPr>
-          <p:nvPr/>
-        </p:nvCxnSpPr>
-        <p:spPr>
-          <a:xfrm rot="16200000" flipH="1">
-            <a:off x="2263169" y="77605"/>
-            <a:ext cx="366215" cy="1808156"/>
-          </a:xfrm>
-          <a:prstGeom prst="bentConnector3">
-            <a:avLst>
-              <a:gd name="adj1" fmla="val 50000"/>
-            </a:avLst>
-          </a:prstGeom>
-          <a:ln>
-            <a:tailEnd type="triangle"/>
-          </a:ln>
-        </p:spPr>
-        <p:style>
-          <a:lnRef idx="1">
-            <a:schemeClr val="accent1"/>
-          </a:lnRef>
-          <a:fillRef idx="0">
-            <a:schemeClr val="accent1"/>
-          </a:fillRef>
-          <a:effectRef idx="0">
-            <a:schemeClr val="accent1"/>
-          </a:effectRef>
-          <a:fontRef idx="minor">
-            <a:schemeClr val="tx1"/>
-          </a:fontRef>
-        </p:style>
-      </p:cxnSp>
-      <p:cxnSp>
-        <p:nvCxnSpPr>
-          <p:cNvPr id="42" name="Straight Arrow Connector 41"/>
-          <p:cNvCxnSpPr>
-            <a:stCxn id="52" idx="3"/>
-            <a:endCxn id="117" idx="0"/>
-          </p:cNvCxnSpPr>
-          <p:nvPr/>
-        </p:nvCxnSpPr>
-        <p:spPr>
-          <a:xfrm>
-            <a:off x="4198399" y="4887501"/>
-            <a:ext cx="226878" cy="796778"/>
-          </a:xfrm>
-          <a:prstGeom prst="straightConnector1">
-            <a:avLst/>
-          </a:prstGeom>
-          <a:ln w="12700">
-            <a:solidFill>
-              <a:schemeClr val="accent6">
-                <a:lumMod val="50000"/>
-              </a:schemeClr>
-            </a:solidFill>
-            <a:tailEnd type="triangle"/>
-          </a:ln>
-        </p:spPr>
-        <p:style>
-          <a:lnRef idx="1">
-            <a:schemeClr val="accent1"/>
-          </a:lnRef>
-          <a:fillRef idx="0">
-            <a:schemeClr val="accent1"/>
-          </a:fillRef>
-          <a:effectRef idx="0">
-            <a:schemeClr val="accent1"/>
-          </a:effectRef>
-          <a:fontRef idx="minor">
-            <a:schemeClr val="tx1"/>
-          </a:fontRef>
-        </p:style>
-      </p:cxnSp>
-      <p:sp>
-        <p:nvSpPr>
           <p:cNvPr id="46" name="Rectangle 45"/>
           <p:cNvSpPr/>
           <p:nvPr/>
@@ -4451,7 +4410,7 @@
         </p:nvSpPr>
         <p:spPr>
           <a:xfrm>
-            <a:off x="6272821" y="532851"/>
+            <a:off x="6378071" y="1777818"/>
             <a:ext cx="1242683" cy="297955"/>
           </a:xfrm>
           <a:prstGeom prst="rect">
@@ -4503,7 +4462,7 @@
           </a:xfrm>
           <a:prstGeom prst="bentConnector3">
             <a:avLst>
-              <a:gd name="adj1" fmla="val 50000"/>
+              <a:gd name="adj1" fmla="val 35651"/>
             </a:avLst>
           </a:prstGeom>
           <a:ln>
@@ -4841,9 +4800,9 @@
           <p:nvPr/>
         </p:nvCxnSpPr>
         <p:spPr>
-          <a:xfrm flipV="1">
-            <a:off x="3971695" y="532851"/>
-            <a:ext cx="2922468" cy="771921"/>
+          <a:xfrm>
+            <a:off x="3971695" y="1304772"/>
+            <a:ext cx="3027718" cy="473046"/>
           </a:xfrm>
           <a:prstGeom prst="straightConnector1">
             <a:avLst/>
@@ -4880,7 +4839,7 @@
         </p:nvSpPr>
         <p:spPr>
           <a:xfrm>
-            <a:off x="6167716" y="1243984"/>
+            <a:off x="6272966" y="2488951"/>
             <a:ext cx="1452892" cy="306973"/>
           </a:xfrm>
           <a:prstGeom prst="rect">
@@ -4924,7 +4883,7 @@
         </p:nvSpPr>
         <p:spPr>
           <a:xfrm>
-            <a:off x="7167886" y="2006848"/>
+            <a:off x="7273136" y="3251815"/>
             <a:ext cx="1341301" cy="279961"/>
           </a:xfrm>
           <a:prstGeom prst="rect">
@@ -4968,7 +4927,7 @@
         </p:nvSpPr>
         <p:spPr>
           <a:xfrm>
-            <a:off x="6272821" y="2691749"/>
+            <a:off x="6378071" y="3936716"/>
             <a:ext cx="1242683" cy="297955"/>
           </a:xfrm>
           <a:prstGeom prst="rect">
@@ -5015,7 +4974,7 @@
         </p:nvCxnSpPr>
         <p:spPr>
           <a:xfrm rot="5400000">
-            <a:off x="6687574" y="1037395"/>
+            <a:off x="6792824" y="2282362"/>
             <a:ext cx="413178" cy="1"/>
           </a:xfrm>
           <a:prstGeom prst="bentConnector3">
@@ -5051,7 +5010,7 @@
         </p:nvCxnSpPr>
         <p:spPr>
           <a:xfrm rot="16200000" flipH="1">
-            <a:off x="6323766" y="2121352"/>
+            <a:off x="6429016" y="3366319"/>
             <a:ext cx="1140792" cy="1"/>
           </a:xfrm>
           <a:prstGeom prst="bentConnector3">
@@ -5087,7 +5046,7 @@
         </p:nvCxnSpPr>
         <p:spPr>
           <a:xfrm rot="16200000" flipH="1">
-            <a:off x="7138404" y="1306714"/>
+            <a:off x="7243654" y="2551681"/>
             <a:ext cx="455891" cy="944375"/>
           </a:xfrm>
           <a:prstGeom prst="bentConnector3">
@@ -5120,7 +5079,7 @@
         </p:nvSpPr>
         <p:spPr>
           <a:xfrm>
-            <a:off x="6943472" y="4276893"/>
+            <a:off x="7048722" y="5521860"/>
             <a:ext cx="1242683" cy="297955"/>
           </a:xfrm>
           <a:prstGeom prst="rect">
@@ -5164,7 +5123,7 @@
         </p:nvSpPr>
         <p:spPr>
           <a:xfrm>
-            <a:off x="6894164" y="5033332"/>
+            <a:off x="6999414" y="6278299"/>
             <a:ext cx="1341301" cy="279961"/>
           </a:xfrm>
           <a:prstGeom prst="rect">
@@ -5211,7 +5170,7 @@
         </p:nvCxnSpPr>
         <p:spPr>
           <a:xfrm rot="16200000" flipH="1">
-            <a:off x="7335572" y="4804089"/>
+            <a:off x="7440822" y="6049056"/>
             <a:ext cx="458484" cy="1"/>
           </a:xfrm>
           <a:prstGeom prst="bentConnector3">
@@ -5239,13 +5198,15 @@
       <p:cxnSp>
         <p:nvCxnSpPr>
           <p:cNvPr id="118" name="Straight Arrow Connector 117"/>
-          <p:cNvCxnSpPr/>
+          <p:cNvCxnSpPr>
+            <a:stCxn id="112" idx="1"/>
+          </p:cNvCxnSpPr>
           <p:nvPr/>
         </p:nvCxnSpPr>
         <p:spPr>
-          <a:xfrm flipH="1">
-            <a:off x="4458777" y="5173313"/>
-            <a:ext cx="2468887" cy="510966"/>
+          <a:xfrm flipH="1" flipV="1">
+            <a:off x="4458778" y="5684279"/>
+            <a:ext cx="2540636" cy="734001"/>
           </a:xfrm>
           <a:prstGeom prst="straightConnector1">
             <a:avLst/>
@@ -5284,9 +5245,9 @@
           <p:nvPr/>
         </p:nvCxnSpPr>
         <p:spPr>
-          <a:xfrm>
-            <a:off x="8186155" y="4425871"/>
-            <a:ext cx="1860601" cy="763397"/>
+          <a:xfrm flipV="1">
+            <a:off x="8291405" y="5189268"/>
+            <a:ext cx="1755351" cy="481570"/>
           </a:xfrm>
           <a:prstGeom prst="straightConnector1">
             <a:avLst/>
@@ -5542,6 +5503,928 @@
                 <a:lumMod val="50000"/>
               </a:schemeClr>
             </a:solidFill>
+            <a:tailEnd type="triangle"/>
+          </a:ln>
+        </p:spPr>
+        <p:style>
+          <a:lnRef idx="1">
+            <a:schemeClr val="accent1"/>
+          </a:lnRef>
+          <a:fillRef idx="0">
+            <a:schemeClr val="accent1"/>
+          </a:fillRef>
+          <a:effectRef idx="0">
+            <a:schemeClr val="accent1"/>
+          </a:effectRef>
+          <a:fontRef idx="minor">
+            <a:schemeClr val="tx1"/>
+          </a:fontRef>
+        </p:style>
+      </p:cxnSp>
+      <p:sp>
+        <p:nvSpPr>
+          <p:cNvPr id="68" name="Rectangle 67"/>
+          <p:cNvSpPr/>
+          <p:nvPr/>
+        </p:nvSpPr>
+        <p:spPr>
+          <a:xfrm>
+            <a:off x="6928705" y="4966163"/>
+            <a:ext cx="1482716" cy="269423"/>
+          </a:xfrm>
+          <a:prstGeom prst="rect">
+            <a:avLst/>
+          </a:prstGeom>
+        </p:spPr>
+        <p:style>
+          <a:lnRef idx="2">
+            <a:schemeClr val="accent6">
+              <a:shade val="50000"/>
+            </a:schemeClr>
+          </a:lnRef>
+          <a:fillRef idx="1">
+            <a:schemeClr val="accent6"/>
+          </a:fillRef>
+          <a:effectRef idx="0">
+            <a:schemeClr val="accent6"/>
+          </a:effectRef>
+          <a:fontRef idx="minor">
+            <a:schemeClr val="lt1"/>
+          </a:fontRef>
+        </p:style>
+        <p:txBody>
+          <a:bodyPr rtlCol="0" anchor="ctr"/>
+          <a:lstStyle/>
+          <a:p>
+            <a:pPr algn="ctr"/>
+            <a:r>
+              <a:rPr lang="en-US" altLang="zh-TW" sz="1200" dirty="0" err="1"/>
+              <a:t>get_roll_back_file</a:t>
+            </a:r>
+            <a:endParaRPr lang="en-US" altLang="zh-TW" sz="1200" dirty="0"/>
+          </a:p>
+        </p:txBody>
+      </p:sp>
+      <p:cxnSp>
+        <p:nvCxnSpPr>
+          <p:cNvPr id="16" name="Connector: Elbow 15"/>
+          <p:cNvCxnSpPr>
+            <a:stCxn id="68" idx="2"/>
+            <a:endCxn id="107" idx="0"/>
+          </p:cNvCxnSpPr>
+          <p:nvPr/>
+        </p:nvCxnSpPr>
+        <p:spPr>
+          <a:xfrm rot="16200000" flipH="1">
+            <a:off x="7526926" y="5378722"/>
+            <a:ext cx="286274" cy="1"/>
+          </a:xfrm>
+          <a:prstGeom prst="bentConnector3">
+            <a:avLst/>
+          </a:prstGeom>
+          <a:ln>
+            <a:tailEnd type="triangle"/>
+          </a:ln>
+        </p:spPr>
+        <p:style>
+          <a:lnRef idx="1">
+            <a:schemeClr val="accent1"/>
+          </a:lnRef>
+          <a:fillRef idx="0">
+            <a:schemeClr val="accent1"/>
+          </a:fillRef>
+          <a:effectRef idx="0">
+            <a:schemeClr val="accent1"/>
+          </a:effectRef>
+          <a:fontRef idx="minor">
+            <a:schemeClr val="tx1"/>
+          </a:fontRef>
+        </p:style>
+      </p:cxnSp>
+      <p:cxnSp>
+        <p:nvCxnSpPr>
+          <p:cNvPr id="113" name="Straight Arrow Connector 112"/>
+          <p:cNvCxnSpPr>
+            <a:stCxn id="54" idx="3"/>
+            <a:endCxn id="35" idx="0"/>
+          </p:cNvCxnSpPr>
+          <p:nvPr/>
+        </p:nvCxnSpPr>
+        <p:spPr>
+          <a:xfrm flipV="1">
+            <a:off x="6170762" y="4401597"/>
+            <a:ext cx="1499303" cy="485904"/>
+          </a:xfrm>
+          <a:prstGeom prst="straightConnector1">
+            <a:avLst/>
+          </a:prstGeom>
+          <a:ln w="12700">
+            <a:solidFill>
+              <a:schemeClr val="accent6">
+                <a:lumMod val="50000"/>
+              </a:schemeClr>
+            </a:solidFill>
+            <a:tailEnd type="triangle"/>
+          </a:ln>
+        </p:spPr>
+        <p:style>
+          <a:lnRef idx="1">
+            <a:schemeClr val="accent1"/>
+          </a:lnRef>
+          <a:fillRef idx="0">
+            <a:schemeClr val="accent1"/>
+          </a:fillRef>
+          <a:effectRef idx="0">
+            <a:schemeClr val="accent1"/>
+          </a:effectRef>
+          <a:fontRef idx="minor">
+            <a:schemeClr val="tx1"/>
+          </a:fontRef>
+        </p:style>
+      </p:cxnSp>
+      <p:sp>
+        <p:nvSpPr>
+          <p:cNvPr id="79" name="Rectangle 78"/>
+          <p:cNvSpPr/>
+          <p:nvPr/>
+        </p:nvSpPr>
+        <p:spPr>
+          <a:xfrm>
+            <a:off x="7966760" y="1776394"/>
+            <a:ext cx="1556303" cy="297976"/>
+          </a:xfrm>
+          <a:prstGeom prst="rect">
+            <a:avLst/>
+          </a:prstGeom>
+        </p:spPr>
+        <p:style>
+          <a:lnRef idx="2">
+            <a:schemeClr val="accent2">
+              <a:shade val="50000"/>
+            </a:schemeClr>
+          </a:lnRef>
+          <a:fillRef idx="1">
+            <a:schemeClr val="accent2"/>
+          </a:fillRef>
+          <a:effectRef idx="0">
+            <a:schemeClr val="accent2"/>
+          </a:effectRef>
+          <a:fontRef idx="minor">
+            <a:schemeClr val="lt1"/>
+          </a:fontRef>
+        </p:style>
+        <p:txBody>
+          <a:bodyPr rtlCol="0" anchor="ctr"/>
+          <a:lstStyle/>
+          <a:p>
+            <a:pPr algn="ctr"/>
+            <a:r>
+              <a:rPr lang="en-US" altLang="zh-TW" sz="1200" dirty="0" err="1"/>
+              <a:t>show_roll_back_info</a:t>
+            </a:r>
+            <a:endParaRPr lang="en-US" altLang="zh-TW" sz="1200" dirty="0"/>
+          </a:p>
+        </p:txBody>
+      </p:sp>
+      <p:cxnSp>
+        <p:nvCxnSpPr>
+          <p:cNvPr id="25" name="Connector: Elbow 24"/>
+          <p:cNvCxnSpPr>
+            <a:stCxn id="4" idx="2"/>
+            <a:endCxn id="135" idx="0"/>
+          </p:cNvCxnSpPr>
+          <p:nvPr/>
+        </p:nvCxnSpPr>
+        <p:spPr>
+          <a:xfrm rot="16200000" flipH="1">
+            <a:off x="5018056" y="-2677283"/>
+            <a:ext cx="266628" cy="7218345"/>
+          </a:xfrm>
+          <a:prstGeom prst="bentConnector3">
+            <a:avLst>
+              <a:gd name="adj1" fmla="val 49999"/>
+            </a:avLst>
+          </a:prstGeom>
+          <a:ln>
+            <a:tailEnd type="triangle"/>
+          </a:ln>
+        </p:spPr>
+        <p:style>
+          <a:lnRef idx="1">
+            <a:schemeClr val="accent1"/>
+          </a:lnRef>
+          <a:fillRef idx="0">
+            <a:schemeClr val="accent1"/>
+          </a:fillRef>
+          <a:effectRef idx="0">
+            <a:schemeClr val="accent1"/>
+          </a:effectRef>
+          <a:fontRef idx="minor">
+            <a:schemeClr val="tx1"/>
+          </a:fontRef>
+        </p:style>
+      </p:cxnSp>
+      <p:sp>
+        <p:nvSpPr>
+          <p:cNvPr id="86" name="Rectangle 85"/>
+          <p:cNvSpPr/>
+          <p:nvPr/>
+        </p:nvSpPr>
+        <p:spPr>
+          <a:xfrm>
+            <a:off x="8074260" y="2407425"/>
+            <a:ext cx="1341301" cy="279961"/>
+          </a:xfrm>
+          <a:prstGeom prst="rect">
+            <a:avLst/>
+          </a:prstGeom>
+        </p:spPr>
+        <p:style>
+          <a:lnRef idx="2">
+            <a:schemeClr val="accent6">
+              <a:shade val="50000"/>
+            </a:schemeClr>
+          </a:lnRef>
+          <a:fillRef idx="1">
+            <a:schemeClr val="accent6"/>
+          </a:fillRef>
+          <a:effectRef idx="0">
+            <a:schemeClr val="accent6"/>
+          </a:effectRef>
+          <a:fontRef idx="minor">
+            <a:schemeClr val="lt1"/>
+          </a:fontRef>
+        </p:style>
+        <p:txBody>
+          <a:bodyPr rtlCol="0" anchor="ctr"/>
+          <a:lstStyle/>
+          <a:p>
+            <a:pPr algn="ctr"/>
+            <a:r>
+              <a:rPr lang="en-US" altLang="zh-TW" sz="1200" dirty="0" err="1"/>
+              <a:t>show_tag_info</a:t>
+            </a:r>
+            <a:endParaRPr lang="en-US" altLang="zh-TW" sz="1200" dirty="0"/>
+          </a:p>
+        </p:txBody>
+      </p:sp>
+      <p:cxnSp>
+        <p:nvCxnSpPr>
+          <p:cNvPr id="28" name="Connector: Elbow 27"/>
+          <p:cNvCxnSpPr>
+            <a:stCxn id="79" idx="2"/>
+            <a:endCxn id="86" idx="0"/>
+          </p:cNvCxnSpPr>
+          <p:nvPr/>
+        </p:nvCxnSpPr>
+        <p:spPr>
+          <a:xfrm rot="5400000">
+            <a:off x="8578385" y="2240897"/>
+            <a:ext cx="333055" cy="1"/>
+          </a:xfrm>
+          <a:prstGeom prst="bentConnector3">
+            <a:avLst/>
+          </a:prstGeom>
+          <a:ln>
+            <a:tailEnd type="triangle"/>
+          </a:ln>
+        </p:spPr>
+        <p:style>
+          <a:lnRef idx="1">
+            <a:schemeClr val="accent1"/>
+          </a:lnRef>
+          <a:fillRef idx="0">
+            <a:schemeClr val="accent1"/>
+          </a:fillRef>
+          <a:effectRef idx="0">
+            <a:schemeClr val="accent1"/>
+          </a:effectRef>
+          <a:fontRef idx="minor">
+            <a:schemeClr val="tx1"/>
+          </a:fontRef>
+        </p:style>
+      </p:cxnSp>
+      <p:sp>
+        <p:nvSpPr>
+          <p:cNvPr id="97" name="Rectangle 96"/>
+          <p:cNvSpPr/>
+          <p:nvPr/>
+        </p:nvSpPr>
+        <p:spPr>
+          <a:xfrm>
+            <a:off x="9848409" y="1785047"/>
+            <a:ext cx="1384239" cy="297976"/>
+          </a:xfrm>
+          <a:prstGeom prst="rect">
+            <a:avLst/>
+          </a:prstGeom>
+        </p:spPr>
+        <p:style>
+          <a:lnRef idx="2">
+            <a:schemeClr val="accent2">
+              <a:shade val="50000"/>
+            </a:schemeClr>
+          </a:lnRef>
+          <a:fillRef idx="1">
+            <a:schemeClr val="accent2"/>
+          </a:fillRef>
+          <a:effectRef idx="0">
+            <a:schemeClr val="accent2"/>
+          </a:effectRef>
+          <a:fontRef idx="minor">
+            <a:schemeClr val="lt1"/>
+          </a:fontRef>
+        </p:style>
+        <p:txBody>
+          <a:bodyPr rtlCol="0" anchor="ctr"/>
+          <a:lstStyle/>
+          <a:p>
+            <a:pPr algn="ctr"/>
+            <a:r>
+              <a:rPr lang="en-US" altLang="zh-TW" sz="1200" dirty="0" err="1"/>
+              <a:t>roll_back</a:t>
+            </a:r>
+            <a:endParaRPr lang="en-US" altLang="zh-TW" sz="1200" dirty="0"/>
+          </a:p>
+        </p:txBody>
+      </p:sp>
+      <p:sp>
+        <p:nvSpPr>
+          <p:cNvPr id="98" name="Rectangle 97"/>
+          <p:cNvSpPr/>
+          <p:nvPr/>
+        </p:nvSpPr>
+        <p:spPr>
+          <a:xfrm>
+            <a:off x="9864132" y="2398054"/>
+            <a:ext cx="1341301" cy="279961"/>
+          </a:xfrm>
+          <a:prstGeom prst="rect">
+            <a:avLst/>
+          </a:prstGeom>
+        </p:spPr>
+        <p:style>
+          <a:lnRef idx="2">
+            <a:schemeClr val="accent4">
+              <a:shade val="50000"/>
+            </a:schemeClr>
+          </a:lnRef>
+          <a:fillRef idx="1">
+            <a:schemeClr val="accent4"/>
+          </a:fillRef>
+          <a:effectRef idx="0">
+            <a:schemeClr val="accent4"/>
+          </a:effectRef>
+          <a:fontRef idx="minor">
+            <a:schemeClr val="lt1"/>
+          </a:fontRef>
+        </p:style>
+        <p:txBody>
+          <a:bodyPr rtlCol="0" anchor="ctr"/>
+          <a:lstStyle/>
+          <a:p>
+            <a:pPr algn="ctr"/>
+            <a:r>
+              <a:rPr lang="en-US" altLang="zh-TW" sz="1200" dirty="0" err="1"/>
+              <a:t>delete_tag</a:t>
+            </a:r>
+            <a:endParaRPr lang="en-US" altLang="zh-TW" sz="1200" dirty="0"/>
+          </a:p>
+        </p:txBody>
+      </p:sp>
+      <p:cxnSp>
+        <p:nvCxnSpPr>
+          <p:cNvPr id="99" name="Connector: Elbow 98"/>
+          <p:cNvCxnSpPr>
+            <a:stCxn id="97" idx="2"/>
+            <a:endCxn id="98" idx="0"/>
+          </p:cNvCxnSpPr>
+          <p:nvPr/>
+        </p:nvCxnSpPr>
+        <p:spPr>
+          <a:xfrm rot="5400000">
+            <a:off x="10380141" y="2237665"/>
+            <a:ext cx="315031" cy="5746"/>
+          </a:xfrm>
+          <a:prstGeom prst="bentConnector3">
+            <a:avLst/>
+          </a:prstGeom>
+          <a:ln>
+            <a:tailEnd type="triangle"/>
+          </a:ln>
+        </p:spPr>
+        <p:style>
+          <a:lnRef idx="1">
+            <a:schemeClr val="accent1"/>
+          </a:lnRef>
+          <a:fillRef idx="0">
+            <a:schemeClr val="accent1"/>
+          </a:fillRef>
+          <a:effectRef idx="0">
+            <a:schemeClr val="accent1"/>
+          </a:effectRef>
+          <a:fontRef idx="minor">
+            <a:schemeClr val="tx1"/>
+          </a:fontRef>
+        </p:style>
+      </p:cxnSp>
+      <p:cxnSp>
+        <p:nvCxnSpPr>
+          <p:cNvPr id="47" name="Connector: Elbow 46"/>
+          <p:cNvCxnSpPr>
+            <a:stCxn id="4" idx="2"/>
+            <a:endCxn id="137" idx="0"/>
+          </p:cNvCxnSpPr>
+          <p:nvPr/>
+        </p:nvCxnSpPr>
+        <p:spPr>
+          <a:xfrm rot="16200000" flipH="1">
+            <a:off x="5921783" y="-3581010"/>
+            <a:ext cx="243560" cy="9002731"/>
+          </a:xfrm>
+          <a:prstGeom prst="bentConnector3">
+            <a:avLst>
+              <a:gd name="adj1" fmla="val 54314"/>
+            </a:avLst>
+          </a:prstGeom>
+          <a:ln>
+            <a:tailEnd type="triangle"/>
+          </a:ln>
+        </p:spPr>
+        <p:style>
+          <a:lnRef idx="1">
+            <a:schemeClr val="accent1"/>
+          </a:lnRef>
+          <a:fillRef idx="0">
+            <a:schemeClr val="accent1"/>
+          </a:fillRef>
+          <a:effectRef idx="0">
+            <a:schemeClr val="accent1"/>
+          </a:effectRef>
+          <a:fontRef idx="minor">
+            <a:schemeClr val="tx1"/>
+          </a:fontRef>
+        </p:style>
+      </p:cxnSp>
+      <p:cxnSp>
+        <p:nvCxnSpPr>
+          <p:cNvPr id="62" name="Straight Arrow Connector 61"/>
+          <p:cNvCxnSpPr>
+            <a:stCxn id="98" idx="1"/>
+            <a:endCxn id="50" idx="0"/>
+          </p:cNvCxnSpPr>
+          <p:nvPr/>
+        </p:nvCxnSpPr>
+        <p:spPr>
+          <a:xfrm>
+            <a:off x="9864132" y="2538035"/>
+            <a:ext cx="182624" cy="2651233"/>
+          </a:xfrm>
+          <a:prstGeom prst="straightConnector1">
+            <a:avLst/>
+          </a:prstGeom>
+          <a:ln>
+            <a:tailEnd type="triangle"/>
+          </a:ln>
+        </p:spPr>
+        <p:style>
+          <a:lnRef idx="1">
+            <a:schemeClr val="accent1"/>
+          </a:lnRef>
+          <a:fillRef idx="0">
+            <a:schemeClr val="accent1"/>
+          </a:fillRef>
+          <a:effectRef idx="0">
+            <a:schemeClr val="accent1"/>
+          </a:effectRef>
+          <a:fontRef idx="minor">
+            <a:schemeClr val="tx1"/>
+          </a:fontRef>
+        </p:style>
+      </p:cxnSp>
+      <p:sp>
+        <p:nvSpPr>
+          <p:cNvPr id="109" name="Rectangle 108"/>
+          <p:cNvSpPr/>
+          <p:nvPr/>
+        </p:nvSpPr>
+        <p:spPr>
+          <a:xfrm>
+            <a:off x="9808336" y="3047378"/>
+            <a:ext cx="1452892" cy="306973"/>
+          </a:xfrm>
+          <a:prstGeom prst="rect">
+            <a:avLst/>
+          </a:prstGeom>
+        </p:spPr>
+        <p:style>
+          <a:lnRef idx="2">
+            <a:schemeClr val="accent6">
+              <a:shade val="50000"/>
+            </a:schemeClr>
+          </a:lnRef>
+          <a:fillRef idx="1">
+            <a:schemeClr val="accent6"/>
+          </a:fillRef>
+          <a:effectRef idx="0">
+            <a:schemeClr val="accent6"/>
+          </a:effectRef>
+          <a:fontRef idx="minor">
+            <a:schemeClr val="lt1"/>
+          </a:fontRef>
+        </p:style>
+        <p:txBody>
+          <a:bodyPr rtlCol="0" anchor="ctr"/>
+          <a:lstStyle/>
+          <a:p>
+            <a:pPr algn="ctr"/>
+            <a:r>
+              <a:rPr lang="en-US" altLang="zh-TW" sz="1200" dirty="0" err="1"/>
+              <a:t>check_tag_conflicct</a:t>
+            </a:r>
+            <a:endParaRPr lang="en-US" altLang="zh-TW" sz="1200" dirty="0"/>
+          </a:p>
+        </p:txBody>
+      </p:sp>
+      <p:cxnSp>
+        <p:nvCxnSpPr>
+          <p:cNvPr id="73" name="Connector: Elbow 72"/>
+          <p:cNvCxnSpPr>
+            <a:stCxn id="98" idx="2"/>
+            <a:endCxn id="109" idx="0"/>
+          </p:cNvCxnSpPr>
+          <p:nvPr/>
+        </p:nvCxnSpPr>
+        <p:spPr>
+          <a:xfrm rot="5400000">
+            <a:off x="10350102" y="2862696"/>
+            <a:ext cx="369363" cy="1"/>
+          </a:xfrm>
+          <a:prstGeom prst="bentConnector3">
+            <a:avLst/>
+          </a:prstGeom>
+          <a:ln>
+            <a:tailEnd type="triangle"/>
+          </a:ln>
+        </p:spPr>
+        <p:style>
+          <a:lnRef idx="1">
+            <a:schemeClr val="accent1"/>
+          </a:lnRef>
+          <a:fillRef idx="0">
+            <a:schemeClr val="accent1"/>
+          </a:fillRef>
+          <a:effectRef idx="0">
+            <a:schemeClr val="accent1"/>
+          </a:effectRef>
+          <a:fontRef idx="minor">
+            <a:schemeClr val="tx1"/>
+          </a:fontRef>
+        </p:style>
+      </p:cxnSp>
+      <p:sp>
+        <p:nvSpPr>
+          <p:cNvPr id="114" name="Rectangle 113"/>
+          <p:cNvSpPr/>
+          <p:nvPr/>
+        </p:nvSpPr>
+        <p:spPr>
+          <a:xfrm>
+            <a:off x="9870186" y="3592100"/>
+            <a:ext cx="1341301" cy="279961"/>
+          </a:xfrm>
+          <a:prstGeom prst="rect">
+            <a:avLst/>
+          </a:prstGeom>
+        </p:spPr>
+        <p:style>
+          <a:lnRef idx="2">
+            <a:schemeClr val="accent4">
+              <a:shade val="50000"/>
+            </a:schemeClr>
+          </a:lnRef>
+          <a:fillRef idx="1">
+            <a:schemeClr val="accent4"/>
+          </a:fillRef>
+          <a:effectRef idx="0">
+            <a:schemeClr val="accent4"/>
+          </a:effectRef>
+          <a:fontRef idx="minor">
+            <a:schemeClr val="lt1"/>
+          </a:fontRef>
+        </p:style>
+        <p:txBody>
+          <a:bodyPr rtlCol="0" anchor="ctr"/>
+          <a:lstStyle/>
+          <a:p>
+            <a:pPr algn="ctr"/>
+            <a:r>
+              <a:rPr lang="en-US" altLang="zh-TW" sz="1200" dirty="0" err="1"/>
+              <a:t>add_new_tag</a:t>
+            </a:r>
+            <a:endParaRPr lang="en-US" altLang="zh-TW" sz="1200" dirty="0"/>
+          </a:p>
+        </p:txBody>
+      </p:sp>
+      <p:cxnSp>
+        <p:nvCxnSpPr>
+          <p:cNvPr id="76" name="Connector: Elbow 75"/>
+          <p:cNvCxnSpPr>
+            <a:stCxn id="109" idx="2"/>
+            <a:endCxn id="114" idx="0"/>
+          </p:cNvCxnSpPr>
+          <p:nvPr/>
+        </p:nvCxnSpPr>
+        <p:spPr>
+          <a:xfrm rot="16200000" flipH="1">
+            <a:off x="10418935" y="3470197"/>
+            <a:ext cx="237749" cy="6055"/>
+          </a:xfrm>
+          <a:prstGeom prst="bentConnector3">
+            <a:avLst/>
+          </a:prstGeom>
+          <a:ln>
+            <a:tailEnd type="triangle"/>
+          </a:ln>
+        </p:spPr>
+        <p:style>
+          <a:lnRef idx="1">
+            <a:schemeClr val="accent1"/>
+          </a:lnRef>
+          <a:fillRef idx="0">
+            <a:schemeClr val="accent1"/>
+          </a:fillRef>
+          <a:effectRef idx="0">
+            <a:schemeClr val="accent1"/>
+          </a:effectRef>
+          <a:fontRef idx="minor">
+            <a:schemeClr val="tx1"/>
+          </a:fontRef>
+        </p:style>
+      </p:cxnSp>
+      <p:cxnSp>
+        <p:nvCxnSpPr>
+          <p:cNvPr id="131" name="Straight Arrow Connector 130"/>
+          <p:cNvCxnSpPr>
+            <a:stCxn id="114" idx="1"/>
+            <a:endCxn id="117" idx="0"/>
+          </p:cNvCxnSpPr>
+          <p:nvPr/>
+        </p:nvCxnSpPr>
+        <p:spPr>
+          <a:xfrm flipH="1">
+            <a:off x="4425277" y="3732081"/>
+            <a:ext cx="5444909" cy="1952198"/>
+          </a:xfrm>
+          <a:prstGeom prst="straightConnector1">
+            <a:avLst/>
+          </a:prstGeom>
+          <a:ln w="12700">
+            <a:solidFill>
+              <a:schemeClr val="accent6">
+                <a:lumMod val="50000"/>
+              </a:schemeClr>
+            </a:solidFill>
+            <a:tailEnd type="triangle"/>
+          </a:ln>
+        </p:spPr>
+        <p:style>
+          <a:lnRef idx="1">
+            <a:schemeClr val="accent1"/>
+          </a:lnRef>
+          <a:fillRef idx="0">
+            <a:schemeClr val="accent1"/>
+          </a:fillRef>
+          <a:effectRef idx="0">
+            <a:schemeClr val="accent1"/>
+          </a:effectRef>
+          <a:fontRef idx="minor">
+            <a:schemeClr val="tx1"/>
+          </a:fontRef>
+        </p:style>
+      </p:cxnSp>
+      <p:sp>
+        <p:nvSpPr>
+          <p:cNvPr id="133" name="Rectangle 132"/>
+          <p:cNvSpPr/>
+          <p:nvPr/>
+        </p:nvSpPr>
+        <p:spPr>
+          <a:xfrm>
+            <a:off x="9876773" y="4113294"/>
+            <a:ext cx="1341301" cy="279961"/>
+          </a:xfrm>
+          <a:prstGeom prst="rect">
+            <a:avLst/>
+          </a:prstGeom>
+        </p:spPr>
+        <p:style>
+          <a:lnRef idx="2">
+            <a:schemeClr val="accent6">
+              <a:shade val="50000"/>
+            </a:schemeClr>
+          </a:lnRef>
+          <a:fillRef idx="1">
+            <a:schemeClr val="accent6"/>
+          </a:fillRef>
+          <a:effectRef idx="0">
+            <a:schemeClr val="accent6"/>
+          </a:effectRef>
+          <a:fontRef idx="minor">
+            <a:schemeClr val="lt1"/>
+          </a:fontRef>
+        </p:style>
+        <p:txBody>
+          <a:bodyPr rtlCol="0" anchor="ctr"/>
+          <a:lstStyle/>
+          <a:p>
+            <a:pPr algn="ctr"/>
+            <a:r>
+              <a:rPr lang="en-US" altLang="zh-TW" sz="1200" dirty="0" err="1"/>
+              <a:t>show_tag_info</a:t>
+            </a:r>
+            <a:endParaRPr lang="en-US" altLang="zh-TW" sz="1200" dirty="0"/>
+          </a:p>
+        </p:txBody>
+      </p:sp>
+      <p:cxnSp>
+        <p:nvCxnSpPr>
+          <p:cNvPr id="82" name="Connector: Elbow 81"/>
+          <p:cNvCxnSpPr>
+            <a:stCxn id="114" idx="2"/>
+            <a:endCxn id="133" idx="0"/>
+          </p:cNvCxnSpPr>
+          <p:nvPr/>
+        </p:nvCxnSpPr>
+        <p:spPr>
+          <a:xfrm rot="16200000" flipH="1">
+            <a:off x="10423514" y="3989383"/>
+            <a:ext cx="241233" cy="6587"/>
+          </a:xfrm>
+          <a:prstGeom prst="bentConnector3">
+            <a:avLst/>
+          </a:prstGeom>
+          <a:ln>
+            <a:tailEnd type="triangle"/>
+          </a:ln>
+        </p:spPr>
+        <p:style>
+          <a:lnRef idx="1">
+            <a:schemeClr val="accent1"/>
+          </a:lnRef>
+          <a:fillRef idx="0">
+            <a:schemeClr val="accent1"/>
+          </a:fillRef>
+          <a:effectRef idx="0">
+            <a:schemeClr val="accent1"/>
+          </a:effectRef>
+          <a:fontRef idx="minor">
+            <a:schemeClr val="tx1"/>
+          </a:fontRef>
+        </p:style>
+      </p:cxnSp>
+      <p:sp>
+        <p:nvSpPr>
+          <p:cNvPr id="135" name="Rectangle 134"/>
+          <p:cNvSpPr/>
+          <p:nvPr/>
+        </p:nvSpPr>
+        <p:spPr>
+          <a:xfrm>
+            <a:off x="7982391" y="1065204"/>
+            <a:ext cx="1556303" cy="297976"/>
+          </a:xfrm>
+          <a:prstGeom prst="rect">
+            <a:avLst/>
+          </a:prstGeom>
+        </p:spPr>
+        <p:style>
+          <a:lnRef idx="2">
+            <a:schemeClr val="accent4">
+              <a:shade val="50000"/>
+            </a:schemeClr>
+          </a:lnRef>
+          <a:fillRef idx="1">
+            <a:schemeClr val="accent4"/>
+          </a:fillRef>
+          <a:effectRef idx="0">
+            <a:schemeClr val="accent4"/>
+          </a:effectRef>
+          <a:fontRef idx="minor">
+            <a:schemeClr val="lt1"/>
+          </a:fontRef>
+        </p:style>
+        <p:txBody>
+          <a:bodyPr rtlCol="0" anchor="ctr"/>
+          <a:lstStyle/>
+          <a:p>
+            <a:pPr algn="ctr"/>
+            <a:r>
+              <a:rPr lang="en-US" altLang="zh-TW" sz="1200" dirty="0" err="1"/>
+              <a:t>show_roll_back_info</a:t>
+            </a:r>
+            <a:endParaRPr lang="en-US" altLang="zh-TW" sz="1200" dirty="0"/>
+          </a:p>
+        </p:txBody>
+      </p:sp>
+      <p:sp>
+        <p:nvSpPr>
+          <p:cNvPr id="137" name="Rectangle 136"/>
+          <p:cNvSpPr/>
+          <p:nvPr/>
+        </p:nvSpPr>
+        <p:spPr>
+          <a:xfrm>
+            <a:off x="9852809" y="1042136"/>
+            <a:ext cx="1384239" cy="297976"/>
+          </a:xfrm>
+          <a:prstGeom prst="rect">
+            <a:avLst/>
+          </a:prstGeom>
+        </p:spPr>
+        <p:style>
+          <a:lnRef idx="2">
+            <a:schemeClr val="accent4">
+              <a:shade val="50000"/>
+            </a:schemeClr>
+          </a:lnRef>
+          <a:fillRef idx="1">
+            <a:schemeClr val="accent4"/>
+          </a:fillRef>
+          <a:effectRef idx="0">
+            <a:schemeClr val="accent4"/>
+          </a:effectRef>
+          <a:fontRef idx="minor">
+            <a:schemeClr val="lt1"/>
+          </a:fontRef>
+        </p:style>
+        <p:txBody>
+          <a:bodyPr rtlCol="0" anchor="ctr"/>
+          <a:lstStyle/>
+          <a:p>
+            <a:pPr algn="ctr"/>
+            <a:r>
+              <a:rPr lang="en-US" altLang="zh-TW" sz="1200" dirty="0" err="1"/>
+              <a:t>roll_back</a:t>
+            </a:r>
+            <a:endParaRPr lang="en-US" altLang="zh-TW" sz="1200" dirty="0"/>
+          </a:p>
+        </p:txBody>
+      </p:sp>
+      <p:cxnSp>
+        <p:nvCxnSpPr>
+          <p:cNvPr id="104" name="Straight Arrow Connector 103"/>
+          <p:cNvCxnSpPr>
+            <a:stCxn id="135" idx="1"/>
+            <a:endCxn id="79" idx="0"/>
+          </p:cNvCxnSpPr>
+          <p:nvPr/>
+        </p:nvCxnSpPr>
+        <p:spPr>
+          <a:xfrm>
+            <a:off x="7982391" y="1214192"/>
+            <a:ext cx="762521" cy="562202"/>
+          </a:xfrm>
+          <a:prstGeom prst="straightConnector1">
+            <a:avLst/>
+          </a:prstGeom>
+          <a:ln>
+            <a:tailEnd type="triangle"/>
+          </a:ln>
+        </p:spPr>
+        <p:style>
+          <a:lnRef idx="1">
+            <a:schemeClr val="accent1"/>
+          </a:lnRef>
+          <a:fillRef idx="0">
+            <a:schemeClr val="accent1"/>
+          </a:fillRef>
+          <a:effectRef idx="0">
+            <a:schemeClr val="accent1"/>
+          </a:effectRef>
+          <a:fontRef idx="minor">
+            <a:schemeClr val="tx1"/>
+          </a:fontRef>
+        </p:style>
+      </p:cxnSp>
+      <p:cxnSp>
+        <p:nvCxnSpPr>
+          <p:cNvPr id="108" name="Straight Arrow Connector 107"/>
+          <p:cNvCxnSpPr>
+            <a:stCxn id="137" idx="1"/>
+            <a:endCxn id="97" idx="0"/>
+          </p:cNvCxnSpPr>
+          <p:nvPr/>
+        </p:nvCxnSpPr>
+        <p:spPr>
+          <a:xfrm>
+            <a:off x="9852809" y="1191124"/>
+            <a:ext cx="687720" cy="593923"/>
+          </a:xfrm>
+          <a:prstGeom prst="straightConnector1">
+            <a:avLst/>
+          </a:prstGeom>
+          <a:ln>
             <a:tailEnd type="triangle"/>
           </a:ln>
         </p:spPr>
@@ -5881,50 +6764,6 @@
       </p:cxnSp>
       <p:sp>
         <p:nvSpPr>
-          <p:cNvPr id="11" name="Rectangle 10"/>
-          <p:cNvSpPr/>
-          <p:nvPr/>
-        </p:nvSpPr>
-        <p:spPr>
-          <a:xfrm>
-            <a:off x="4502271" y="518405"/>
-            <a:ext cx="627797" cy="279961"/>
-          </a:xfrm>
-          <a:prstGeom prst="rect">
-            <a:avLst/>
-          </a:prstGeom>
-        </p:spPr>
-        <p:style>
-          <a:lnRef idx="2">
-            <a:schemeClr val="accent2">
-              <a:shade val="50000"/>
-            </a:schemeClr>
-          </a:lnRef>
-          <a:fillRef idx="1">
-            <a:schemeClr val="accent2"/>
-          </a:fillRef>
-          <a:effectRef idx="0">
-            <a:schemeClr val="accent2"/>
-          </a:effectRef>
-          <a:fontRef idx="minor">
-            <a:schemeClr val="lt1"/>
-          </a:fontRef>
-        </p:style>
-        <p:txBody>
-          <a:bodyPr rtlCol="0" anchor="ctr"/>
-          <a:lstStyle/>
-          <a:p>
-            <a:pPr algn="ctr"/>
-            <a:r>
-              <a:rPr lang="en-US" altLang="zh-TW" sz="1200" dirty="0"/>
-              <a:t>main</a:t>
-            </a:r>
-            <a:endParaRPr lang="zh-TW" altLang="en-US" sz="1200" dirty="0"/>
-          </a:p>
-        </p:txBody>
-      </p:sp>
-      <p:sp>
-        <p:nvSpPr>
           <p:cNvPr id="12" name="Rectangle 11"/>
           <p:cNvSpPr/>
           <p:nvPr/>
@@ -5967,42 +6806,6 @@
           </a:p>
         </p:txBody>
       </p:sp>
-      <p:cxnSp>
-        <p:nvCxnSpPr>
-          <p:cNvPr id="13" name="Connector: Elbow 12"/>
-          <p:cNvCxnSpPr>
-            <a:stCxn id="11" idx="2"/>
-            <a:endCxn id="12" idx="0"/>
-          </p:cNvCxnSpPr>
-          <p:nvPr/>
-        </p:nvCxnSpPr>
-        <p:spPr>
-          <a:xfrm rot="5400000">
-            <a:off x="4633063" y="981473"/>
-            <a:ext cx="366215" cy="1"/>
-          </a:xfrm>
-          <a:prstGeom prst="bentConnector3">
-            <a:avLst/>
-          </a:prstGeom>
-          <a:ln>
-            <a:tailEnd type="triangle"/>
-          </a:ln>
-        </p:spPr>
-        <p:style>
-          <a:lnRef idx="1">
-            <a:schemeClr val="accent1"/>
-          </a:lnRef>
-          <a:fillRef idx="0">
-            <a:schemeClr val="accent1"/>
-          </a:fillRef>
-          <a:effectRef idx="0">
-            <a:schemeClr val="accent1"/>
-          </a:effectRef>
-          <a:fontRef idx="minor">
-            <a:schemeClr val="tx1"/>
-          </a:fontRef>
-        </p:style>
-      </p:cxnSp>
       <p:cxnSp>
         <p:nvCxnSpPr>
           <p:cNvPr id="14" name="Straight Arrow Connector 13"/>
@@ -6418,8 +7221,8 @@
         </p:nvSpPr>
         <p:spPr>
           <a:xfrm>
-            <a:off x="5785300" y="3687812"/>
-            <a:ext cx="2081048" cy="767255"/>
+            <a:off x="5785299" y="3687812"/>
+            <a:ext cx="2118479" cy="926137"/>
           </a:xfrm>
           <a:prstGeom prst="roundRect">
             <a:avLst/>
@@ -6473,6 +7276,14 @@
             <a:r>
               <a:rPr lang="en-US" altLang="zh-TW" sz="1200" dirty="0" err="1"/>
               <a:t>error_msg</a:t>
+            </a:r>
+            <a:endParaRPr lang="en-US" altLang="zh-TW" sz="1200" dirty="0"/>
+          </a:p>
+          <a:p>
+            <a:pPr algn="ctr"/>
+            <a:r>
+              <a:rPr lang="en-US" altLang="zh-TW" sz="1200" dirty="0" err="1"/>
+              <a:t>sp_tag</a:t>
             </a:r>
             <a:endParaRPr lang="zh-TW" altLang="en-US" sz="1200" dirty="0"/>
           </a:p>
@@ -6782,6 +7593,656 @@
             <a:avLst/>
           </a:prstGeom>
           <a:ln>
+            <a:tailEnd type="triangle"/>
+          </a:ln>
+        </p:spPr>
+        <p:style>
+          <a:lnRef idx="1">
+            <a:schemeClr val="accent1"/>
+          </a:lnRef>
+          <a:fillRef idx="0">
+            <a:schemeClr val="accent1"/>
+          </a:fillRef>
+          <a:effectRef idx="0">
+            <a:schemeClr val="accent1"/>
+          </a:effectRef>
+          <a:fontRef idx="minor">
+            <a:schemeClr val="tx1"/>
+          </a:fontRef>
+        </p:style>
+      </p:cxnSp>
+      <p:sp>
+        <p:nvSpPr>
+          <p:cNvPr id="35" name="Rectangle 34"/>
+          <p:cNvSpPr/>
+          <p:nvPr/>
+        </p:nvSpPr>
+        <p:spPr>
+          <a:xfrm>
+            <a:off x="914399" y="3687812"/>
+            <a:ext cx="627797" cy="279961"/>
+          </a:xfrm>
+          <a:prstGeom prst="rect">
+            <a:avLst/>
+          </a:prstGeom>
+        </p:spPr>
+        <p:style>
+          <a:lnRef idx="2">
+            <a:schemeClr val="accent2">
+              <a:shade val="50000"/>
+            </a:schemeClr>
+          </a:lnRef>
+          <a:fillRef idx="1">
+            <a:schemeClr val="accent2"/>
+          </a:fillRef>
+          <a:effectRef idx="0">
+            <a:schemeClr val="accent2"/>
+          </a:effectRef>
+          <a:fontRef idx="minor">
+            <a:schemeClr val="lt1"/>
+          </a:fontRef>
+        </p:style>
+        <p:txBody>
+          <a:bodyPr rtlCol="0" anchor="ctr"/>
+          <a:lstStyle/>
+          <a:p>
+            <a:pPr algn="ctr"/>
+            <a:r>
+              <a:rPr lang="en-US" altLang="zh-TW" sz="1200" dirty="0"/>
+              <a:t>main</a:t>
+            </a:r>
+            <a:endParaRPr lang="zh-TW" altLang="en-US" sz="1200" dirty="0"/>
+          </a:p>
+        </p:txBody>
+      </p:sp>
+      <p:sp>
+        <p:nvSpPr>
+          <p:cNvPr id="36" name="Rectangle 35"/>
+          <p:cNvSpPr/>
+          <p:nvPr/>
+        </p:nvSpPr>
+        <p:spPr>
+          <a:xfrm>
+            <a:off x="557646" y="4333988"/>
+            <a:ext cx="1341301" cy="279961"/>
+          </a:xfrm>
+          <a:prstGeom prst="rect">
+            <a:avLst/>
+          </a:prstGeom>
+        </p:spPr>
+        <p:style>
+          <a:lnRef idx="2">
+            <a:schemeClr val="accent4">
+              <a:shade val="50000"/>
+            </a:schemeClr>
+          </a:lnRef>
+          <a:fillRef idx="1">
+            <a:schemeClr val="accent4"/>
+          </a:fillRef>
+          <a:effectRef idx="0">
+            <a:schemeClr val="accent4"/>
+          </a:effectRef>
+          <a:fontRef idx="minor">
+            <a:schemeClr val="lt1"/>
+          </a:fontRef>
+        </p:style>
+        <p:txBody>
+          <a:bodyPr rtlCol="0" anchor="ctr"/>
+          <a:lstStyle/>
+          <a:p>
+            <a:pPr algn="ctr"/>
+            <a:r>
+              <a:rPr lang="en-US" altLang="zh-TW" sz="1200" dirty="0" err="1"/>
+              <a:t>delete_tag</a:t>
+            </a:r>
+            <a:endParaRPr lang="en-US" altLang="zh-TW" sz="1200" dirty="0"/>
+          </a:p>
+        </p:txBody>
+      </p:sp>
+      <p:cxnSp>
+        <p:nvCxnSpPr>
+          <p:cNvPr id="37" name="Connector: Elbow 36"/>
+          <p:cNvCxnSpPr>
+            <a:stCxn id="35" idx="2"/>
+            <a:endCxn id="36" idx="0"/>
+          </p:cNvCxnSpPr>
+          <p:nvPr/>
+        </p:nvCxnSpPr>
+        <p:spPr>
+          <a:xfrm rot="5400000">
+            <a:off x="1045191" y="4150880"/>
+            <a:ext cx="366215" cy="1"/>
+          </a:xfrm>
+          <a:prstGeom prst="bentConnector3">
+            <a:avLst/>
+          </a:prstGeom>
+          <a:ln>
+            <a:tailEnd type="triangle"/>
+          </a:ln>
+        </p:spPr>
+        <p:style>
+          <a:lnRef idx="1">
+            <a:schemeClr val="accent1"/>
+          </a:lnRef>
+          <a:fillRef idx="0">
+            <a:schemeClr val="accent1"/>
+          </a:fillRef>
+          <a:effectRef idx="0">
+            <a:schemeClr val="accent1"/>
+          </a:effectRef>
+          <a:fontRef idx="minor">
+            <a:schemeClr val="tx1"/>
+          </a:fontRef>
+        </p:style>
+      </p:cxnSp>
+      <p:sp>
+        <p:nvSpPr>
+          <p:cNvPr id="41" name="Rectangle 40"/>
+          <p:cNvSpPr/>
+          <p:nvPr/>
+        </p:nvSpPr>
+        <p:spPr>
+          <a:xfrm>
+            <a:off x="993014" y="4978219"/>
+            <a:ext cx="627797" cy="279961"/>
+          </a:xfrm>
+          <a:prstGeom prst="rect">
+            <a:avLst/>
+          </a:prstGeom>
+        </p:spPr>
+        <p:style>
+          <a:lnRef idx="2">
+            <a:schemeClr val="accent2">
+              <a:shade val="50000"/>
+            </a:schemeClr>
+          </a:lnRef>
+          <a:fillRef idx="1">
+            <a:schemeClr val="accent2"/>
+          </a:fillRef>
+          <a:effectRef idx="0">
+            <a:schemeClr val="accent2"/>
+          </a:effectRef>
+          <a:fontRef idx="minor">
+            <a:schemeClr val="lt1"/>
+          </a:fontRef>
+        </p:style>
+        <p:txBody>
+          <a:bodyPr rtlCol="0" anchor="ctr"/>
+          <a:lstStyle/>
+          <a:p>
+            <a:pPr algn="ctr"/>
+            <a:r>
+              <a:rPr lang="en-US" altLang="zh-TW" sz="1200" dirty="0"/>
+              <a:t>main</a:t>
+            </a:r>
+            <a:endParaRPr lang="zh-TW" altLang="en-US" sz="1200" dirty="0"/>
+          </a:p>
+        </p:txBody>
+      </p:sp>
+      <p:sp>
+        <p:nvSpPr>
+          <p:cNvPr id="42" name="Rectangle 41"/>
+          <p:cNvSpPr/>
+          <p:nvPr/>
+        </p:nvSpPr>
+        <p:spPr>
+          <a:xfrm>
+            <a:off x="636261" y="5624395"/>
+            <a:ext cx="1341301" cy="279961"/>
+          </a:xfrm>
+          <a:prstGeom prst="rect">
+            <a:avLst/>
+          </a:prstGeom>
+        </p:spPr>
+        <p:style>
+          <a:lnRef idx="2">
+            <a:schemeClr val="accent4">
+              <a:shade val="50000"/>
+            </a:schemeClr>
+          </a:lnRef>
+          <a:fillRef idx="1">
+            <a:schemeClr val="accent4"/>
+          </a:fillRef>
+          <a:effectRef idx="0">
+            <a:schemeClr val="accent4"/>
+          </a:effectRef>
+          <a:fontRef idx="minor">
+            <a:schemeClr val="lt1"/>
+          </a:fontRef>
+        </p:style>
+        <p:txBody>
+          <a:bodyPr rtlCol="0" anchor="ctr"/>
+          <a:lstStyle/>
+          <a:p>
+            <a:pPr algn="ctr"/>
+            <a:r>
+              <a:rPr lang="en-US" altLang="zh-TW" sz="1200" dirty="0" err="1"/>
+              <a:t>roll_back</a:t>
+            </a:r>
+            <a:endParaRPr lang="en-US" altLang="zh-TW" sz="1200" dirty="0"/>
+          </a:p>
+        </p:txBody>
+      </p:sp>
+      <p:cxnSp>
+        <p:nvCxnSpPr>
+          <p:cNvPr id="43" name="Connector: Elbow 42"/>
+          <p:cNvCxnSpPr>
+            <a:stCxn id="41" idx="2"/>
+            <a:endCxn id="42" idx="0"/>
+          </p:cNvCxnSpPr>
+          <p:nvPr/>
+        </p:nvCxnSpPr>
+        <p:spPr>
+          <a:xfrm rot="5400000">
+            <a:off x="1123806" y="5441287"/>
+            <a:ext cx="366215" cy="1"/>
+          </a:xfrm>
+          <a:prstGeom prst="bentConnector3">
+            <a:avLst/>
+          </a:prstGeom>
+          <a:ln>
+            <a:tailEnd type="triangle"/>
+          </a:ln>
+        </p:spPr>
+        <p:style>
+          <a:lnRef idx="1">
+            <a:schemeClr val="accent1"/>
+          </a:lnRef>
+          <a:fillRef idx="0">
+            <a:schemeClr val="accent1"/>
+          </a:fillRef>
+          <a:effectRef idx="0">
+            <a:schemeClr val="accent1"/>
+          </a:effectRef>
+          <a:fontRef idx="minor">
+            <a:schemeClr val="tx1"/>
+          </a:fontRef>
+        </p:style>
+      </p:cxnSp>
+      <p:cxnSp>
+        <p:nvCxnSpPr>
+          <p:cNvPr id="6" name="Connector: Elbow 5"/>
+          <p:cNvCxnSpPr>
+            <a:stCxn id="2" idx="2"/>
+            <a:endCxn id="12" idx="0"/>
+          </p:cNvCxnSpPr>
+          <p:nvPr/>
+        </p:nvCxnSpPr>
+        <p:spPr>
+          <a:xfrm rot="16200000" flipH="1">
+            <a:off x="2996181" y="-655408"/>
+            <a:ext cx="366005" cy="3273971"/>
+          </a:xfrm>
+          <a:prstGeom prst="bentConnector3">
+            <a:avLst/>
+          </a:prstGeom>
+          <a:ln>
+            <a:tailEnd type="triangle"/>
+          </a:ln>
+        </p:spPr>
+        <p:style>
+          <a:lnRef idx="1">
+            <a:schemeClr val="accent1"/>
+          </a:lnRef>
+          <a:fillRef idx="0">
+            <a:schemeClr val="accent1"/>
+          </a:fillRef>
+          <a:effectRef idx="0">
+            <a:schemeClr val="accent1"/>
+          </a:effectRef>
+          <a:fontRef idx="minor">
+            <a:schemeClr val="tx1"/>
+          </a:fontRef>
+        </p:style>
+      </p:cxnSp>
+      <p:sp>
+        <p:nvSpPr>
+          <p:cNvPr id="40" name="Rectangle 39"/>
+          <p:cNvSpPr/>
+          <p:nvPr/>
+        </p:nvSpPr>
+        <p:spPr>
+          <a:xfrm>
+            <a:off x="8843439" y="1162083"/>
+            <a:ext cx="1341301" cy="279961"/>
+          </a:xfrm>
+          <a:prstGeom prst="rect">
+            <a:avLst/>
+          </a:prstGeom>
+        </p:spPr>
+        <p:style>
+          <a:lnRef idx="2">
+            <a:schemeClr val="accent4">
+              <a:shade val="50000"/>
+            </a:schemeClr>
+          </a:lnRef>
+          <a:fillRef idx="1">
+            <a:schemeClr val="accent4"/>
+          </a:fillRef>
+          <a:effectRef idx="0">
+            <a:schemeClr val="accent4"/>
+          </a:effectRef>
+          <a:fontRef idx="minor">
+            <a:schemeClr val="lt1"/>
+          </a:fontRef>
+        </p:style>
+        <p:txBody>
+          <a:bodyPr rtlCol="0" anchor="ctr"/>
+          <a:lstStyle/>
+          <a:p>
+            <a:pPr algn="ctr"/>
+            <a:r>
+              <a:rPr lang="en-US" altLang="zh-TW" sz="1200" dirty="0" err="1"/>
+              <a:t>check_tag_name</a:t>
+            </a:r>
+            <a:endParaRPr lang="en-US" altLang="zh-TW" sz="1200" dirty="0"/>
+          </a:p>
+        </p:txBody>
+      </p:sp>
+      <p:sp>
+        <p:nvSpPr>
+          <p:cNvPr id="44" name="Rectangle 43"/>
+          <p:cNvSpPr/>
+          <p:nvPr/>
+        </p:nvSpPr>
+        <p:spPr>
+          <a:xfrm>
+            <a:off x="8837776" y="1811237"/>
+            <a:ext cx="1346963" cy="310035"/>
+          </a:xfrm>
+          <a:prstGeom prst="rect">
+            <a:avLst/>
+          </a:prstGeom>
+        </p:spPr>
+        <p:style>
+          <a:lnRef idx="2">
+            <a:schemeClr val="accent4">
+              <a:shade val="50000"/>
+            </a:schemeClr>
+          </a:lnRef>
+          <a:fillRef idx="1">
+            <a:schemeClr val="accent4"/>
+          </a:fillRef>
+          <a:effectRef idx="0">
+            <a:schemeClr val="accent4"/>
+          </a:effectRef>
+          <a:fontRef idx="minor">
+            <a:schemeClr val="lt1"/>
+          </a:fontRef>
+        </p:style>
+        <p:txBody>
+          <a:bodyPr rtlCol="0" anchor="ctr"/>
+          <a:lstStyle/>
+          <a:p>
+            <a:pPr algn="ctr"/>
+            <a:r>
+              <a:rPr lang="en-US" altLang="zh-TW" sz="1200" dirty="0" err="1"/>
+              <a:t>check_tag</a:t>
+            </a:r>
+            <a:endParaRPr lang="en-US" altLang="zh-TW" sz="1200" dirty="0"/>
+          </a:p>
+        </p:txBody>
+      </p:sp>
+      <p:cxnSp>
+        <p:nvCxnSpPr>
+          <p:cNvPr id="45" name="Straight Arrow Connector 44"/>
+          <p:cNvCxnSpPr>
+            <a:stCxn id="40" idx="2"/>
+            <a:endCxn id="44" idx="0"/>
+          </p:cNvCxnSpPr>
+          <p:nvPr/>
+        </p:nvCxnSpPr>
+        <p:spPr>
+          <a:xfrm flipH="1">
+            <a:off x="9511258" y="1442044"/>
+            <a:ext cx="2832" cy="369193"/>
+          </a:xfrm>
+          <a:prstGeom prst="straightConnector1">
+            <a:avLst/>
+          </a:prstGeom>
+          <a:ln>
+            <a:tailEnd type="triangle"/>
+          </a:ln>
+        </p:spPr>
+        <p:style>
+          <a:lnRef idx="1">
+            <a:schemeClr val="accent1"/>
+          </a:lnRef>
+          <a:fillRef idx="0">
+            <a:schemeClr val="accent1"/>
+          </a:fillRef>
+          <a:effectRef idx="0">
+            <a:schemeClr val="accent1"/>
+          </a:effectRef>
+          <a:fontRef idx="minor">
+            <a:schemeClr val="tx1"/>
+          </a:fontRef>
+        </p:style>
+      </p:cxnSp>
+      <p:cxnSp>
+        <p:nvCxnSpPr>
+          <p:cNvPr id="38" name="Connector: Elbow 37"/>
+          <p:cNvCxnSpPr>
+            <a:stCxn id="2" idx="2"/>
+            <a:endCxn id="40" idx="0"/>
+          </p:cNvCxnSpPr>
+          <p:nvPr/>
+        </p:nvCxnSpPr>
+        <p:spPr>
+          <a:xfrm rot="16200000" flipH="1">
+            <a:off x="5346391" y="-3005617"/>
+            <a:ext cx="363507" cy="7971892"/>
+          </a:xfrm>
+          <a:prstGeom prst="bentConnector3">
+            <a:avLst/>
+          </a:prstGeom>
+          <a:ln>
+            <a:tailEnd type="triangle"/>
+          </a:ln>
+        </p:spPr>
+        <p:style>
+          <a:lnRef idx="1">
+            <a:schemeClr val="accent1"/>
+          </a:lnRef>
+          <a:fillRef idx="0">
+            <a:schemeClr val="accent1"/>
+          </a:fillRef>
+          <a:effectRef idx="0">
+            <a:schemeClr val="accent1"/>
+          </a:effectRef>
+          <a:fontRef idx="minor">
+            <a:schemeClr val="tx1"/>
+          </a:fontRef>
+        </p:style>
+      </p:cxnSp>
+      <p:cxnSp>
+        <p:nvCxnSpPr>
+          <p:cNvPr id="46" name="Straight Arrow Connector 45"/>
+          <p:cNvCxnSpPr>
+            <a:stCxn id="40" idx="1"/>
+            <a:endCxn id="22" idx="0"/>
+          </p:cNvCxnSpPr>
+          <p:nvPr/>
+        </p:nvCxnSpPr>
+        <p:spPr>
+          <a:xfrm flipH="1">
+            <a:off x="6828121" y="1302064"/>
+            <a:ext cx="2015318" cy="142478"/>
+          </a:xfrm>
+          <a:prstGeom prst="straightConnector1">
+            <a:avLst/>
+          </a:prstGeom>
+          <a:ln w="12700">
+            <a:solidFill>
+              <a:schemeClr val="accent6">
+                <a:lumMod val="50000"/>
+              </a:schemeClr>
+            </a:solidFill>
+            <a:tailEnd type="triangle"/>
+          </a:ln>
+        </p:spPr>
+        <p:style>
+          <a:lnRef idx="1">
+            <a:schemeClr val="accent1"/>
+          </a:lnRef>
+          <a:fillRef idx="0">
+            <a:schemeClr val="accent1"/>
+          </a:fillRef>
+          <a:effectRef idx="0">
+            <a:schemeClr val="accent1"/>
+          </a:effectRef>
+          <a:fontRef idx="minor">
+            <a:schemeClr val="tx1"/>
+          </a:fontRef>
+        </p:style>
+      </p:cxnSp>
+      <p:sp>
+        <p:nvSpPr>
+          <p:cNvPr id="49" name="Rectangle 48"/>
+          <p:cNvSpPr/>
+          <p:nvPr/>
+        </p:nvSpPr>
+        <p:spPr>
+          <a:xfrm>
+            <a:off x="8540219" y="2660748"/>
+            <a:ext cx="1242683" cy="240105"/>
+          </a:xfrm>
+          <a:prstGeom prst="rect">
+            <a:avLst/>
+          </a:prstGeom>
+        </p:spPr>
+        <p:style>
+          <a:lnRef idx="2">
+            <a:schemeClr val="accent2">
+              <a:shade val="50000"/>
+            </a:schemeClr>
+          </a:lnRef>
+          <a:fillRef idx="1">
+            <a:schemeClr val="accent2"/>
+          </a:fillRef>
+          <a:effectRef idx="0">
+            <a:schemeClr val="accent2"/>
+          </a:effectRef>
+          <a:fontRef idx="minor">
+            <a:schemeClr val="lt1"/>
+          </a:fontRef>
+        </p:style>
+        <p:txBody>
+          <a:bodyPr rtlCol="0" anchor="ctr"/>
+          <a:lstStyle/>
+          <a:p>
+            <a:pPr algn="ctr"/>
+            <a:r>
+              <a:rPr lang="en-US" altLang="zh-TW" sz="1200" dirty="0" err="1"/>
+              <a:t>check_tag</a:t>
+            </a:r>
+            <a:endParaRPr lang="en-US" altLang="zh-TW" sz="1200" dirty="0"/>
+          </a:p>
+        </p:txBody>
+      </p:sp>
+      <p:sp>
+        <p:nvSpPr>
+          <p:cNvPr id="52" name="Rectangle 51"/>
+          <p:cNvSpPr/>
+          <p:nvPr/>
+        </p:nvSpPr>
+        <p:spPr>
+          <a:xfrm>
+            <a:off x="8540219" y="3309949"/>
+            <a:ext cx="1242683" cy="297955"/>
+          </a:xfrm>
+          <a:prstGeom prst="rect">
+            <a:avLst/>
+          </a:prstGeom>
+        </p:spPr>
+        <p:style>
+          <a:lnRef idx="2">
+            <a:schemeClr val="accent6">
+              <a:shade val="50000"/>
+            </a:schemeClr>
+          </a:lnRef>
+          <a:fillRef idx="1">
+            <a:schemeClr val="accent6"/>
+          </a:fillRef>
+          <a:effectRef idx="0">
+            <a:schemeClr val="accent6"/>
+          </a:effectRef>
+          <a:fontRef idx="minor">
+            <a:schemeClr val="lt1"/>
+          </a:fontRef>
+        </p:style>
+        <p:txBody>
+          <a:bodyPr rtlCol="0" anchor="ctr"/>
+          <a:lstStyle/>
+          <a:p>
+            <a:pPr algn="ctr"/>
+            <a:r>
+              <a:rPr lang="en-US" altLang="zh-TW" sz="1200" dirty="0" err="1"/>
+              <a:t>show_tag_info</a:t>
+            </a:r>
+            <a:endParaRPr lang="en-US" altLang="zh-TW" sz="1200" dirty="0"/>
+          </a:p>
+        </p:txBody>
+      </p:sp>
+      <p:cxnSp>
+        <p:nvCxnSpPr>
+          <p:cNvPr id="54" name="Connector: Elbow 53"/>
+          <p:cNvCxnSpPr>
+            <a:stCxn id="49" idx="2"/>
+            <a:endCxn id="52" idx="0"/>
+          </p:cNvCxnSpPr>
+          <p:nvPr/>
+        </p:nvCxnSpPr>
+        <p:spPr>
+          <a:xfrm rot="5400000">
+            <a:off x="8957013" y="3105401"/>
+            <a:ext cx="409096" cy="12700"/>
+          </a:xfrm>
+          <a:prstGeom prst="bentConnector3">
+            <a:avLst/>
+          </a:prstGeom>
+          <a:ln>
+            <a:tailEnd type="triangle"/>
+          </a:ln>
+        </p:spPr>
+        <p:style>
+          <a:lnRef idx="1">
+            <a:schemeClr val="accent1"/>
+          </a:lnRef>
+          <a:fillRef idx="0">
+            <a:schemeClr val="accent1"/>
+          </a:fillRef>
+          <a:effectRef idx="0">
+            <a:schemeClr val="accent1"/>
+          </a:effectRef>
+          <a:fontRef idx="minor">
+            <a:schemeClr val="tx1"/>
+          </a:fontRef>
+        </p:style>
+      </p:cxnSp>
+      <p:cxnSp>
+        <p:nvCxnSpPr>
+          <p:cNvPr id="62" name="Straight Arrow Connector 61"/>
+          <p:cNvCxnSpPr>
+            <a:stCxn id="44" idx="1"/>
+            <a:endCxn id="49" idx="0"/>
+          </p:cNvCxnSpPr>
+          <p:nvPr/>
+        </p:nvCxnSpPr>
+        <p:spPr>
+          <a:xfrm>
+            <a:off x="8837776" y="1966255"/>
+            <a:ext cx="323785" cy="694493"/>
+          </a:xfrm>
+          <a:prstGeom prst="straightConnector1">
+            <a:avLst/>
+          </a:prstGeom>
+          <a:ln w="12700">
+            <a:solidFill>
+              <a:schemeClr val="accent6">
+                <a:lumMod val="50000"/>
+              </a:schemeClr>
+            </a:solidFill>
             <a:tailEnd type="triangle"/>
           </a:ln>
         </p:spPr>
